--- a/mod_2_presentation.pptx
+++ b/mod_2_presentation.pptx
@@ -4,6 +4,9 @@
   <p:sldMasterIdLst>
     <p:sldMasterId id="2147483648" r:id="rId1"/>
   </p:sldMasterIdLst>
+  <p:notesMasterIdLst>
+    <p:notesMasterId r:id="rId10"/>
+  </p:notesMasterIdLst>
   <p:sldIdLst>
     <p:sldId id="256" r:id="rId2"/>
     <p:sldId id="257" r:id="rId3"/>
@@ -11,7 +14,8 @@
     <p:sldId id="259" r:id="rId5"/>
     <p:sldId id="260" r:id="rId6"/>
     <p:sldId id="261" r:id="rId7"/>
-    <p:sldId id="262" r:id="rId8"/>
+    <p:sldId id="263" r:id="rId8"/>
+    <p:sldId id="262" r:id="rId9"/>
   </p:sldIdLst>
   <p:sldSz cx="12192000" cy="6858000"/>
   <p:notesSz cx="6858000" cy="9144000"/>
@@ -110,6 +114,11 @@
       </a:defRPr>
     </a:lvl9pPr>
   </p:defaultTextStyle>
+  <p:extLst>
+    <p:ext uri="{EFAFB233-063F-42B5-8137-9DF3F51BA10A}">
+      <p15:sldGuideLst xmlns:p15="http://schemas.microsoft.com/office/powerpoint/2012/main"/>
+    </p:ext>
+  </p:extLst>
 </p:presentation>
 </file>
 
@@ -4580,6 +4589,927 @@
 </file>
 
 <file path=ppt/diagrams/colors6.xml><?xml version="1.0" encoding="utf-8"?>
+<dgm:colorsDef xmlns:dgm="http://schemas.openxmlformats.org/drawingml/2006/diagram" xmlns:a="http://schemas.openxmlformats.org/drawingml/2006/main" uniqueId="urn:microsoft.com/office/officeart/2018/5/colors/Iconchunking_neutralicontext_colorful1">
+  <dgm:title val=""/>
+  <dgm:desc val=""/>
+  <dgm:catLst>
+    <dgm:cat type="colorful" pri="10100"/>
+  </dgm:catLst>
+  <dgm:styleLbl name="node0">
+    <dgm:fillClrLst meth="repeat">
+      <a:schemeClr val="accent1"/>
+    </dgm:fillClrLst>
+    <dgm:linClrLst meth="repeat">
+      <a:schemeClr val="lt1"/>
+    </dgm:linClrLst>
+    <dgm:effectClrLst/>
+    <dgm:txLinClrLst/>
+    <dgm:txFillClrLst/>
+    <dgm:txEffectClrLst/>
+  </dgm:styleLbl>
+  <dgm:styleLbl name="node1">
+    <dgm:fillClrLst meth="repeat">
+      <a:schemeClr val="bg1"/>
+    </dgm:fillClrLst>
+    <dgm:linClrLst meth="repeat">
+      <a:schemeClr val="lt1">
+        <a:alpha val="0"/>
+      </a:schemeClr>
+    </dgm:linClrLst>
+    <dgm:effectClrLst/>
+    <dgm:txLinClrLst/>
+    <dgm:txFillClrLst meth="repeat">
+      <a:schemeClr val="dk1"/>
+    </dgm:txFillClrLst>
+    <dgm:txEffectClrLst/>
+  </dgm:styleLbl>
+  <dgm:styleLbl name="alignNode1">
+    <dgm:fillClrLst meth="repeat">
+      <a:schemeClr val="accent2"/>
+      <a:schemeClr val="accent3"/>
+      <a:schemeClr val="accent4"/>
+      <a:schemeClr val="accent5"/>
+      <a:schemeClr val="accent6"/>
+    </dgm:fillClrLst>
+    <dgm:linClrLst meth="repeat">
+      <a:schemeClr val="accent2"/>
+      <a:schemeClr val="accent3"/>
+      <a:schemeClr val="accent4"/>
+      <a:schemeClr val="accent5"/>
+      <a:schemeClr val="accent6"/>
+    </dgm:linClrLst>
+    <dgm:effectClrLst/>
+    <dgm:txLinClrLst/>
+    <dgm:txFillClrLst/>
+    <dgm:txEffectClrLst/>
+  </dgm:styleLbl>
+  <dgm:styleLbl name="lnNode1">
+    <dgm:fillClrLst meth="repeat">
+      <a:schemeClr val="accent2"/>
+      <a:schemeClr val="accent3"/>
+      <a:schemeClr val="accent4"/>
+      <a:schemeClr val="accent5"/>
+      <a:schemeClr val="accent6"/>
+    </dgm:fillClrLst>
+    <dgm:linClrLst meth="repeat">
+      <a:schemeClr val="lt1"/>
+    </dgm:linClrLst>
+    <dgm:effectClrLst/>
+    <dgm:txLinClrLst/>
+    <dgm:txFillClrLst/>
+    <dgm:txEffectClrLst/>
+  </dgm:styleLbl>
+  <dgm:styleLbl name="vennNode1">
+    <dgm:fillClrLst meth="repeat">
+      <a:schemeClr val="accent2">
+        <a:alpha val="50000"/>
+      </a:schemeClr>
+      <a:schemeClr val="accent3">
+        <a:alpha val="50000"/>
+      </a:schemeClr>
+      <a:schemeClr val="accent4">
+        <a:alpha val="50000"/>
+      </a:schemeClr>
+      <a:schemeClr val="accent5">
+        <a:alpha val="50000"/>
+      </a:schemeClr>
+      <a:schemeClr val="accent6">
+        <a:alpha val="50000"/>
+      </a:schemeClr>
+    </dgm:fillClrLst>
+    <dgm:linClrLst meth="repeat">
+      <a:schemeClr val="lt1"/>
+    </dgm:linClrLst>
+    <dgm:effectClrLst/>
+    <dgm:txLinClrLst/>
+    <dgm:txFillClrLst/>
+    <dgm:txEffectClrLst/>
+  </dgm:styleLbl>
+  <dgm:styleLbl name="node2">
+    <dgm:fillClrLst>
+      <a:schemeClr val="accent2"/>
+    </dgm:fillClrLst>
+    <dgm:linClrLst meth="repeat">
+      <a:schemeClr val="lt1"/>
+    </dgm:linClrLst>
+    <dgm:effectClrLst/>
+    <dgm:txLinClrLst/>
+    <dgm:txFillClrLst/>
+    <dgm:txEffectClrLst/>
+  </dgm:styleLbl>
+  <dgm:styleLbl name="node3">
+    <dgm:fillClrLst>
+      <a:schemeClr val="accent3"/>
+    </dgm:fillClrLst>
+    <dgm:linClrLst meth="repeat">
+      <a:schemeClr val="lt1"/>
+    </dgm:linClrLst>
+    <dgm:effectClrLst/>
+    <dgm:txLinClrLst/>
+    <dgm:txFillClrLst/>
+    <dgm:txEffectClrLst/>
+  </dgm:styleLbl>
+  <dgm:styleLbl name="node4">
+    <dgm:fillClrLst>
+      <a:schemeClr val="accent4"/>
+    </dgm:fillClrLst>
+    <dgm:linClrLst meth="repeat">
+      <a:schemeClr val="lt1"/>
+    </dgm:linClrLst>
+    <dgm:effectClrLst/>
+    <dgm:txLinClrLst/>
+    <dgm:txFillClrLst/>
+    <dgm:txEffectClrLst/>
+  </dgm:styleLbl>
+  <dgm:styleLbl name="fgImgPlace1">
+    <dgm:fillClrLst meth="repeat">
+      <a:schemeClr val="accent2">
+        <a:tint val="50000"/>
+      </a:schemeClr>
+      <a:schemeClr val="accent3">
+        <a:tint val="50000"/>
+      </a:schemeClr>
+      <a:schemeClr val="accent4">
+        <a:tint val="50000"/>
+      </a:schemeClr>
+      <a:schemeClr val="accent5">
+        <a:tint val="50000"/>
+      </a:schemeClr>
+      <a:schemeClr val="accent6">
+        <a:tint val="50000"/>
+      </a:schemeClr>
+    </dgm:fillClrLst>
+    <dgm:linClrLst meth="repeat">
+      <a:schemeClr val="lt1"/>
+    </dgm:linClrLst>
+    <dgm:effectClrLst/>
+    <dgm:txLinClrLst/>
+    <dgm:txFillClrLst meth="repeat">
+      <a:schemeClr val="lt1"/>
+    </dgm:txFillClrLst>
+    <dgm:txEffectClrLst/>
+  </dgm:styleLbl>
+  <dgm:styleLbl name="alignImgPlace1">
+    <dgm:fillClrLst>
+      <a:schemeClr val="accent1">
+        <a:tint val="50000"/>
+      </a:schemeClr>
+      <a:schemeClr val="accent2">
+        <a:tint val="20000"/>
+      </a:schemeClr>
+    </dgm:fillClrLst>
+    <dgm:linClrLst meth="repeat">
+      <a:schemeClr val="lt1"/>
+    </dgm:linClrLst>
+    <dgm:effectClrLst/>
+    <dgm:txLinClrLst/>
+    <dgm:txFillClrLst meth="repeat">
+      <a:schemeClr val="lt1"/>
+    </dgm:txFillClrLst>
+    <dgm:txEffectClrLst/>
+  </dgm:styleLbl>
+  <dgm:styleLbl name="bgImgPlace1">
+    <dgm:fillClrLst>
+      <a:schemeClr val="accent1">
+        <a:tint val="50000"/>
+      </a:schemeClr>
+      <a:schemeClr val="accent2">
+        <a:tint val="20000"/>
+      </a:schemeClr>
+    </dgm:fillClrLst>
+    <dgm:linClrLst meth="repeat">
+      <a:schemeClr val="lt1"/>
+    </dgm:linClrLst>
+    <dgm:effectClrLst/>
+    <dgm:txLinClrLst/>
+    <dgm:txFillClrLst meth="repeat">
+      <a:schemeClr val="lt1"/>
+    </dgm:txFillClrLst>
+    <dgm:txEffectClrLst/>
+  </dgm:styleLbl>
+  <dgm:styleLbl name="sibTrans2D1">
+    <dgm:fillClrLst meth="repeat">
+      <a:schemeClr val="accent2"/>
+      <a:schemeClr val="accent3"/>
+      <a:schemeClr val="accent4"/>
+      <a:schemeClr val="accent5"/>
+      <a:schemeClr val="accent6"/>
+    </dgm:fillClrLst>
+    <dgm:linClrLst meth="cycle">
+      <a:schemeClr val="lt1"/>
+    </dgm:linClrLst>
+    <dgm:effectClrLst/>
+    <dgm:txLinClrLst/>
+    <dgm:txFillClrLst/>
+    <dgm:txEffectClrLst/>
+  </dgm:styleLbl>
+  <dgm:styleLbl name="fgSibTrans2D1">
+    <dgm:fillClrLst meth="repeat">
+      <a:schemeClr val="accent2"/>
+      <a:schemeClr val="accent3"/>
+      <a:schemeClr val="accent4"/>
+      <a:schemeClr val="accent5"/>
+      <a:schemeClr val="accent6"/>
+    </dgm:fillClrLst>
+    <dgm:linClrLst meth="cycle">
+      <a:schemeClr val="lt1"/>
+    </dgm:linClrLst>
+    <dgm:effectClrLst/>
+    <dgm:txLinClrLst/>
+    <dgm:txFillClrLst meth="repeat">
+      <a:schemeClr val="lt1"/>
+    </dgm:txFillClrLst>
+    <dgm:txEffectClrLst/>
+  </dgm:styleLbl>
+  <dgm:styleLbl name="bgSibTrans2D1">
+    <dgm:fillClrLst meth="repeat">
+      <a:schemeClr val="accent2"/>
+      <a:schemeClr val="accent3"/>
+      <a:schemeClr val="accent4"/>
+      <a:schemeClr val="accent5"/>
+      <a:schemeClr val="accent6"/>
+    </dgm:fillClrLst>
+    <dgm:linClrLst meth="cycle">
+      <a:schemeClr val="lt1"/>
+    </dgm:linClrLst>
+    <dgm:effectClrLst/>
+    <dgm:txLinClrLst/>
+    <dgm:txFillClrLst meth="repeat">
+      <a:schemeClr val="lt1"/>
+    </dgm:txFillClrLst>
+    <dgm:txEffectClrLst/>
+  </dgm:styleLbl>
+  <dgm:styleLbl name="sibTrans1D1">
+    <dgm:fillClrLst meth="repeat">
+      <a:schemeClr val="accent2"/>
+      <a:schemeClr val="accent3"/>
+      <a:schemeClr val="accent4"/>
+      <a:schemeClr val="accent5"/>
+      <a:schemeClr val="accent6"/>
+    </dgm:fillClrLst>
+    <dgm:linClrLst meth="repeat">
+      <a:schemeClr val="accent2"/>
+      <a:schemeClr val="accent3"/>
+      <a:schemeClr val="accent4"/>
+      <a:schemeClr val="accent5"/>
+      <a:schemeClr val="accent6"/>
+    </dgm:linClrLst>
+    <dgm:effectClrLst/>
+    <dgm:txLinClrLst/>
+    <dgm:txFillClrLst meth="repeat">
+      <a:schemeClr val="tx1"/>
+    </dgm:txFillClrLst>
+    <dgm:txEffectClrLst/>
+  </dgm:styleLbl>
+  <dgm:styleLbl name="callout">
+    <dgm:fillClrLst meth="repeat">
+      <a:schemeClr val="accent2"/>
+    </dgm:fillClrLst>
+    <dgm:linClrLst meth="repeat">
+      <a:schemeClr val="accent2">
+        <a:tint val="50000"/>
+      </a:schemeClr>
+    </dgm:linClrLst>
+    <dgm:effectClrLst/>
+    <dgm:txLinClrLst/>
+    <dgm:txFillClrLst meth="repeat">
+      <a:schemeClr val="tx1"/>
+    </dgm:txFillClrLst>
+    <dgm:txEffectClrLst/>
+  </dgm:styleLbl>
+  <dgm:styleLbl name="asst0">
+    <dgm:fillClrLst meth="repeat">
+      <a:schemeClr val="accent1"/>
+    </dgm:fillClrLst>
+    <dgm:linClrLst meth="repeat">
+      <a:schemeClr val="lt1"/>
+    </dgm:linClrLst>
+    <dgm:effectClrLst/>
+    <dgm:txLinClrLst/>
+    <dgm:txFillClrLst/>
+    <dgm:txEffectClrLst/>
+  </dgm:styleLbl>
+  <dgm:styleLbl name="asst1">
+    <dgm:fillClrLst meth="repeat">
+      <a:schemeClr val="accent2"/>
+    </dgm:fillClrLst>
+    <dgm:linClrLst meth="repeat">
+      <a:schemeClr val="lt1"/>
+    </dgm:linClrLst>
+    <dgm:effectClrLst/>
+    <dgm:txLinClrLst/>
+    <dgm:txFillClrLst/>
+    <dgm:txEffectClrLst/>
+  </dgm:styleLbl>
+  <dgm:styleLbl name="asst2">
+    <dgm:fillClrLst>
+      <a:schemeClr val="accent3"/>
+    </dgm:fillClrLst>
+    <dgm:linClrLst meth="repeat">
+      <a:schemeClr val="lt1"/>
+    </dgm:linClrLst>
+    <dgm:effectClrLst/>
+    <dgm:txLinClrLst/>
+    <dgm:txFillClrLst/>
+    <dgm:txEffectClrLst/>
+  </dgm:styleLbl>
+  <dgm:styleLbl name="asst3">
+    <dgm:fillClrLst>
+      <a:schemeClr val="accent4"/>
+    </dgm:fillClrLst>
+    <dgm:linClrLst meth="repeat">
+      <a:schemeClr val="lt1"/>
+    </dgm:linClrLst>
+    <dgm:effectClrLst/>
+    <dgm:txLinClrLst/>
+    <dgm:txFillClrLst/>
+    <dgm:txEffectClrLst/>
+  </dgm:styleLbl>
+  <dgm:styleLbl name="asst4">
+    <dgm:fillClrLst>
+      <a:schemeClr val="accent5"/>
+    </dgm:fillClrLst>
+    <dgm:linClrLst meth="repeat">
+      <a:schemeClr val="lt1"/>
+    </dgm:linClrLst>
+    <dgm:effectClrLst/>
+    <dgm:txLinClrLst/>
+    <dgm:txFillClrLst/>
+    <dgm:txEffectClrLst/>
+  </dgm:styleLbl>
+  <dgm:styleLbl name="parChTrans2D1">
+    <dgm:fillClrLst meth="repeat">
+      <a:schemeClr val="accent2"/>
+    </dgm:fillClrLst>
+    <dgm:linClrLst meth="repeat">
+      <a:schemeClr val="lt1"/>
+    </dgm:linClrLst>
+    <dgm:effectClrLst/>
+    <dgm:txLinClrLst/>
+    <dgm:txFillClrLst meth="repeat">
+      <a:schemeClr val="lt1"/>
+    </dgm:txFillClrLst>
+    <dgm:txEffectClrLst/>
+  </dgm:styleLbl>
+  <dgm:styleLbl name="parChTrans2D2">
+    <dgm:fillClrLst meth="repeat">
+      <a:schemeClr val="accent3"/>
+    </dgm:fillClrLst>
+    <dgm:linClrLst meth="repeat">
+      <a:schemeClr val="lt1"/>
+    </dgm:linClrLst>
+    <dgm:effectClrLst/>
+    <dgm:txLinClrLst/>
+    <dgm:txFillClrLst/>
+    <dgm:txEffectClrLst/>
+  </dgm:styleLbl>
+  <dgm:styleLbl name="parChTrans2D3">
+    <dgm:fillClrLst meth="repeat">
+      <a:schemeClr val="accent4"/>
+    </dgm:fillClrLst>
+    <dgm:linClrLst meth="repeat">
+      <a:schemeClr val="lt1"/>
+    </dgm:linClrLst>
+    <dgm:effectClrLst/>
+    <dgm:txLinClrLst/>
+    <dgm:txFillClrLst/>
+    <dgm:txEffectClrLst/>
+  </dgm:styleLbl>
+  <dgm:styleLbl name="parChTrans2D4">
+    <dgm:fillClrLst meth="repeat">
+      <a:schemeClr val="accent5"/>
+    </dgm:fillClrLst>
+    <dgm:linClrLst meth="repeat">
+      <a:schemeClr val="lt1"/>
+    </dgm:linClrLst>
+    <dgm:effectClrLst/>
+    <dgm:txLinClrLst/>
+    <dgm:txFillClrLst meth="repeat">
+      <a:schemeClr val="lt1"/>
+    </dgm:txFillClrLst>
+    <dgm:txEffectClrLst/>
+  </dgm:styleLbl>
+  <dgm:styleLbl name="parChTrans1D1">
+    <dgm:fillClrLst meth="repeat">
+      <a:schemeClr val="accent2"/>
+    </dgm:fillClrLst>
+    <dgm:linClrLst meth="repeat">
+      <a:schemeClr val="accent1"/>
+    </dgm:linClrLst>
+    <dgm:effectClrLst/>
+    <dgm:txLinClrLst/>
+    <dgm:txFillClrLst meth="repeat">
+      <a:schemeClr val="tx1"/>
+    </dgm:txFillClrLst>
+    <dgm:txEffectClrLst/>
+  </dgm:styleLbl>
+  <dgm:styleLbl name="parChTrans1D2">
+    <dgm:fillClrLst meth="repeat">
+      <a:schemeClr val="accent3">
+        <a:tint val="90000"/>
+      </a:schemeClr>
+    </dgm:fillClrLst>
+    <dgm:linClrLst meth="repeat">
+      <a:schemeClr val="accent2"/>
+    </dgm:linClrLst>
+    <dgm:effectClrLst/>
+    <dgm:txLinClrLst/>
+    <dgm:txFillClrLst meth="repeat">
+      <a:schemeClr val="tx1"/>
+    </dgm:txFillClrLst>
+    <dgm:txEffectClrLst/>
+  </dgm:styleLbl>
+  <dgm:styleLbl name="parChTrans1D3">
+    <dgm:fillClrLst meth="repeat">
+      <a:schemeClr val="accent4">
+        <a:tint val="70000"/>
+      </a:schemeClr>
+    </dgm:fillClrLst>
+    <dgm:linClrLst meth="repeat">
+      <a:schemeClr val="accent3"/>
+    </dgm:linClrLst>
+    <dgm:effectClrLst/>
+    <dgm:txLinClrLst/>
+    <dgm:txFillClrLst meth="repeat">
+      <a:schemeClr val="tx1"/>
+    </dgm:txFillClrLst>
+    <dgm:txEffectClrLst/>
+  </dgm:styleLbl>
+  <dgm:styleLbl name="parChTrans1D4">
+    <dgm:fillClrLst meth="repeat">
+      <a:schemeClr val="accent5">
+        <a:tint val="50000"/>
+      </a:schemeClr>
+    </dgm:fillClrLst>
+    <dgm:linClrLst meth="repeat">
+      <a:schemeClr val="accent4"/>
+    </dgm:linClrLst>
+    <dgm:effectClrLst/>
+    <dgm:txLinClrLst/>
+    <dgm:txFillClrLst meth="repeat">
+      <a:schemeClr val="tx1"/>
+    </dgm:txFillClrLst>
+    <dgm:txEffectClrLst/>
+  </dgm:styleLbl>
+  <dgm:styleLbl name="fgAcc1">
+    <dgm:fillClrLst meth="repeat">
+      <a:schemeClr val="lt1">
+        <a:alpha val="90000"/>
+      </a:schemeClr>
+    </dgm:fillClrLst>
+    <dgm:linClrLst meth="repeat">
+      <a:schemeClr val="accent2"/>
+      <a:schemeClr val="accent3"/>
+      <a:schemeClr val="accent4"/>
+      <a:schemeClr val="accent5"/>
+      <a:schemeClr val="accent6"/>
+    </dgm:linClrLst>
+    <dgm:effectClrLst/>
+    <dgm:txLinClrLst/>
+    <dgm:txFillClrLst meth="repeat">
+      <a:schemeClr val="dk1"/>
+    </dgm:txFillClrLst>
+    <dgm:txEffectClrLst/>
+  </dgm:styleLbl>
+  <dgm:styleLbl name="conFgAcc1">
+    <dgm:fillClrLst meth="repeat">
+      <a:schemeClr val="lt1">
+        <a:alpha val="90000"/>
+      </a:schemeClr>
+    </dgm:fillClrLst>
+    <dgm:linClrLst meth="repeat">
+      <a:schemeClr val="accent2"/>
+      <a:schemeClr val="accent3"/>
+      <a:schemeClr val="accent4"/>
+      <a:schemeClr val="accent5"/>
+      <a:schemeClr val="accent6"/>
+    </dgm:linClrLst>
+    <dgm:effectClrLst/>
+    <dgm:txLinClrLst/>
+    <dgm:txFillClrLst meth="repeat">
+      <a:schemeClr val="dk1"/>
+    </dgm:txFillClrLst>
+    <dgm:txEffectClrLst/>
+  </dgm:styleLbl>
+  <dgm:styleLbl name="alignAcc1">
+    <dgm:fillClrLst meth="repeat">
+      <a:schemeClr val="lt1">
+        <a:alpha val="90000"/>
+      </a:schemeClr>
+    </dgm:fillClrLst>
+    <dgm:linClrLst meth="repeat">
+      <a:schemeClr val="accent2"/>
+      <a:schemeClr val="accent3"/>
+      <a:schemeClr val="accent4"/>
+      <a:schemeClr val="accent5"/>
+      <a:schemeClr val="accent6"/>
+    </dgm:linClrLst>
+    <dgm:effectClrLst/>
+    <dgm:txLinClrLst/>
+    <dgm:txFillClrLst meth="repeat">
+      <a:schemeClr val="dk1"/>
+    </dgm:txFillClrLst>
+    <dgm:txEffectClrLst/>
+  </dgm:styleLbl>
+  <dgm:styleLbl name="trAlignAcc1">
+    <dgm:fillClrLst meth="repeat">
+      <a:schemeClr val="lt1">
+        <a:alpha val="40000"/>
+      </a:schemeClr>
+    </dgm:fillClrLst>
+    <dgm:linClrLst meth="repeat">
+      <a:schemeClr val="accent1"/>
+    </dgm:linClrLst>
+    <dgm:effectClrLst/>
+    <dgm:txLinClrLst/>
+    <dgm:txFillClrLst meth="repeat">
+      <a:schemeClr val="dk1"/>
+    </dgm:txFillClrLst>
+    <dgm:txEffectClrLst/>
+  </dgm:styleLbl>
+  <dgm:styleLbl name="bgAcc1">
+    <dgm:fillClrLst meth="repeat">
+      <a:schemeClr val="lt1">
+        <a:alpha val="90000"/>
+      </a:schemeClr>
+    </dgm:fillClrLst>
+    <dgm:linClrLst meth="repeat">
+      <a:schemeClr val="accent2"/>
+      <a:schemeClr val="accent3"/>
+      <a:schemeClr val="accent4"/>
+      <a:schemeClr val="accent5"/>
+      <a:schemeClr val="accent6"/>
+    </dgm:linClrLst>
+    <dgm:effectClrLst/>
+    <dgm:txLinClrLst/>
+    <dgm:txFillClrLst meth="repeat">
+      <a:schemeClr val="dk1"/>
+    </dgm:txFillClrLst>
+    <dgm:txEffectClrLst/>
+  </dgm:styleLbl>
+  <dgm:styleLbl name="solidFgAcc1">
+    <dgm:fillClrLst meth="repeat">
+      <a:schemeClr val="lt1"/>
+    </dgm:fillClrLst>
+    <dgm:linClrLst meth="repeat">
+      <a:schemeClr val="accent2"/>
+      <a:schemeClr val="accent3"/>
+      <a:schemeClr val="accent4"/>
+      <a:schemeClr val="accent5"/>
+      <a:schemeClr val="accent6"/>
+    </dgm:linClrLst>
+    <dgm:effectClrLst/>
+    <dgm:txLinClrLst/>
+    <dgm:txFillClrLst meth="repeat">
+      <a:schemeClr val="dk1"/>
+    </dgm:txFillClrLst>
+    <dgm:txEffectClrLst/>
+  </dgm:styleLbl>
+  <dgm:styleLbl name="solidAlignAcc1">
+    <dgm:fillClrLst meth="repeat">
+      <a:schemeClr val="lt1"/>
+    </dgm:fillClrLst>
+    <dgm:linClrLst meth="repeat">
+      <a:schemeClr val="accent2"/>
+      <a:schemeClr val="accent3"/>
+      <a:schemeClr val="accent4"/>
+      <a:schemeClr val="accent5"/>
+      <a:schemeClr val="accent6"/>
+    </dgm:linClrLst>
+    <dgm:effectClrLst/>
+    <dgm:txLinClrLst/>
+    <dgm:txFillClrLst meth="repeat">
+      <a:schemeClr val="dk1"/>
+    </dgm:txFillClrLst>
+    <dgm:txEffectClrLst/>
+  </dgm:styleLbl>
+  <dgm:styleLbl name="solidBgAcc1">
+    <dgm:fillClrLst meth="repeat">
+      <a:schemeClr val="lt1"/>
+    </dgm:fillClrLst>
+    <dgm:linClrLst meth="repeat">
+      <a:schemeClr val="accent2"/>
+      <a:schemeClr val="accent3"/>
+      <a:schemeClr val="accent4"/>
+      <a:schemeClr val="accent5"/>
+      <a:schemeClr val="accent6"/>
+    </dgm:linClrLst>
+    <dgm:effectClrLst/>
+    <dgm:txLinClrLst/>
+    <dgm:txFillClrLst meth="repeat">
+      <a:schemeClr val="dk1"/>
+    </dgm:txFillClrLst>
+    <dgm:txEffectClrLst/>
+  </dgm:styleLbl>
+  <dgm:styleLbl name="fgAccFollowNode1">
+    <dgm:fillClrLst meth="repeat">
+      <a:schemeClr val="accent2">
+        <a:tint val="40000"/>
+        <a:alpha val="90000"/>
+      </a:schemeClr>
+      <a:schemeClr val="accent3">
+        <a:tint val="40000"/>
+        <a:alpha val="90000"/>
+      </a:schemeClr>
+      <a:schemeClr val="accent4">
+        <a:tint val="40000"/>
+        <a:alpha val="90000"/>
+      </a:schemeClr>
+      <a:schemeClr val="accent5">
+        <a:tint val="40000"/>
+        <a:alpha val="90000"/>
+      </a:schemeClr>
+      <a:schemeClr val="accent6">
+        <a:tint val="40000"/>
+        <a:alpha val="90000"/>
+      </a:schemeClr>
+    </dgm:fillClrLst>
+    <dgm:linClrLst meth="repeat">
+      <a:schemeClr val="accent2">
+        <a:tint val="40000"/>
+        <a:alpha val="90000"/>
+      </a:schemeClr>
+      <a:schemeClr val="accent3">
+        <a:tint val="40000"/>
+        <a:alpha val="90000"/>
+      </a:schemeClr>
+      <a:schemeClr val="accent4">
+        <a:tint val="40000"/>
+        <a:alpha val="90000"/>
+      </a:schemeClr>
+      <a:schemeClr val="accent5">
+        <a:tint val="40000"/>
+        <a:alpha val="90000"/>
+      </a:schemeClr>
+      <a:schemeClr val="accent6">
+        <a:tint val="40000"/>
+        <a:alpha val="90000"/>
+      </a:schemeClr>
+    </dgm:linClrLst>
+    <dgm:effectClrLst/>
+    <dgm:txLinClrLst/>
+    <dgm:txFillClrLst meth="repeat">
+      <a:schemeClr val="dk1"/>
+    </dgm:txFillClrLst>
+    <dgm:txEffectClrLst/>
+  </dgm:styleLbl>
+  <dgm:styleLbl name="alignAccFollowNode1">
+    <dgm:fillClrLst meth="repeat">
+      <a:schemeClr val="accent2">
+        <a:tint val="40000"/>
+        <a:alpha val="90000"/>
+      </a:schemeClr>
+      <a:schemeClr val="accent3">
+        <a:tint val="40000"/>
+        <a:alpha val="90000"/>
+      </a:schemeClr>
+      <a:schemeClr val="accent4">
+        <a:tint val="40000"/>
+        <a:alpha val="90000"/>
+      </a:schemeClr>
+      <a:schemeClr val="accent5">
+        <a:tint val="40000"/>
+        <a:alpha val="90000"/>
+      </a:schemeClr>
+      <a:schemeClr val="accent6">
+        <a:tint val="40000"/>
+        <a:alpha val="90000"/>
+      </a:schemeClr>
+    </dgm:fillClrLst>
+    <dgm:linClrLst meth="repeat">
+      <a:schemeClr val="accent2">
+        <a:tint val="40000"/>
+        <a:alpha val="90000"/>
+      </a:schemeClr>
+      <a:schemeClr val="accent3">
+        <a:tint val="40000"/>
+        <a:alpha val="90000"/>
+      </a:schemeClr>
+      <a:schemeClr val="accent4">
+        <a:tint val="40000"/>
+        <a:alpha val="90000"/>
+      </a:schemeClr>
+      <a:schemeClr val="accent5">
+        <a:tint val="40000"/>
+        <a:alpha val="90000"/>
+      </a:schemeClr>
+      <a:schemeClr val="accent6">
+        <a:tint val="40000"/>
+        <a:alpha val="90000"/>
+      </a:schemeClr>
+    </dgm:linClrLst>
+    <dgm:effectClrLst/>
+    <dgm:txLinClrLst/>
+    <dgm:txFillClrLst meth="repeat">
+      <a:schemeClr val="dk1"/>
+    </dgm:txFillClrLst>
+    <dgm:txEffectClrLst/>
+  </dgm:styleLbl>
+  <dgm:styleLbl name="bgAccFollowNode1">
+    <dgm:fillClrLst meth="repeat">
+      <a:schemeClr val="accent2">
+        <a:tint val="40000"/>
+        <a:alpha val="90000"/>
+      </a:schemeClr>
+      <a:schemeClr val="accent3">
+        <a:tint val="40000"/>
+        <a:alpha val="90000"/>
+      </a:schemeClr>
+      <a:schemeClr val="accent4">
+        <a:tint val="40000"/>
+        <a:alpha val="90000"/>
+      </a:schemeClr>
+      <a:schemeClr val="accent5">
+        <a:tint val="40000"/>
+        <a:alpha val="90000"/>
+      </a:schemeClr>
+      <a:schemeClr val="accent6">
+        <a:tint val="40000"/>
+        <a:alpha val="90000"/>
+      </a:schemeClr>
+    </dgm:fillClrLst>
+    <dgm:linClrLst meth="repeat">
+      <a:schemeClr val="accent2">
+        <a:tint val="40000"/>
+        <a:alpha val="90000"/>
+      </a:schemeClr>
+      <a:schemeClr val="accent3">
+        <a:tint val="40000"/>
+        <a:alpha val="90000"/>
+      </a:schemeClr>
+      <a:schemeClr val="accent4">
+        <a:tint val="40000"/>
+        <a:alpha val="90000"/>
+      </a:schemeClr>
+      <a:schemeClr val="accent5">
+        <a:tint val="40000"/>
+        <a:alpha val="90000"/>
+      </a:schemeClr>
+      <a:schemeClr val="accent6">
+        <a:tint val="40000"/>
+        <a:alpha val="90000"/>
+      </a:schemeClr>
+    </dgm:linClrLst>
+    <dgm:effectClrLst/>
+    <dgm:txLinClrLst/>
+    <dgm:txFillClrLst meth="repeat">
+      <a:schemeClr val="dk1"/>
+    </dgm:txFillClrLst>
+    <dgm:txEffectClrLst/>
+  </dgm:styleLbl>
+  <dgm:styleLbl name="fgAcc0">
+    <dgm:fillClrLst meth="repeat">
+      <a:schemeClr val="lt1">
+        <a:alpha val="90000"/>
+      </a:schemeClr>
+    </dgm:fillClrLst>
+    <dgm:linClrLst>
+      <a:schemeClr val="accent1"/>
+    </dgm:linClrLst>
+    <dgm:effectClrLst/>
+    <dgm:txLinClrLst/>
+    <dgm:txFillClrLst meth="repeat">
+      <a:schemeClr val="dk1"/>
+    </dgm:txFillClrLst>
+    <dgm:txEffectClrLst/>
+  </dgm:styleLbl>
+  <dgm:styleLbl name="fgAcc2">
+    <dgm:fillClrLst meth="repeat">
+      <a:schemeClr val="lt1">
+        <a:alpha val="90000"/>
+      </a:schemeClr>
+    </dgm:fillClrLst>
+    <dgm:linClrLst>
+      <a:schemeClr val="accent2"/>
+    </dgm:linClrLst>
+    <dgm:effectClrLst/>
+    <dgm:txLinClrLst/>
+    <dgm:txFillClrLst meth="repeat">
+      <a:schemeClr val="dk1"/>
+    </dgm:txFillClrLst>
+    <dgm:txEffectClrLst/>
+  </dgm:styleLbl>
+  <dgm:styleLbl name="fgAcc3">
+    <dgm:fillClrLst meth="repeat">
+      <a:schemeClr val="lt1">
+        <a:alpha val="90000"/>
+      </a:schemeClr>
+    </dgm:fillClrLst>
+    <dgm:linClrLst>
+      <a:schemeClr val="accent3"/>
+    </dgm:linClrLst>
+    <dgm:effectClrLst/>
+    <dgm:txLinClrLst/>
+    <dgm:txFillClrLst meth="repeat">
+      <a:schemeClr val="dk1"/>
+    </dgm:txFillClrLst>
+    <dgm:txEffectClrLst/>
+  </dgm:styleLbl>
+  <dgm:styleLbl name="fgAcc4">
+    <dgm:fillClrLst meth="repeat">
+      <a:schemeClr val="lt1">
+        <a:alpha val="90000"/>
+      </a:schemeClr>
+    </dgm:fillClrLst>
+    <dgm:linClrLst>
+      <a:schemeClr val="accent4"/>
+    </dgm:linClrLst>
+    <dgm:effectClrLst/>
+    <dgm:txLinClrLst/>
+    <dgm:txFillClrLst meth="repeat">
+      <a:schemeClr val="dk1"/>
+    </dgm:txFillClrLst>
+    <dgm:txEffectClrLst/>
+  </dgm:styleLbl>
+  <dgm:styleLbl name="bgShp">
+    <dgm:fillClrLst meth="repeat">
+      <a:schemeClr val="accent2"/>
+      <a:schemeClr val="accent3"/>
+      <a:schemeClr val="accent4"/>
+      <a:schemeClr val="accent5"/>
+      <a:schemeClr val="accent6"/>
+    </dgm:fillClrLst>
+    <dgm:linClrLst meth="repeat">
+      <a:schemeClr val="lt1">
+        <a:alpha val="0"/>
+      </a:schemeClr>
+    </dgm:linClrLst>
+    <dgm:effectClrLst/>
+    <dgm:txLinClrLst/>
+    <dgm:txFillClrLst/>
+    <dgm:txEffectClrLst/>
+  </dgm:styleLbl>
+  <dgm:styleLbl name="dkBgShp">
+    <dgm:fillClrLst meth="repeat">
+      <a:schemeClr val="accent2">
+        <a:shade val="90000"/>
+      </a:schemeClr>
+    </dgm:fillClrLst>
+    <dgm:linClrLst meth="repeat">
+      <a:schemeClr val="dk1"/>
+    </dgm:linClrLst>
+    <dgm:effectClrLst/>
+    <dgm:txLinClrLst/>
+    <dgm:txFillClrLst meth="repeat">
+      <a:schemeClr val="lt1"/>
+    </dgm:txFillClrLst>
+    <dgm:txEffectClrLst/>
+  </dgm:styleLbl>
+  <dgm:styleLbl name="trBgShp">
+    <dgm:fillClrLst meth="repeat">
+      <a:schemeClr val="accent1">
+        <a:tint val="50000"/>
+        <a:alpha val="40000"/>
+      </a:schemeClr>
+    </dgm:fillClrLst>
+    <dgm:linClrLst meth="repeat">
+      <a:schemeClr val="accent2"/>
+    </dgm:linClrLst>
+    <dgm:effectClrLst/>
+    <dgm:txLinClrLst/>
+    <dgm:txFillClrLst meth="repeat">
+      <a:schemeClr val="lt1"/>
+    </dgm:txFillClrLst>
+    <dgm:txEffectClrLst/>
+  </dgm:styleLbl>
+  <dgm:styleLbl name="fgShp">
+    <dgm:fillClrLst meth="repeat">
+      <a:schemeClr val="accent2">
+        <a:tint val="40000"/>
+      </a:schemeClr>
+    </dgm:fillClrLst>
+    <dgm:linClrLst meth="repeat">
+      <a:schemeClr val="lt1"/>
+    </dgm:linClrLst>
+    <dgm:effectClrLst/>
+    <dgm:txLinClrLst/>
+    <dgm:txFillClrLst meth="repeat">
+      <a:schemeClr val="dk1"/>
+    </dgm:txFillClrLst>
+    <dgm:txEffectClrLst/>
+  </dgm:styleLbl>
+  <dgm:styleLbl name="revTx">
+    <dgm:fillClrLst meth="repeat">
+      <a:schemeClr val="lt1">
+        <a:alpha val="0"/>
+      </a:schemeClr>
+    </dgm:fillClrLst>
+    <dgm:linClrLst meth="repeat">
+      <a:schemeClr val="dk1">
+        <a:alpha val="0"/>
+      </a:schemeClr>
+    </dgm:linClrLst>
+    <dgm:effectClrLst/>
+    <dgm:txLinClrLst/>
+    <dgm:txFillClrLst meth="repeat">
+      <a:schemeClr val="bg1"/>
+    </dgm:txFillClrLst>
+    <dgm:txEffectClrLst/>
+  </dgm:styleLbl>
+</dgm:colorsDef>
+</file>
+
+<file path=ppt/diagrams/colors7.xml><?xml version="1.0" encoding="utf-8"?>
 <dgm:colorsDef xmlns:dgm="http://schemas.openxmlformats.org/drawingml/2006/diagram" xmlns:a="http://schemas.openxmlformats.org/drawingml/2006/main" uniqueId="urn:microsoft.com/office/officeart/2018/5/colors/Iconchunking_neutralicon_colorful1">
   <dgm:title val=""/>
   <dgm:desc val=""/>
@@ -5917,8 +6847,8 @@
         <a:lstStyle/>
         <a:p>
           <a:r>
-            <a:rPr lang="en-US"/>
-            <a:t>R^2 – 0.56</a:t>
+            <a:rPr lang="en-US" dirty="0"/>
+            <a:t>R^2 – 0.563</a:t>
           </a:r>
         </a:p>
       </dgm:t>
@@ -6237,7 +7167,7 @@
   <dgm:whole/>
   <dgm:extLst>
     <a:ext uri="http://schemas.microsoft.com/office/drawing/2008/diagram">
-      <dsp:dataModelExt xmlns:dsp="http://schemas.microsoft.com/office/drawing/2008/diagram" relId="rId6" minVer="http://schemas.openxmlformats.org/drawingml/2006/diagram"/>
+      <dsp:dataModelExt xmlns:dsp="http://schemas.microsoft.com/office/drawing/2008/diagram" relId="rId7" minVer="http://schemas.openxmlformats.org/drawingml/2006/diagram"/>
     </a:ext>
   </dgm:extLst>
 </dgm:dataModel>
@@ -6247,7 +7177,7 @@
 <dgm:dataModel xmlns:dgm="http://schemas.openxmlformats.org/drawingml/2006/diagram" xmlns:a="http://schemas.openxmlformats.org/drawingml/2006/main">
   <dgm:ptLst>
     <dgm:pt modelId="{D58FF109-2767-4214-92A6-3C358C4682D0}" type="doc">
-      <dgm:prSet loTypeId="urn:microsoft.com/office/officeart/2005/8/layout/vList2" loCatId="list" qsTypeId="urn:microsoft.com/office/officeart/2005/8/quickstyle/simple1" qsCatId="simple" csTypeId="urn:microsoft.com/office/officeart/2005/8/colors/colorful5" csCatId="colorful"/>
+      <dgm:prSet loTypeId="urn:microsoft.com/office/officeart/2005/8/layout/vList2" loCatId="list" qsTypeId="urn:microsoft.com/office/officeart/2005/8/quickstyle/simple1" qsCatId="simple" csTypeId="urn:microsoft.com/office/officeart/2005/8/colors/colorful5" csCatId="colorful" phldr="1"/>
       <dgm:spPr/>
       <dgm:t>
         <a:bodyPr/>
@@ -6301,8 +7231,8 @@
         <a:lstStyle/>
         <a:p>
           <a:r>
-            <a:rPr lang="en-US"/>
-            <a:t>Model appeared highly ineffective with r^2 at 4</a:t>
+            <a:rPr lang="en-US" dirty="0"/>
+            <a:t>Model appeared highly ineffective with r^2 at 0.4</a:t>
           </a:r>
         </a:p>
       </dgm:t>
@@ -6428,7 +7358,7 @@
   <dgm:whole/>
   <dgm:extLst>
     <a:ext uri="http://schemas.microsoft.com/office/drawing/2008/diagram">
-      <dsp:dataModelExt xmlns:dsp="http://schemas.microsoft.com/office/drawing/2008/diagram" relId="rId6" minVer="http://schemas.openxmlformats.org/drawingml/2006/diagram"/>
+      <dsp:dataModelExt xmlns:dsp="http://schemas.microsoft.com/office/drawing/2008/diagram" relId="rId7" minVer="http://schemas.openxmlformats.org/drawingml/2006/diagram"/>
     </a:ext>
   </dgm:extLst>
 </dgm:dataModel>
@@ -6864,7 +7794,7 @@
   <dgm:whole/>
   <dgm:extLst>
     <a:ext uri="http://schemas.microsoft.com/office/drawing/2008/diagram">
-      <dsp:dataModelExt xmlns:dsp="http://schemas.microsoft.com/office/drawing/2008/diagram" relId="rId6" minVer="http://schemas.openxmlformats.org/drawingml/2006/diagram"/>
+      <dsp:dataModelExt xmlns:dsp="http://schemas.microsoft.com/office/drawing/2008/diagram" relId="rId7" minVer="http://schemas.openxmlformats.org/drawingml/2006/diagram"/>
     </a:ext>
   </dgm:extLst>
 </dgm:dataModel>
@@ -7293,6 +8223,431 @@
 <file path=ppt/diagrams/data6.xml><?xml version="1.0" encoding="utf-8"?>
 <dgm:dataModel xmlns:dgm="http://schemas.openxmlformats.org/drawingml/2006/diagram" xmlns:a="http://schemas.openxmlformats.org/drawingml/2006/main">
   <dgm:ptLst>
+    <dgm:pt modelId="{02D543A1-0F72-40C2-A610-368B7D7F75FE}" type="doc">
+      <dgm:prSet loTypeId="urn:microsoft.com/office/officeart/2018/2/layout/IconVerticalSolidList" loCatId="icon" qsTypeId="urn:microsoft.com/office/officeart/2005/8/quickstyle/simple1" qsCatId="simple" csTypeId="urn:microsoft.com/office/officeart/2018/5/colors/Iconchunking_neutralicontext_colorful1" csCatId="colorful" phldr="1"/>
+      <dgm:spPr/>
+      <dgm:t>
+        <a:bodyPr/>
+        <a:lstStyle/>
+        <a:p>
+          <a:endParaRPr lang="en-US"/>
+        </a:p>
+      </dgm:t>
+    </dgm:pt>
+    <dgm:pt modelId="{A554C5B1-62B0-435D-B0B8-EFAFC9256261}">
+      <dgm:prSet/>
+      <dgm:spPr/>
+      <dgm:t>
+        <a:bodyPr/>
+        <a:lstStyle/>
+        <a:p>
+          <a:r>
+            <a:rPr lang="en-US" dirty="0"/>
+            <a:t>Decided to bin years, encode grade and only include columns with p = 0</a:t>
+          </a:r>
+        </a:p>
+      </dgm:t>
+    </dgm:pt>
+    <dgm:pt modelId="{3AEFB9DD-7D20-448A-9B65-3053E540BE8D}" type="parTrans" cxnId="{86872D9A-2B7B-487B-9908-0A7BED3D4532}">
+      <dgm:prSet/>
+      <dgm:spPr/>
+      <dgm:t>
+        <a:bodyPr/>
+        <a:lstStyle/>
+        <a:p>
+          <a:endParaRPr lang="en-US"/>
+        </a:p>
+      </dgm:t>
+    </dgm:pt>
+    <dgm:pt modelId="{55ACB2A9-34C4-4ADD-8E96-760C6D00C3AF}" type="sibTrans" cxnId="{86872D9A-2B7B-487B-9908-0A7BED3D4532}">
+      <dgm:prSet/>
+      <dgm:spPr/>
+      <dgm:t>
+        <a:bodyPr/>
+        <a:lstStyle/>
+        <a:p>
+          <a:endParaRPr lang="en-US"/>
+        </a:p>
+      </dgm:t>
+    </dgm:pt>
+    <dgm:pt modelId="{A87B063C-7751-4D63-8F8A-EF008B5D9E0C}">
+      <dgm:prSet/>
+      <dgm:spPr/>
+      <dgm:t>
+        <a:bodyPr/>
+        <a:lstStyle/>
+        <a:p>
+          <a:r>
+            <a:rPr lang="en-US" dirty="0"/>
+            <a:t>Best r^2 score  - 0.565</a:t>
+          </a:r>
+        </a:p>
+      </dgm:t>
+    </dgm:pt>
+    <dgm:pt modelId="{E8765C20-868A-495D-A51D-2ADE067C7567}" type="parTrans" cxnId="{90AFA8D6-D166-447D-9C8A-4AC3E42236FF}">
+      <dgm:prSet/>
+      <dgm:spPr/>
+      <dgm:t>
+        <a:bodyPr/>
+        <a:lstStyle/>
+        <a:p>
+          <a:endParaRPr lang="en-US"/>
+        </a:p>
+      </dgm:t>
+    </dgm:pt>
+    <dgm:pt modelId="{67084B12-75C4-4E83-AC46-0D61872DF07E}" type="sibTrans" cxnId="{90AFA8D6-D166-447D-9C8A-4AC3E42236FF}">
+      <dgm:prSet/>
+      <dgm:spPr/>
+      <dgm:t>
+        <a:bodyPr/>
+        <a:lstStyle/>
+        <a:p>
+          <a:endParaRPr lang="en-US"/>
+        </a:p>
+      </dgm:t>
+    </dgm:pt>
+    <dgm:pt modelId="{26384DBA-F707-45DC-BD52-9B1E24A4A611}">
+      <dgm:prSet/>
+      <dgm:spPr/>
+      <dgm:t>
+        <a:bodyPr/>
+        <a:lstStyle/>
+        <a:p>
+          <a:r>
+            <a:rPr lang="en-US" dirty="0"/>
+            <a:t>Columns have been selected from best performing </a:t>
+          </a:r>
+        </a:p>
+      </dgm:t>
+    </dgm:pt>
+    <dgm:pt modelId="{8B8B3A2B-9A9B-4454-90B8-7DE9C3AE6FEB}" type="parTrans" cxnId="{D0909769-0C51-4787-8892-2E53A9205FCD}">
+      <dgm:prSet/>
+      <dgm:spPr/>
+      <dgm:t>
+        <a:bodyPr/>
+        <a:lstStyle/>
+        <a:p>
+          <a:endParaRPr lang="en-US"/>
+        </a:p>
+      </dgm:t>
+    </dgm:pt>
+    <dgm:pt modelId="{D186EFF8-E2B8-4869-AD38-052272EAD7D4}" type="sibTrans" cxnId="{D0909769-0C51-4787-8892-2E53A9205FCD}">
+      <dgm:prSet/>
+      <dgm:spPr/>
+      <dgm:t>
+        <a:bodyPr/>
+        <a:lstStyle/>
+        <a:p>
+          <a:endParaRPr lang="en-US"/>
+        </a:p>
+      </dgm:t>
+    </dgm:pt>
+    <dgm:pt modelId="{A222C90F-DDFF-4DA3-AF56-737987D99543}">
+      <dgm:prSet/>
+      <dgm:spPr/>
+      <dgm:t>
+        <a:bodyPr/>
+        <a:lstStyle/>
+        <a:p>
+          <a:r>
+            <a:rPr lang="en-US" dirty="0"/>
+            <a:t>Root mean squared error = </a:t>
+          </a:r>
+          <a:r>
+            <a:rPr lang="en-US" b="0" i="0" u="none" dirty="0"/>
+            <a:t>127098.691731 </a:t>
+          </a:r>
+          <a:endParaRPr lang="en-US" dirty="0"/>
+        </a:p>
+      </dgm:t>
+    </dgm:pt>
+    <dgm:pt modelId="{256CFDC6-04AB-4CE2-9501-BDCC39F45DC2}" type="parTrans" cxnId="{52EDDA16-A752-49E1-801A-A2BD6D0B5C16}">
+      <dgm:prSet/>
+      <dgm:spPr/>
+      <dgm:t>
+        <a:bodyPr/>
+        <a:lstStyle/>
+        <a:p>
+          <a:endParaRPr lang="en-US"/>
+        </a:p>
+      </dgm:t>
+    </dgm:pt>
+    <dgm:pt modelId="{F7CD52ED-C335-4F7E-82B0-5C94C5D5F40E}" type="sibTrans" cxnId="{52EDDA16-A752-49E1-801A-A2BD6D0B5C16}">
+      <dgm:prSet/>
+      <dgm:spPr/>
+      <dgm:t>
+        <a:bodyPr/>
+        <a:lstStyle/>
+        <a:p>
+          <a:endParaRPr lang="en-US"/>
+        </a:p>
+      </dgm:t>
+    </dgm:pt>
+    <dgm:pt modelId="{CB2E63AF-3DE6-4ACF-AD3F-19EBE0E30D6E}" type="pres">
+      <dgm:prSet presAssocID="{02D543A1-0F72-40C2-A610-368B7D7F75FE}" presName="root" presStyleCnt="0">
+        <dgm:presLayoutVars>
+          <dgm:dir/>
+          <dgm:resizeHandles val="exact"/>
+        </dgm:presLayoutVars>
+      </dgm:prSet>
+      <dgm:spPr/>
+    </dgm:pt>
+    <dgm:pt modelId="{B0F9704D-DD58-4FB5-ABB3-7E68F97B2EE3}" type="pres">
+      <dgm:prSet presAssocID="{A554C5B1-62B0-435D-B0B8-EFAFC9256261}" presName="compNode" presStyleCnt="0"/>
+      <dgm:spPr/>
+    </dgm:pt>
+    <dgm:pt modelId="{B82DC097-E5BD-4BA8-A23A-3796712105F2}" type="pres">
+      <dgm:prSet presAssocID="{A554C5B1-62B0-435D-B0B8-EFAFC9256261}" presName="bgRect" presStyleLbl="bgShp" presStyleIdx="0" presStyleCnt="4" custLinFactNeighborX="0" custLinFactNeighborY="-197"/>
+      <dgm:spPr/>
+    </dgm:pt>
+    <dgm:pt modelId="{26F37563-4C77-46C4-BE71-F35A12B2D282}" type="pres">
+      <dgm:prSet presAssocID="{A554C5B1-62B0-435D-B0B8-EFAFC9256261}" presName="iconRect" presStyleLbl="node1" presStyleIdx="0" presStyleCnt="4"/>
+      <dgm:spPr>
+        <a:blipFill>
+          <a:blip xmlns:r="http://schemas.openxmlformats.org/officeDocument/2006/relationships" r:embed="rId1">
+            <a:extLst>
+              <a:ext uri="{28A0092B-C50C-407E-A947-70E740481C1C}">
+                <a14:useLocalDpi xmlns:a14="http://schemas.microsoft.com/office/drawing/2010/main" val="0"/>
+              </a:ext>
+              <a:ext uri="{96DAC541-7B7A-43D3-8B79-37D633B846F1}">
+                <asvg:svgBlip xmlns:asvg="http://schemas.microsoft.com/office/drawing/2016/SVG/main" r:embed="rId2"/>
+              </a:ext>
+            </a:extLst>
+          </a:blip>
+          <a:stretch>
+            <a:fillRect/>
+          </a:stretch>
+        </a:blipFill>
+        <a:ln>
+          <a:noFill/>
+        </a:ln>
+      </dgm:spPr>
+      <dgm:extLst>
+        <a:ext uri="{E40237B7-FDA0-4F09-8148-C483321AD2D9}">
+          <dgm14:cNvPr xmlns:dgm14="http://schemas.microsoft.com/office/drawing/2010/diagram" id="0" name="" descr="Stopwatch"/>
+        </a:ext>
+      </dgm:extLst>
+    </dgm:pt>
+    <dgm:pt modelId="{42594C04-C482-45DC-B8BC-5C8E458CE882}" type="pres">
+      <dgm:prSet presAssocID="{A554C5B1-62B0-435D-B0B8-EFAFC9256261}" presName="spaceRect" presStyleCnt="0"/>
+      <dgm:spPr/>
+    </dgm:pt>
+    <dgm:pt modelId="{2E6FAAD6-571B-4CB2-99DA-CE2B40D2AD13}" type="pres">
+      <dgm:prSet presAssocID="{A554C5B1-62B0-435D-B0B8-EFAFC9256261}" presName="parTx" presStyleLbl="revTx" presStyleIdx="0" presStyleCnt="4">
+        <dgm:presLayoutVars>
+          <dgm:chMax val="0"/>
+          <dgm:chPref val="0"/>
+        </dgm:presLayoutVars>
+      </dgm:prSet>
+      <dgm:spPr/>
+    </dgm:pt>
+    <dgm:pt modelId="{E51884EE-BE7A-4A6A-8FF6-ED29AB01C9C1}" type="pres">
+      <dgm:prSet presAssocID="{55ACB2A9-34C4-4ADD-8E96-760C6D00C3AF}" presName="sibTrans" presStyleCnt="0"/>
+      <dgm:spPr/>
+    </dgm:pt>
+    <dgm:pt modelId="{064DBC7D-C534-44D2-A0EA-1FAB3E755760}" type="pres">
+      <dgm:prSet presAssocID="{A87B063C-7751-4D63-8F8A-EF008B5D9E0C}" presName="compNode" presStyleCnt="0"/>
+      <dgm:spPr/>
+    </dgm:pt>
+    <dgm:pt modelId="{5517268E-181D-4AFD-AFCC-606759467E13}" type="pres">
+      <dgm:prSet presAssocID="{A87B063C-7751-4D63-8F8A-EF008B5D9E0C}" presName="bgRect" presStyleLbl="bgShp" presStyleIdx="1" presStyleCnt="4"/>
+      <dgm:spPr/>
+    </dgm:pt>
+    <dgm:pt modelId="{2518F3BB-DB64-4641-9AF9-E1FAE6CF49A4}" type="pres">
+      <dgm:prSet presAssocID="{A87B063C-7751-4D63-8F8A-EF008B5D9E0C}" presName="iconRect" presStyleLbl="node1" presStyleIdx="1" presStyleCnt="4"/>
+      <dgm:spPr>
+        <a:blipFill>
+          <a:blip xmlns:r="http://schemas.openxmlformats.org/officeDocument/2006/relationships" r:embed="rId3">
+            <a:extLst>
+              <a:ext uri="{28A0092B-C50C-407E-A947-70E740481C1C}">
+                <a14:useLocalDpi xmlns:a14="http://schemas.microsoft.com/office/drawing/2010/main" val="0"/>
+              </a:ext>
+              <a:ext uri="{96DAC541-7B7A-43D3-8B79-37D633B846F1}">
+                <asvg:svgBlip xmlns:asvg="http://schemas.microsoft.com/office/drawing/2016/SVG/main" r:embed="rId4"/>
+              </a:ext>
+            </a:extLst>
+          </a:blip>
+          <a:stretch>
+            <a:fillRect/>
+          </a:stretch>
+        </a:blipFill>
+        <a:ln>
+          <a:noFill/>
+        </a:ln>
+      </dgm:spPr>
+      <dgm:extLst>
+        <a:ext uri="{E40237B7-FDA0-4F09-8148-C483321AD2D9}">
+          <dgm14:cNvPr xmlns:dgm14="http://schemas.microsoft.com/office/drawing/2010/diagram" id="0" name="" descr="GenieBottle"/>
+        </a:ext>
+      </dgm:extLst>
+    </dgm:pt>
+    <dgm:pt modelId="{A78257EE-A79D-4994-9AF5-B987822CF832}" type="pres">
+      <dgm:prSet presAssocID="{A87B063C-7751-4D63-8F8A-EF008B5D9E0C}" presName="spaceRect" presStyleCnt="0"/>
+      <dgm:spPr/>
+    </dgm:pt>
+    <dgm:pt modelId="{037519C9-FA94-4CCB-BC1E-53F48AF44778}" type="pres">
+      <dgm:prSet presAssocID="{A87B063C-7751-4D63-8F8A-EF008B5D9E0C}" presName="parTx" presStyleLbl="revTx" presStyleIdx="1" presStyleCnt="4">
+        <dgm:presLayoutVars>
+          <dgm:chMax val="0"/>
+          <dgm:chPref val="0"/>
+        </dgm:presLayoutVars>
+      </dgm:prSet>
+      <dgm:spPr/>
+    </dgm:pt>
+    <dgm:pt modelId="{E5503E95-D370-45CE-B917-CE92F48C881B}" type="pres">
+      <dgm:prSet presAssocID="{67084B12-75C4-4E83-AC46-0D61872DF07E}" presName="sibTrans" presStyleCnt="0"/>
+      <dgm:spPr/>
+    </dgm:pt>
+    <dgm:pt modelId="{55CFD5BF-901A-449D-90D8-BE4C05C0E54F}" type="pres">
+      <dgm:prSet presAssocID="{26384DBA-F707-45DC-BD52-9B1E24A4A611}" presName="compNode" presStyleCnt="0"/>
+      <dgm:spPr/>
+    </dgm:pt>
+    <dgm:pt modelId="{F1CD3313-43F2-457C-817B-F573D9DBC6C7}" type="pres">
+      <dgm:prSet presAssocID="{26384DBA-F707-45DC-BD52-9B1E24A4A611}" presName="bgRect" presStyleLbl="bgShp" presStyleIdx="2" presStyleCnt="4"/>
+      <dgm:spPr/>
+    </dgm:pt>
+    <dgm:pt modelId="{02459C26-B2EE-4C19-A187-3091FFEDFCB7}" type="pres">
+      <dgm:prSet presAssocID="{26384DBA-F707-45DC-BD52-9B1E24A4A611}" presName="iconRect" presStyleLbl="node1" presStyleIdx="2" presStyleCnt="4"/>
+      <dgm:spPr>
+        <a:blipFill>
+          <a:blip xmlns:r="http://schemas.openxmlformats.org/officeDocument/2006/relationships" r:embed="rId5">
+            <a:extLst>
+              <a:ext uri="{28A0092B-C50C-407E-A947-70E740481C1C}">
+                <a14:useLocalDpi xmlns:a14="http://schemas.microsoft.com/office/drawing/2010/main" val="0"/>
+              </a:ext>
+              <a:ext uri="{96DAC541-7B7A-43D3-8B79-37D633B846F1}">
+                <asvg:svgBlip xmlns:asvg="http://schemas.microsoft.com/office/drawing/2016/SVG/main" r:embed="rId6"/>
+              </a:ext>
+            </a:extLst>
+          </a:blip>
+          <a:stretch>
+            <a:fillRect/>
+          </a:stretch>
+        </a:blipFill>
+        <a:ln>
+          <a:noFill/>
+        </a:ln>
+      </dgm:spPr>
+      <dgm:extLst>
+        <a:ext uri="{E40237B7-FDA0-4F09-8148-C483321AD2D9}">
+          <dgm14:cNvPr xmlns:dgm14="http://schemas.microsoft.com/office/drawing/2010/diagram" id="0" name="" descr="Skeleton"/>
+        </a:ext>
+      </dgm:extLst>
+    </dgm:pt>
+    <dgm:pt modelId="{95D69D0F-EE9D-42B4-8BC7-7EC6937F78CC}" type="pres">
+      <dgm:prSet presAssocID="{26384DBA-F707-45DC-BD52-9B1E24A4A611}" presName="spaceRect" presStyleCnt="0"/>
+      <dgm:spPr/>
+    </dgm:pt>
+    <dgm:pt modelId="{463376ED-52D9-4D93-BC0D-9A26758357C3}" type="pres">
+      <dgm:prSet presAssocID="{26384DBA-F707-45DC-BD52-9B1E24A4A611}" presName="parTx" presStyleLbl="revTx" presStyleIdx="2" presStyleCnt="4">
+        <dgm:presLayoutVars>
+          <dgm:chMax val="0"/>
+          <dgm:chPref val="0"/>
+        </dgm:presLayoutVars>
+      </dgm:prSet>
+      <dgm:spPr/>
+    </dgm:pt>
+    <dgm:pt modelId="{85CA462C-F37E-4B54-82B8-9CE057D21BD6}" type="pres">
+      <dgm:prSet presAssocID="{D186EFF8-E2B8-4869-AD38-052272EAD7D4}" presName="sibTrans" presStyleCnt="0"/>
+      <dgm:spPr/>
+    </dgm:pt>
+    <dgm:pt modelId="{4438666A-23A2-4D0E-8A41-C573941D7320}" type="pres">
+      <dgm:prSet presAssocID="{A222C90F-DDFF-4DA3-AF56-737987D99543}" presName="compNode" presStyleCnt="0"/>
+      <dgm:spPr/>
+    </dgm:pt>
+    <dgm:pt modelId="{9B96282B-2264-4721-9E16-1779E68A5B0D}" type="pres">
+      <dgm:prSet presAssocID="{A222C90F-DDFF-4DA3-AF56-737987D99543}" presName="bgRect" presStyleLbl="bgShp" presStyleIdx="3" presStyleCnt="4"/>
+      <dgm:spPr/>
+    </dgm:pt>
+    <dgm:pt modelId="{A2330DC8-667C-420C-A7B9-4CC36FEE83E2}" type="pres">
+      <dgm:prSet presAssocID="{A222C90F-DDFF-4DA3-AF56-737987D99543}" presName="iconRect" presStyleLbl="node1" presStyleIdx="3" presStyleCnt="4"/>
+      <dgm:spPr>
+        <a:blipFill>
+          <a:blip xmlns:r="http://schemas.openxmlformats.org/officeDocument/2006/relationships" r:embed="rId7">
+            <a:extLst>
+              <a:ext uri="{28A0092B-C50C-407E-A947-70E740481C1C}">
+                <a14:useLocalDpi xmlns:a14="http://schemas.microsoft.com/office/drawing/2010/main" val="0"/>
+              </a:ext>
+              <a:ext uri="{96DAC541-7B7A-43D3-8B79-37D633B846F1}">
+                <asvg:svgBlip xmlns:asvg="http://schemas.microsoft.com/office/drawing/2016/SVG/main" r:embed="rId8"/>
+              </a:ext>
+            </a:extLst>
+          </a:blip>
+          <a:stretch>
+            <a:fillRect/>
+          </a:stretch>
+        </a:blipFill>
+        <a:ln>
+          <a:noFill/>
+        </a:ln>
+      </dgm:spPr>
+      <dgm:extLst>
+        <a:ext uri="{E40237B7-FDA0-4F09-8148-C483321AD2D9}">
+          <dgm14:cNvPr xmlns:dgm14="http://schemas.microsoft.com/office/drawing/2010/diagram" id="0" name="" descr="Close"/>
+        </a:ext>
+      </dgm:extLst>
+    </dgm:pt>
+    <dgm:pt modelId="{4A9229D1-DD0C-44E4-8C01-2C59682A293B}" type="pres">
+      <dgm:prSet presAssocID="{A222C90F-DDFF-4DA3-AF56-737987D99543}" presName="spaceRect" presStyleCnt="0"/>
+      <dgm:spPr/>
+    </dgm:pt>
+    <dgm:pt modelId="{C5B01DB5-2C4E-4BEB-9BD6-9A23D329526A}" type="pres">
+      <dgm:prSet presAssocID="{A222C90F-DDFF-4DA3-AF56-737987D99543}" presName="parTx" presStyleLbl="revTx" presStyleIdx="3" presStyleCnt="4">
+        <dgm:presLayoutVars>
+          <dgm:chMax val="0"/>
+          <dgm:chPref val="0"/>
+        </dgm:presLayoutVars>
+      </dgm:prSet>
+      <dgm:spPr/>
+    </dgm:pt>
+  </dgm:ptLst>
+  <dgm:cxnLst>
+    <dgm:cxn modelId="{52EDDA16-A752-49E1-801A-A2BD6D0B5C16}" srcId="{02D543A1-0F72-40C2-A610-368B7D7F75FE}" destId="{A222C90F-DDFF-4DA3-AF56-737987D99543}" srcOrd="3" destOrd="0" parTransId="{256CFDC6-04AB-4CE2-9501-BDCC39F45DC2}" sibTransId="{F7CD52ED-C335-4F7E-82B0-5C94C5D5F40E}"/>
+    <dgm:cxn modelId="{D0909769-0C51-4787-8892-2E53A9205FCD}" srcId="{02D543A1-0F72-40C2-A610-368B7D7F75FE}" destId="{26384DBA-F707-45DC-BD52-9B1E24A4A611}" srcOrd="2" destOrd="0" parTransId="{8B8B3A2B-9A9B-4454-90B8-7DE9C3AE6FEB}" sibTransId="{D186EFF8-E2B8-4869-AD38-052272EAD7D4}"/>
+    <dgm:cxn modelId="{86872D9A-2B7B-487B-9908-0A7BED3D4532}" srcId="{02D543A1-0F72-40C2-A610-368B7D7F75FE}" destId="{A554C5B1-62B0-435D-B0B8-EFAFC9256261}" srcOrd="0" destOrd="0" parTransId="{3AEFB9DD-7D20-448A-9B65-3053E540BE8D}" sibTransId="{55ACB2A9-34C4-4ADD-8E96-760C6D00C3AF}"/>
+    <dgm:cxn modelId="{47AA8FC7-B74F-47C4-937E-B15125C3FA1B}" type="presOf" srcId="{02D543A1-0F72-40C2-A610-368B7D7F75FE}" destId="{CB2E63AF-3DE6-4ACF-AD3F-19EBE0E30D6E}" srcOrd="0" destOrd="0" presId="urn:microsoft.com/office/officeart/2018/2/layout/IconVerticalSolidList"/>
+    <dgm:cxn modelId="{19D029D1-1CFA-4A04-8566-C0E7D5FB6EA8}" type="presOf" srcId="{A554C5B1-62B0-435D-B0B8-EFAFC9256261}" destId="{2E6FAAD6-571B-4CB2-99DA-CE2B40D2AD13}" srcOrd="0" destOrd="0" presId="urn:microsoft.com/office/officeart/2018/2/layout/IconVerticalSolidList"/>
+    <dgm:cxn modelId="{90AFA8D6-D166-447D-9C8A-4AC3E42236FF}" srcId="{02D543A1-0F72-40C2-A610-368B7D7F75FE}" destId="{A87B063C-7751-4D63-8F8A-EF008B5D9E0C}" srcOrd="1" destOrd="0" parTransId="{E8765C20-868A-495D-A51D-2ADE067C7567}" sibTransId="{67084B12-75C4-4E83-AC46-0D61872DF07E}"/>
+    <dgm:cxn modelId="{333858E0-2E6F-4E6C-96DF-DF409F73D5C3}" type="presOf" srcId="{A222C90F-DDFF-4DA3-AF56-737987D99543}" destId="{C5B01DB5-2C4E-4BEB-9BD6-9A23D329526A}" srcOrd="0" destOrd="0" presId="urn:microsoft.com/office/officeart/2018/2/layout/IconVerticalSolidList"/>
+    <dgm:cxn modelId="{A2562FF1-2048-45B1-A69B-BD710628AE33}" type="presOf" srcId="{A87B063C-7751-4D63-8F8A-EF008B5D9E0C}" destId="{037519C9-FA94-4CCB-BC1E-53F48AF44778}" srcOrd="0" destOrd="0" presId="urn:microsoft.com/office/officeart/2018/2/layout/IconVerticalSolidList"/>
+    <dgm:cxn modelId="{2DF1D5F1-FFA8-44F6-A21C-A26BB794D80B}" type="presOf" srcId="{26384DBA-F707-45DC-BD52-9B1E24A4A611}" destId="{463376ED-52D9-4D93-BC0D-9A26758357C3}" srcOrd="0" destOrd="0" presId="urn:microsoft.com/office/officeart/2018/2/layout/IconVerticalSolidList"/>
+    <dgm:cxn modelId="{72C54BF1-502A-4F93-BFEE-7EDF39396EA8}" type="presParOf" srcId="{CB2E63AF-3DE6-4ACF-AD3F-19EBE0E30D6E}" destId="{B0F9704D-DD58-4FB5-ABB3-7E68F97B2EE3}" srcOrd="0" destOrd="0" presId="urn:microsoft.com/office/officeart/2018/2/layout/IconVerticalSolidList"/>
+    <dgm:cxn modelId="{3603FA79-3362-4DC5-92B9-08277C96667D}" type="presParOf" srcId="{B0F9704D-DD58-4FB5-ABB3-7E68F97B2EE3}" destId="{B82DC097-E5BD-4BA8-A23A-3796712105F2}" srcOrd="0" destOrd="0" presId="urn:microsoft.com/office/officeart/2018/2/layout/IconVerticalSolidList"/>
+    <dgm:cxn modelId="{F965EE37-9EEB-4A29-A18B-2D706BEC9B80}" type="presParOf" srcId="{B0F9704D-DD58-4FB5-ABB3-7E68F97B2EE3}" destId="{26F37563-4C77-46C4-BE71-F35A12B2D282}" srcOrd="1" destOrd="0" presId="urn:microsoft.com/office/officeart/2018/2/layout/IconVerticalSolidList"/>
+    <dgm:cxn modelId="{47C15FB1-AD45-4CE1-943C-BB93161D8AF9}" type="presParOf" srcId="{B0F9704D-DD58-4FB5-ABB3-7E68F97B2EE3}" destId="{42594C04-C482-45DC-B8BC-5C8E458CE882}" srcOrd="2" destOrd="0" presId="urn:microsoft.com/office/officeart/2018/2/layout/IconVerticalSolidList"/>
+    <dgm:cxn modelId="{2A7E0225-7D5E-4AB8-A2B5-9E324499F112}" type="presParOf" srcId="{B0F9704D-DD58-4FB5-ABB3-7E68F97B2EE3}" destId="{2E6FAAD6-571B-4CB2-99DA-CE2B40D2AD13}" srcOrd="3" destOrd="0" presId="urn:microsoft.com/office/officeart/2018/2/layout/IconVerticalSolidList"/>
+    <dgm:cxn modelId="{FFBA9B21-AC35-4F95-8923-3C77C9D54712}" type="presParOf" srcId="{CB2E63AF-3DE6-4ACF-AD3F-19EBE0E30D6E}" destId="{E51884EE-BE7A-4A6A-8FF6-ED29AB01C9C1}" srcOrd="1" destOrd="0" presId="urn:microsoft.com/office/officeart/2018/2/layout/IconVerticalSolidList"/>
+    <dgm:cxn modelId="{EA089EEB-6508-4673-8783-6BAB8CB7E228}" type="presParOf" srcId="{CB2E63AF-3DE6-4ACF-AD3F-19EBE0E30D6E}" destId="{064DBC7D-C534-44D2-A0EA-1FAB3E755760}" srcOrd="2" destOrd="0" presId="urn:microsoft.com/office/officeart/2018/2/layout/IconVerticalSolidList"/>
+    <dgm:cxn modelId="{99E8F253-6389-47EE-9A2B-FCD50F3FADEF}" type="presParOf" srcId="{064DBC7D-C534-44D2-A0EA-1FAB3E755760}" destId="{5517268E-181D-4AFD-AFCC-606759467E13}" srcOrd="0" destOrd="0" presId="urn:microsoft.com/office/officeart/2018/2/layout/IconVerticalSolidList"/>
+    <dgm:cxn modelId="{EC33B13F-BA0A-4441-8704-77960CEE3DD4}" type="presParOf" srcId="{064DBC7D-C534-44D2-A0EA-1FAB3E755760}" destId="{2518F3BB-DB64-4641-9AF9-E1FAE6CF49A4}" srcOrd="1" destOrd="0" presId="urn:microsoft.com/office/officeart/2018/2/layout/IconVerticalSolidList"/>
+    <dgm:cxn modelId="{2900884D-C1CD-4637-82FC-6586D6784315}" type="presParOf" srcId="{064DBC7D-C534-44D2-A0EA-1FAB3E755760}" destId="{A78257EE-A79D-4994-9AF5-B987822CF832}" srcOrd="2" destOrd="0" presId="urn:microsoft.com/office/officeart/2018/2/layout/IconVerticalSolidList"/>
+    <dgm:cxn modelId="{447FE9A2-84DB-47D7-92B6-0FADCE6C847C}" type="presParOf" srcId="{064DBC7D-C534-44D2-A0EA-1FAB3E755760}" destId="{037519C9-FA94-4CCB-BC1E-53F48AF44778}" srcOrd="3" destOrd="0" presId="urn:microsoft.com/office/officeart/2018/2/layout/IconVerticalSolidList"/>
+    <dgm:cxn modelId="{75EBD405-A0BA-4494-946B-E8EA0EE12DED}" type="presParOf" srcId="{CB2E63AF-3DE6-4ACF-AD3F-19EBE0E30D6E}" destId="{E5503E95-D370-45CE-B917-CE92F48C881B}" srcOrd="3" destOrd="0" presId="urn:microsoft.com/office/officeart/2018/2/layout/IconVerticalSolidList"/>
+    <dgm:cxn modelId="{609BB877-C13B-4098-AD17-19BE7C529FC0}" type="presParOf" srcId="{CB2E63AF-3DE6-4ACF-AD3F-19EBE0E30D6E}" destId="{55CFD5BF-901A-449D-90D8-BE4C05C0E54F}" srcOrd="4" destOrd="0" presId="urn:microsoft.com/office/officeart/2018/2/layout/IconVerticalSolidList"/>
+    <dgm:cxn modelId="{0D2DD45A-6C2A-43C7-B72D-982AB3551B69}" type="presParOf" srcId="{55CFD5BF-901A-449D-90D8-BE4C05C0E54F}" destId="{F1CD3313-43F2-457C-817B-F573D9DBC6C7}" srcOrd="0" destOrd="0" presId="urn:microsoft.com/office/officeart/2018/2/layout/IconVerticalSolidList"/>
+    <dgm:cxn modelId="{6D171F48-586C-4BA6-9F95-0D62F33C1C82}" type="presParOf" srcId="{55CFD5BF-901A-449D-90D8-BE4C05C0E54F}" destId="{02459C26-B2EE-4C19-A187-3091FFEDFCB7}" srcOrd="1" destOrd="0" presId="urn:microsoft.com/office/officeart/2018/2/layout/IconVerticalSolidList"/>
+    <dgm:cxn modelId="{9F3FCAEC-174C-497E-AA8F-627CBE62EF5C}" type="presParOf" srcId="{55CFD5BF-901A-449D-90D8-BE4C05C0E54F}" destId="{95D69D0F-EE9D-42B4-8BC7-7EC6937F78CC}" srcOrd="2" destOrd="0" presId="urn:microsoft.com/office/officeart/2018/2/layout/IconVerticalSolidList"/>
+    <dgm:cxn modelId="{FCFB1792-AD81-4458-B19F-DD1DA7174E18}" type="presParOf" srcId="{55CFD5BF-901A-449D-90D8-BE4C05C0E54F}" destId="{463376ED-52D9-4D93-BC0D-9A26758357C3}" srcOrd="3" destOrd="0" presId="urn:microsoft.com/office/officeart/2018/2/layout/IconVerticalSolidList"/>
+    <dgm:cxn modelId="{90B207F3-9CC5-4ACD-A8B8-D28C14B93481}" type="presParOf" srcId="{CB2E63AF-3DE6-4ACF-AD3F-19EBE0E30D6E}" destId="{85CA462C-F37E-4B54-82B8-9CE057D21BD6}" srcOrd="5" destOrd="0" presId="urn:microsoft.com/office/officeart/2018/2/layout/IconVerticalSolidList"/>
+    <dgm:cxn modelId="{AFF15403-E927-4F49-B888-E0E38DF64F0A}" type="presParOf" srcId="{CB2E63AF-3DE6-4ACF-AD3F-19EBE0E30D6E}" destId="{4438666A-23A2-4D0E-8A41-C573941D7320}" srcOrd="6" destOrd="0" presId="urn:microsoft.com/office/officeart/2018/2/layout/IconVerticalSolidList"/>
+    <dgm:cxn modelId="{53B3D941-7499-4008-BDF5-47DAEA237EEB}" type="presParOf" srcId="{4438666A-23A2-4D0E-8A41-C573941D7320}" destId="{9B96282B-2264-4721-9E16-1779E68A5B0D}" srcOrd="0" destOrd="0" presId="urn:microsoft.com/office/officeart/2018/2/layout/IconVerticalSolidList"/>
+    <dgm:cxn modelId="{CDD14B16-9F0E-43D2-ABB2-377BCAF9768F}" type="presParOf" srcId="{4438666A-23A2-4D0E-8A41-C573941D7320}" destId="{A2330DC8-667C-420C-A7B9-4CC36FEE83E2}" srcOrd="1" destOrd="0" presId="urn:microsoft.com/office/officeart/2018/2/layout/IconVerticalSolidList"/>
+    <dgm:cxn modelId="{86CA33DA-3BD8-4F09-A332-13838BF6C8B6}" type="presParOf" srcId="{4438666A-23A2-4D0E-8A41-C573941D7320}" destId="{4A9229D1-DD0C-44E4-8C01-2C59682A293B}" srcOrd="2" destOrd="0" presId="urn:microsoft.com/office/officeart/2018/2/layout/IconVerticalSolidList"/>
+    <dgm:cxn modelId="{6AAFF740-0CF9-4005-AC29-E7A31FD0601A}" type="presParOf" srcId="{4438666A-23A2-4D0E-8A41-C573941D7320}" destId="{C5B01DB5-2C4E-4BEB-9BD6-9A23D329526A}" srcOrd="3" destOrd="0" presId="urn:microsoft.com/office/officeart/2018/2/layout/IconVerticalSolidList"/>
+  </dgm:cxnLst>
+  <dgm:bg/>
+  <dgm:whole/>
+  <dgm:extLst>
+    <a:ext uri="http://schemas.microsoft.com/office/drawing/2008/diagram">
+      <dsp:dataModelExt xmlns:dsp="http://schemas.microsoft.com/office/drawing/2008/diagram" relId="rId6" minVer="http://schemas.openxmlformats.org/drawingml/2006/diagram"/>
+    </a:ext>
+  </dgm:extLst>
+</dgm:dataModel>
+</file>
+
+<file path=ppt/diagrams/data7.xml><?xml version="1.0" encoding="utf-8"?>
+<dgm:dataModel xmlns:dgm="http://schemas.openxmlformats.org/drawingml/2006/diagram" xmlns:a="http://schemas.openxmlformats.org/drawingml/2006/main">
+  <dgm:ptLst>
     <dgm:pt modelId="{687FE75A-3101-4051-A107-F5006C812CB9}" type="doc">
       <dgm:prSet loTypeId="urn:microsoft.com/office/officeart/2018/5/layout/IconLeafLabelList" loCatId="icon" qsTypeId="urn:microsoft.com/office/officeart/2005/8/quickstyle/simple1" qsCatId="simple" csTypeId="urn:microsoft.com/office/officeart/2018/5/colors/Iconchunking_neutralicon_colorful1" csCatId="colorful" phldr="1"/>
       <dgm:spPr/>
@@ -7315,8 +8670,8 @@
             <a:defRPr cap="all"/>
           </a:pPr>
           <a:r>
-            <a:rPr lang="en-US"/>
-            <a:t>The best performing model was the first one with unprocessed variables </a:t>
+            <a:rPr lang="en-US" dirty="0"/>
+            <a:t>The best performing model was the first one with unprocessed variables, encoded grade and binned years</a:t>
           </a:r>
         </a:p>
       </dgm:t>
@@ -7354,8 +8709,8 @@
             <a:defRPr cap="all"/>
           </a:pPr>
           <a:r>
-            <a:rPr lang="en-US"/>
-            <a:t>There is more work needed to isolate key variables in that impact price </a:t>
+            <a:rPr lang="en-US" dirty="0"/>
+            <a:t>There is more work needed to isolate key variables in that impact price. </a:t>
           </a:r>
         </a:p>
       </dgm:t>
@@ -8562,8 +9917,8 @@
             <a:buNone/>
           </a:pPr>
           <a:r>
-            <a:rPr lang="en-US" sz="1700" kern="1200"/>
-            <a:t>R^2 – 0.56</a:t>
+            <a:rPr lang="en-US" sz="1700" kern="1200" dirty="0"/>
+            <a:t>R^2 – 0.563</a:t>
           </a:r>
         </a:p>
       </dsp:txBody>
@@ -8881,8 +10236,8 @@
             <a:buNone/>
           </a:pPr>
           <a:r>
-            <a:rPr lang="en-US" sz="3600" kern="1200"/>
-            <a:t>Model appeared highly ineffective with r^2 at 4</a:t>
+            <a:rPr lang="en-US" sz="3600" kern="1200" dirty="0"/>
+            <a:t>Model appeared highly ineffective with r^2 at 0.4</a:t>
           </a:r>
         </a:p>
       </dsp:txBody>
@@ -10229,6 +11584,627 @@
       <dsp:cNvGrpSpPr/>
     </dsp:nvGrpSpPr>
     <dsp:grpSpPr/>
+    <dsp:sp modelId="{B82DC097-E5BD-4BA8-A23A-3796712105F2}">
+      <dsp:nvSpPr>
+        <dsp:cNvPr id="0" name=""/>
+        <dsp:cNvSpPr/>
+      </dsp:nvSpPr>
+      <dsp:spPr>
+        <a:xfrm>
+          <a:off x="0" y="3"/>
+          <a:ext cx="6513603" cy="1238008"/>
+        </a:xfrm>
+        <a:prstGeom prst="roundRect">
+          <a:avLst>
+            <a:gd name="adj" fmla="val 10000"/>
+          </a:avLst>
+        </a:prstGeom>
+        <a:solidFill>
+          <a:schemeClr val="accent2">
+            <a:hueOff val="0"/>
+            <a:satOff val="0"/>
+            <a:lumOff val="0"/>
+            <a:alphaOff val="0"/>
+          </a:schemeClr>
+        </a:solidFill>
+        <a:ln>
+          <a:noFill/>
+        </a:ln>
+        <a:effectLst/>
+      </dsp:spPr>
+      <dsp:style>
+        <a:lnRef idx="0">
+          <a:scrgbClr r="0" g="0" b="0"/>
+        </a:lnRef>
+        <a:fillRef idx="1">
+          <a:scrgbClr r="0" g="0" b="0"/>
+        </a:fillRef>
+        <a:effectRef idx="0">
+          <a:scrgbClr r="0" g="0" b="0"/>
+        </a:effectRef>
+        <a:fontRef idx="minor"/>
+      </dsp:style>
+    </dsp:sp>
+    <dsp:sp modelId="{26F37563-4C77-46C4-BE71-F35A12B2D282}">
+      <dsp:nvSpPr>
+        <dsp:cNvPr id="0" name=""/>
+        <dsp:cNvSpPr/>
+      </dsp:nvSpPr>
+      <dsp:spPr>
+        <a:xfrm>
+          <a:off x="374497" y="280994"/>
+          <a:ext cx="680904" cy="680904"/>
+        </a:xfrm>
+        <a:prstGeom prst="rect">
+          <a:avLst/>
+        </a:prstGeom>
+        <a:blipFill>
+          <a:blip xmlns:r="http://schemas.openxmlformats.org/officeDocument/2006/relationships" r:embed="rId1">
+            <a:extLst>
+              <a:ext uri="{28A0092B-C50C-407E-A947-70E740481C1C}">
+                <a14:useLocalDpi xmlns:a14="http://schemas.microsoft.com/office/drawing/2010/main" val="0"/>
+              </a:ext>
+              <a:ext uri="{96DAC541-7B7A-43D3-8B79-37D633B846F1}">
+                <asvg:svgBlip xmlns:asvg="http://schemas.microsoft.com/office/drawing/2016/SVG/main" r:embed="rId2"/>
+              </a:ext>
+            </a:extLst>
+          </a:blip>
+          <a:stretch>
+            <a:fillRect/>
+          </a:stretch>
+        </a:blipFill>
+        <a:ln w="12700" cap="flat" cmpd="sng" algn="ctr">
+          <a:noFill/>
+          <a:prstDash val="solid"/>
+          <a:miter lim="800000"/>
+        </a:ln>
+        <a:effectLst/>
+      </dsp:spPr>
+      <dsp:style>
+        <a:lnRef idx="2">
+          <a:scrgbClr r="0" g="0" b="0"/>
+        </a:lnRef>
+        <a:fillRef idx="1">
+          <a:scrgbClr r="0" g="0" b="0"/>
+        </a:fillRef>
+        <a:effectRef idx="0">
+          <a:scrgbClr r="0" g="0" b="0"/>
+        </a:effectRef>
+        <a:fontRef idx="minor">
+          <a:schemeClr val="lt1"/>
+        </a:fontRef>
+      </dsp:style>
+    </dsp:sp>
+    <dsp:sp modelId="{2E6FAAD6-571B-4CB2-99DA-CE2B40D2AD13}">
+      <dsp:nvSpPr>
+        <dsp:cNvPr id="0" name=""/>
+        <dsp:cNvSpPr/>
+      </dsp:nvSpPr>
+      <dsp:spPr>
+        <a:xfrm>
+          <a:off x="1429899" y="2442"/>
+          <a:ext cx="5083704" cy="1238008"/>
+        </a:xfrm>
+        <a:prstGeom prst="rect">
+          <a:avLst/>
+        </a:prstGeom>
+        <a:noFill/>
+        <a:ln>
+          <a:noFill/>
+        </a:ln>
+        <a:effectLst/>
+      </dsp:spPr>
+      <dsp:style>
+        <a:lnRef idx="0">
+          <a:scrgbClr r="0" g="0" b="0"/>
+        </a:lnRef>
+        <a:fillRef idx="0">
+          <a:scrgbClr r="0" g="0" b="0"/>
+        </a:fillRef>
+        <a:effectRef idx="0">
+          <a:scrgbClr r="0" g="0" b="0"/>
+        </a:effectRef>
+        <a:fontRef idx="minor"/>
+      </dsp:style>
+      <dsp:txBody>
+        <a:bodyPr spcFirstLastPara="0" vert="horz" wrap="square" lIns="131023" tIns="131023" rIns="131023" bIns="131023" numCol="1" spcCol="1270" anchor="ctr" anchorCtr="0">
+          <a:noAutofit/>
+        </a:bodyPr>
+        <a:lstStyle/>
+        <a:p>
+          <a:pPr marL="0" lvl="0" indent="0" algn="l" defTabSz="977900">
+            <a:lnSpc>
+              <a:spcPct val="90000"/>
+            </a:lnSpc>
+            <a:spcBef>
+              <a:spcPct val="0"/>
+            </a:spcBef>
+            <a:spcAft>
+              <a:spcPct val="35000"/>
+            </a:spcAft>
+            <a:buNone/>
+          </a:pPr>
+          <a:r>
+            <a:rPr lang="en-US" sz="2200" kern="1200" dirty="0"/>
+            <a:t>Decided to bin years, encode grade and only include columns with p = 0</a:t>
+          </a:r>
+        </a:p>
+      </dsp:txBody>
+      <dsp:txXfrm>
+        <a:off x="1429899" y="2442"/>
+        <a:ext cx="5083704" cy="1238008"/>
+      </dsp:txXfrm>
+    </dsp:sp>
+    <dsp:sp modelId="{5517268E-181D-4AFD-AFCC-606759467E13}">
+      <dsp:nvSpPr>
+        <dsp:cNvPr id="0" name=""/>
+        <dsp:cNvSpPr/>
+      </dsp:nvSpPr>
+      <dsp:spPr>
+        <a:xfrm>
+          <a:off x="0" y="1549953"/>
+          <a:ext cx="6513603" cy="1238008"/>
+        </a:xfrm>
+        <a:prstGeom prst="roundRect">
+          <a:avLst>
+            <a:gd name="adj" fmla="val 10000"/>
+          </a:avLst>
+        </a:prstGeom>
+        <a:solidFill>
+          <a:schemeClr val="accent3">
+            <a:hueOff val="0"/>
+            <a:satOff val="0"/>
+            <a:lumOff val="0"/>
+            <a:alphaOff val="0"/>
+          </a:schemeClr>
+        </a:solidFill>
+        <a:ln>
+          <a:noFill/>
+        </a:ln>
+        <a:effectLst/>
+      </dsp:spPr>
+      <dsp:style>
+        <a:lnRef idx="0">
+          <a:scrgbClr r="0" g="0" b="0"/>
+        </a:lnRef>
+        <a:fillRef idx="1">
+          <a:scrgbClr r="0" g="0" b="0"/>
+        </a:fillRef>
+        <a:effectRef idx="0">
+          <a:scrgbClr r="0" g="0" b="0"/>
+        </a:effectRef>
+        <a:fontRef idx="minor"/>
+      </dsp:style>
+    </dsp:sp>
+    <dsp:sp modelId="{2518F3BB-DB64-4641-9AF9-E1FAE6CF49A4}">
+      <dsp:nvSpPr>
+        <dsp:cNvPr id="0" name=""/>
+        <dsp:cNvSpPr/>
+      </dsp:nvSpPr>
+      <dsp:spPr>
+        <a:xfrm>
+          <a:off x="374497" y="1828505"/>
+          <a:ext cx="680904" cy="680904"/>
+        </a:xfrm>
+        <a:prstGeom prst="rect">
+          <a:avLst/>
+        </a:prstGeom>
+        <a:blipFill>
+          <a:blip xmlns:r="http://schemas.openxmlformats.org/officeDocument/2006/relationships" r:embed="rId3">
+            <a:extLst>
+              <a:ext uri="{28A0092B-C50C-407E-A947-70E740481C1C}">
+                <a14:useLocalDpi xmlns:a14="http://schemas.microsoft.com/office/drawing/2010/main" val="0"/>
+              </a:ext>
+              <a:ext uri="{96DAC541-7B7A-43D3-8B79-37D633B846F1}">
+                <asvg:svgBlip xmlns:asvg="http://schemas.microsoft.com/office/drawing/2016/SVG/main" r:embed="rId4"/>
+              </a:ext>
+            </a:extLst>
+          </a:blip>
+          <a:stretch>
+            <a:fillRect/>
+          </a:stretch>
+        </a:blipFill>
+        <a:ln w="12700" cap="flat" cmpd="sng" algn="ctr">
+          <a:noFill/>
+          <a:prstDash val="solid"/>
+          <a:miter lim="800000"/>
+        </a:ln>
+        <a:effectLst/>
+      </dsp:spPr>
+      <dsp:style>
+        <a:lnRef idx="2">
+          <a:scrgbClr r="0" g="0" b="0"/>
+        </a:lnRef>
+        <a:fillRef idx="1">
+          <a:scrgbClr r="0" g="0" b="0"/>
+        </a:fillRef>
+        <a:effectRef idx="0">
+          <a:scrgbClr r="0" g="0" b="0"/>
+        </a:effectRef>
+        <a:fontRef idx="minor">
+          <a:schemeClr val="lt1"/>
+        </a:fontRef>
+      </dsp:style>
+    </dsp:sp>
+    <dsp:sp modelId="{037519C9-FA94-4CCB-BC1E-53F48AF44778}">
+      <dsp:nvSpPr>
+        <dsp:cNvPr id="0" name=""/>
+        <dsp:cNvSpPr/>
+      </dsp:nvSpPr>
+      <dsp:spPr>
+        <a:xfrm>
+          <a:off x="1429899" y="1549953"/>
+          <a:ext cx="5083704" cy="1238008"/>
+        </a:xfrm>
+        <a:prstGeom prst="rect">
+          <a:avLst/>
+        </a:prstGeom>
+        <a:noFill/>
+        <a:ln>
+          <a:noFill/>
+        </a:ln>
+        <a:effectLst/>
+      </dsp:spPr>
+      <dsp:style>
+        <a:lnRef idx="0">
+          <a:scrgbClr r="0" g="0" b="0"/>
+        </a:lnRef>
+        <a:fillRef idx="0">
+          <a:scrgbClr r="0" g="0" b="0"/>
+        </a:fillRef>
+        <a:effectRef idx="0">
+          <a:scrgbClr r="0" g="0" b="0"/>
+        </a:effectRef>
+        <a:fontRef idx="minor"/>
+      </dsp:style>
+      <dsp:txBody>
+        <a:bodyPr spcFirstLastPara="0" vert="horz" wrap="square" lIns="131023" tIns="131023" rIns="131023" bIns="131023" numCol="1" spcCol="1270" anchor="ctr" anchorCtr="0">
+          <a:noAutofit/>
+        </a:bodyPr>
+        <a:lstStyle/>
+        <a:p>
+          <a:pPr marL="0" lvl="0" indent="0" algn="l" defTabSz="977900">
+            <a:lnSpc>
+              <a:spcPct val="90000"/>
+            </a:lnSpc>
+            <a:spcBef>
+              <a:spcPct val="0"/>
+            </a:spcBef>
+            <a:spcAft>
+              <a:spcPct val="35000"/>
+            </a:spcAft>
+            <a:buNone/>
+          </a:pPr>
+          <a:r>
+            <a:rPr lang="en-US" sz="2200" kern="1200" dirty="0"/>
+            <a:t>Best r^2 score  - 0.565</a:t>
+          </a:r>
+        </a:p>
+      </dsp:txBody>
+      <dsp:txXfrm>
+        <a:off x="1429899" y="1549953"/>
+        <a:ext cx="5083704" cy="1238008"/>
+      </dsp:txXfrm>
+    </dsp:sp>
+    <dsp:sp modelId="{F1CD3313-43F2-457C-817B-F573D9DBC6C7}">
+      <dsp:nvSpPr>
+        <dsp:cNvPr id="0" name=""/>
+        <dsp:cNvSpPr/>
+      </dsp:nvSpPr>
+      <dsp:spPr>
+        <a:xfrm>
+          <a:off x="0" y="3097464"/>
+          <a:ext cx="6513603" cy="1238008"/>
+        </a:xfrm>
+        <a:prstGeom prst="roundRect">
+          <a:avLst>
+            <a:gd name="adj" fmla="val 10000"/>
+          </a:avLst>
+        </a:prstGeom>
+        <a:solidFill>
+          <a:schemeClr val="accent4">
+            <a:hueOff val="0"/>
+            <a:satOff val="0"/>
+            <a:lumOff val="0"/>
+            <a:alphaOff val="0"/>
+          </a:schemeClr>
+        </a:solidFill>
+        <a:ln>
+          <a:noFill/>
+        </a:ln>
+        <a:effectLst/>
+      </dsp:spPr>
+      <dsp:style>
+        <a:lnRef idx="0">
+          <a:scrgbClr r="0" g="0" b="0"/>
+        </a:lnRef>
+        <a:fillRef idx="1">
+          <a:scrgbClr r="0" g="0" b="0"/>
+        </a:fillRef>
+        <a:effectRef idx="0">
+          <a:scrgbClr r="0" g="0" b="0"/>
+        </a:effectRef>
+        <a:fontRef idx="minor"/>
+      </dsp:style>
+    </dsp:sp>
+    <dsp:sp modelId="{02459C26-B2EE-4C19-A187-3091FFEDFCB7}">
+      <dsp:nvSpPr>
+        <dsp:cNvPr id="0" name=""/>
+        <dsp:cNvSpPr/>
+      </dsp:nvSpPr>
+      <dsp:spPr>
+        <a:xfrm>
+          <a:off x="374497" y="3376015"/>
+          <a:ext cx="680904" cy="680904"/>
+        </a:xfrm>
+        <a:prstGeom prst="rect">
+          <a:avLst/>
+        </a:prstGeom>
+        <a:blipFill>
+          <a:blip xmlns:r="http://schemas.openxmlformats.org/officeDocument/2006/relationships" r:embed="rId5">
+            <a:extLst>
+              <a:ext uri="{28A0092B-C50C-407E-A947-70E740481C1C}">
+                <a14:useLocalDpi xmlns:a14="http://schemas.microsoft.com/office/drawing/2010/main" val="0"/>
+              </a:ext>
+              <a:ext uri="{96DAC541-7B7A-43D3-8B79-37D633B846F1}">
+                <asvg:svgBlip xmlns:asvg="http://schemas.microsoft.com/office/drawing/2016/SVG/main" r:embed="rId6"/>
+              </a:ext>
+            </a:extLst>
+          </a:blip>
+          <a:stretch>
+            <a:fillRect/>
+          </a:stretch>
+        </a:blipFill>
+        <a:ln w="12700" cap="flat" cmpd="sng" algn="ctr">
+          <a:noFill/>
+          <a:prstDash val="solid"/>
+          <a:miter lim="800000"/>
+        </a:ln>
+        <a:effectLst/>
+      </dsp:spPr>
+      <dsp:style>
+        <a:lnRef idx="2">
+          <a:scrgbClr r="0" g="0" b="0"/>
+        </a:lnRef>
+        <a:fillRef idx="1">
+          <a:scrgbClr r="0" g="0" b="0"/>
+        </a:fillRef>
+        <a:effectRef idx="0">
+          <a:scrgbClr r="0" g="0" b="0"/>
+        </a:effectRef>
+        <a:fontRef idx="minor">
+          <a:schemeClr val="lt1"/>
+        </a:fontRef>
+      </dsp:style>
+    </dsp:sp>
+    <dsp:sp modelId="{463376ED-52D9-4D93-BC0D-9A26758357C3}">
+      <dsp:nvSpPr>
+        <dsp:cNvPr id="0" name=""/>
+        <dsp:cNvSpPr/>
+      </dsp:nvSpPr>
+      <dsp:spPr>
+        <a:xfrm>
+          <a:off x="1429899" y="3097464"/>
+          <a:ext cx="5083704" cy="1238008"/>
+        </a:xfrm>
+        <a:prstGeom prst="rect">
+          <a:avLst/>
+        </a:prstGeom>
+        <a:noFill/>
+        <a:ln>
+          <a:noFill/>
+        </a:ln>
+        <a:effectLst/>
+      </dsp:spPr>
+      <dsp:style>
+        <a:lnRef idx="0">
+          <a:scrgbClr r="0" g="0" b="0"/>
+        </a:lnRef>
+        <a:fillRef idx="0">
+          <a:scrgbClr r="0" g="0" b="0"/>
+        </a:fillRef>
+        <a:effectRef idx="0">
+          <a:scrgbClr r="0" g="0" b="0"/>
+        </a:effectRef>
+        <a:fontRef idx="minor"/>
+      </dsp:style>
+      <dsp:txBody>
+        <a:bodyPr spcFirstLastPara="0" vert="horz" wrap="square" lIns="131023" tIns="131023" rIns="131023" bIns="131023" numCol="1" spcCol="1270" anchor="ctr" anchorCtr="0">
+          <a:noAutofit/>
+        </a:bodyPr>
+        <a:lstStyle/>
+        <a:p>
+          <a:pPr marL="0" lvl="0" indent="0" algn="l" defTabSz="977900">
+            <a:lnSpc>
+              <a:spcPct val="90000"/>
+            </a:lnSpc>
+            <a:spcBef>
+              <a:spcPct val="0"/>
+            </a:spcBef>
+            <a:spcAft>
+              <a:spcPct val="35000"/>
+            </a:spcAft>
+            <a:buNone/>
+          </a:pPr>
+          <a:r>
+            <a:rPr lang="en-US" sz="2200" kern="1200" dirty="0"/>
+            <a:t>Columns have been selected from best performing </a:t>
+          </a:r>
+        </a:p>
+      </dsp:txBody>
+      <dsp:txXfrm>
+        <a:off x="1429899" y="3097464"/>
+        <a:ext cx="5083704" cy="1238008"/>
+      </dsp:txXfrm>
+    </dsp:sp>
+    <dsp:sp modelId="{9B96282B-2264-4721-9E16-1779E68A5B0D}">
+      <dsp:nvSpPr>
+        <dsp:cNvPr id="0" name=""/>
+        <dsp:cNvSpPr/>
+      </dsp:nvSpPr>
+      <dsp:spPr>
+        <a:xfrm>
+          <a:off x="0" y="4644974"/>
+          <a:ext cx="6513603" cy="1238008"/>
+        </a:xfrm>
+        <a:prstGeom prst="roundRect">
+          <a:avLst>
+            <a:gd name="adj" fmla="val 10000"/>
+          </a:avLst>
+        </a:prstGeom>
+        <a:solidFill>
+          <a:schemeClr val="accent5">
+            <a:hueOff val="0"/>
+            <a:satOff val="0"/>
+            <a:lumOff val="0"/>
+            <a:alphaOff val="0"/>
+          </a:schemeClr>
+        </a:solidFill>
+        <a:ln>
+          <a:noFill/>
+        </a:ln>
+        <a:effectLst/>
+      </dsp:spPr>
+      <dsp:style>
+        <a:lnRef idx="0">
+          <a:scrgbClr r="0" g="0" b="0"/>
+        </a:lnRef>
+        <a:fillRef idx="1">
+          <a:scrgbClr r="0" g="0" b="0"/>
+        </a:fillRef>
+        <a:effectRef idx="0">
+          <a:scrgbClr r="0" g="0" b="0"/>
+        </a:effectRef>
+        <a:fontRef idx="minor"/>
+      </dsp:style>
+    </dsp:sp>
+    <dsp:sp modelId="{A2330DC8-667C-420C-A7B9-4CC36FEE83E2}">
+      <dsp:nvSpPr>
+        <dsp:cNvPr id="0" name=""/>
+        <dsp:cNvSpPr/>
+      </dsp:nvSpPr>
+      <dsp:spPr>
+        <a:xfrm>
+          <a:off x="374497" y="4923526"/>
+          <a:ext cx="680904" cy="680904"/>
+        </a:xfrm>
+        <a:prstGeom prst="rect">
+          <a:avLst/>
+        </a:prstGeom>
+        <a:blipFill>
+          <a:blip xmlns:r="http://schemas.openxmlformats.org/officeDocument/2006/relationships" r:embed="rId7">
+            <a:extLst>
+              <a:ext uri="{28A0092B-C50C-407E-A947-70E740481C1C}">
+                <a14:useLocalDpi xmlns:a14="http://schemas.microsoft.com/office/drawing/2010/main" val="0"/>
+              </a:ext>
+              <a:ext uri="{96DAC541-7B7A-43D3-8B79-37D633B846F1}">
+                <asvg:svgBlip xmlns:asvg="http://schemas.microsoft.com/office/drawing/2016/SVG/main" r:embed="rId8"/>
+              </a:ext>
+            </a:extLst>
+          </a:blip>
+          <a:stretch>
+            <a:fillRect/>
+          </a:stretch>
+        </a:blipFill>
+        <a:ln w="12700" cap="flat" cmpd="sng" algn="ctr">
+          <a:noFill/>
+          <a:prstDash val="solid"/>
+          <a:miter lim="800000"/>
+        </a:ln>
+        <a:effectLst/>
+      </dsp:spPr>
+      <dsp:style>
+        <a:lnRef idx="2">
+          <a:scrgbClr r="0" g="0" b="0"/>
+        </a:lnRef>
+        <a:fillRef idx="1">
+          <a:scrgbClr r="0" g="0" b="0"/>
+        </a:fillRef>
+        <a:effectRef idx="0">
+          <a:scrgbClr r="0" g="0" b="0"/>
+        </a:effectRef>
+        <a:fontRef idx="minor">
+          <a:schemeClr val="lt1"/>
+        </a:fontRef>
+      </dsp:style>
+    </dsp:sp>
+    <dsp:sp modelId="{C5B01DB5-2C4E-4BEB-9BD6-9A23D329526A}">
+      <dsp:nvSpPr>
+        <dsp:cNvPr id="0" name=""/>
+        <dsp:cNvSpPr/>
+      </dsp:nvSpPr>
+      <dsp:spPr>
+        <a:xfrm>
+          <a:off x="1429899" y="4644974"/>
+          <a:ext cx="5083704" cy="1238008"/>
+        </a:xfrm>
+        <a:prstGeom prst="rect">
+          <a:avLst/>
+        </a:prstGeom>
+        <a:noFill/>
+        <a:ln>
+          <a:noFill/>
+        </a:ln>
+        <a:effectLst/>
+      </dsp:spPr>
+      <dsp:style>
+        <a:lnRef idx="0">
+          <a:scrgbClr r="0" g="0" b="0"/>
+        </a:lnRef>
+        <a:fillRef idx="0">
+          <a:scrgbClr r="0" g="0" b="0"/>
+        </a:fillRef>
+        <a:effectRef idx="0">
+          <a:scrgbClr r="0" g="0" b="0"/>
+        </a:effectRef>
+        <a:fontRef idx="minor"/>
+      </dsp:style>
+      <dsp:txBody>
+        <a:bodyPr spcFirstLastPara="0" vert="horz" wrap="square" lIns="131023" tIns="131023" rIns="131023" bIns="131023" numCol="1" spcCol="1270" anchor="ctr" anchorCtr="0">
+          <a:noAutofit/>
+        </a:bodyPr>
+        <a:lstStyle/>
+        <a:p>
+          <a:pPr marL="0" lvl="0" indent="0" algn="l" defTabSz="977900">
+            <a:lnSpc>
+              <a:spcPct val="90000"/>
+            </a:lnSpc>
+            <a:spcBef>
+              <a:spcPct val="0"/>
+            </a:spcBef>
+            <a:spcAft>
+              <a:spcPct val="35000"/>
+            </a:spcAft>
+            <a:buNone/>
+          </a:pPr>
+          <a:r>
+            <a:rPr lang="en-US" sz="2200" kern="1200" dirty="0"/>
+            <a:t>Root mean squared error = </a:t>
+          </a:r>
+          <a:r>
+            <a:rPr lang="en-US" sz="2200" b="0" i="0" u="none" kern="1200" dirty="0"/>
+            <a:t>127098.691731 </a:t>
+          </a:r>
+          <a:endParaRPr lang="en-US" sz="2200" kern="1200" dirty="0"/>
+        </a:p>
+      </dsp:txBody>
+      <dsp:txXfrm>
+        <a:off x="1429899" y="4644974"/>
+        <a:ext cx="5083704" cy="1238008"/>
+      </dsp:txXfrm>
+    </dsp:sp>
+  </dsp:spTree>
+</dsp:drawing>
+</file>
+
+<file path=ppt/diagrams/drawing7.xml><?xml version="1.0" encoding="utf-8"?>
+<dsp:drawing xmlns:dgm="http://schemas.openxmlformats.org/drawingml/2006/diagram" xmlns:dsp="http://schemas.microsoft.com/office/drawing/2008/diagram" xmlns:a="http://schemas.openxmlformats.org/drawingml/2006/main">
+  <dsp:spTree>
+    <dsp:nvGrpSpPr>
+      <dsp:cNvPr id="0" name=""/>
+      <dsp:cNvGrpSpPr/>
+    </dsp:nvGrpSpPr>
+    <dsp:grpSpPr/>
     <dsp:sp modelId="{92971B8E-4D76-42DC-84D0-B33ED581FFE6}">
       <dsp:nvSpPr>
         <dsp:cNvPr id="0" name=""/>
@@ -10358,7 +12334,7 @@
         </a:bodyPr>
         <a:lstStyle/>
         <a:p>
-          <a:pPr marL="0" lvl="0" indent="0" algn="ctr" defTabSz="711200">
+          <a:pPr marL="0" lvl="0" indent="0" algn="ctr" defTabSz="622300">
             <a:lnSpc>
               <a:spcPct val="90000"/>
             </a:lnSpc>
@@ -10372,8 +12348,8 @@
             <a:defRPr cap="all"/>
           </a:pPr>
           <a:r>
-            <a:rPr lang="en-US" sz="1600" kern="1200"/>
-            <a:t>The best performing model was the first one with unprocessed variables </a:t>
+            <a:rPr lang="en-US" sz="1400" kern="1200" dirty="0"/>
+            <a:t>The best performing model was the first one with unprocessed variables, encoded grade and binned years</a:t>
           </a:r>
         </a:p>
       </dsp:txBody>
@@ -10511,7 +12487,7 @@
         </a:bodyPr>
         <a:lstStyle/>
         <a:p>
-          <a:pPr marL="0" lvl="0" indent="0" algn="ctr" defTabSz="711200">
+          <a:pPr marL="0" lvl="0" indent="0" algn="ctr" defTabSz="622300">
             <a:lnSpc>
               <a:spcPct val="90000"/>
             </a:lnSpc>
@@ -10525,8 +12501,8 @@
             <a:defRPr cap="all"/>
           </a:pPr>
           <a:r>
-            <a:rPr lang="en-US" sz="1600" kern="1200"/>
-            <a:t>There is more work needed to isolate key variables in that impact price </a:t>
+            <a:rPr lang="en-US" sz="1400" kern="1200" dirty="0"/>
+            <a:t>There is more work needed to isolate key variables in that impact price. </a:t>
           </a:r>
         </a:p>
       </dsp:txBody>
@@ -10664,7 +12640,7 @@
         </a:bodyPr>
         <a:lstStyle/>
         <a:p>
-          <a:pPr marL="0" lvl="0" indent="0" algn="ctr" defTabSz="711200">
+          <a:pPr marL="0" lvl="0" indent="0" algn="ctr" defTabSz="622300">
             <a:lnSpc>
               <a:spcPct val="90000"/>
             </a:lnSpc>
@@ -10678,7 +12654,7 @@
             <a:defRPr cap="all"/>
           </a:pPr>
           <a:r>
-            <a:rPr lang="en-US" sz="1600" kern="1200"/>
+            <a:rPr lang="en-US" sz="1400" kern="1200"/>
             <a:t>Additional treatment of categorical variables and zipcode are the recommended next steps </a:t>
           </a:r>
         </a:p>
@@ -12036,6 +14012,300 @@
 </file>
 
 <file path=ppt/diagrams/layout6.xml><?xml version="1.0" encoding="utf-8"?>
+<dgm:layoutDef xmlns:dgm="http://schemas.openxmlformats.org/drawingml/2006/diagram" xmlns:a="http://schemas.openxmlformats.org/drawingml/2006/main" uniqueId="urn:microsoft.com/office/officeart/2018/2/layout/IconVerticalSolidList">
+  <dgm:title val="Icon Vertical Solid List"/>
+  <dgm:desc val="Use to show a series of visuals from top to bottom with Level 1 or Level 1 and Level 2 text grouped in a shape. Works best with icons or small pictures with lengthier descriptions."/>
+  <dgm:catLst>
+    <dgm:cat type="icon" pri="500"/>
+  </dgm:catLst>
+  <dgm:sampData useDef="1">
+    <dgm:dataModel>
+      <dgm:ptLst/>
+      <dgm:bg/>
+      <dgm:whole/>
+    </dgm:dataModel>
+  </dgm:sampData>
+  <dgm:styleData useDef="1">
+    <dgm:dataModel>
+      <dgm:ptLst/>
+      <dgm:bg/>
+      <dgm:whole/>
+    </dgm:dataModel>
+  </dgm:styleData>
+  <dgm:clrData useDef="1">
+    <dgm:dataModel>
+      <dgm:ptLst/>
+      <dgm:bg/>
+      <dgm:whole/>
+    </dgm:dataModel>
+  </dgm:clrData>
+  <dgm:layoutNode name="root">
+    <dgm:varLst>
+      <dgm:dir/>
+      <dgm:resizeHandles val="exact"/>
+    </dgm:varLst>
+    <dgm:choose name="Name0">
+      <dgm:if name="Name1" axis="self" func="var" arg="dir" op="equ" val="norm">
+        <dgm:alg type="lin">
+          <dgm:param type="linDir" val="fromT"/>
+          <dgm:param type="nodeHorzAlign" val="l"/>
+        </dgm:alg>
+      </dgm:if>
+      <dgm:else name="Name2">
+        <dgm:alg type="lin">
+          <dgm:param type="linDir" val="fromT"/>
+          <dgm:param type="nodeHorzAlign" val="r"/>
+        </dgm:alg>
+      </dgm:else>
+    </dgm:choose>
+    <dgm:shape xmlns:r="http://schemas.openxmlformats.org/officeDocument/2006/relationships" r:blip="">
+      <dgm:adjLst/>
+    </dgm:shape>
+    <dgm:presOf/>
+    <dgm:choose name="Name3">
+      <dgm:if name="Name4" axis="ch" ptType="node" func="cnt" op="lte" val="3">
+        <dgm:constrLst>
+          <dgm:constr type="h" for="ch" forName="compNode" refType="h" fact="0.3"/>
+          <dgm:constr type="w" for="ch" forName="compNode" refType="w"/>
+          <dgm:constr type="h" for="ch" forName="sibTrans" refType="h" refFor="ch" refForName="compNode" fact="0.25"/>
+          <dgm:constr type="primFontSz" for="des" forName="parTx" val="25"/>
+          <dgm:constr type="primFontSz" for="des" forName="desTx" refType="primFontSz" refFor="des" refForName="parTx" op="lte" fact="0.75"/>
+          <dgm:constr type="h" for="des" forName="compNode" op="equ"/>
+          <dgm:constr type="h" for="des" forName="bgRect" op="equ"/>
+          <dgm:constr type="h" for="des" forName="iconRect" op="equ"/>
+          <dgm:constr type="w" for="des" forName="iconRect" op="equ"/>
+          <dgm:constr type="h" for="des" forName="spaceRect" op="equ"/>
+          <dgm:constr type="h" for="des" forName="parTx" op="equ"/>
+          <dgm:constr type="h" for="des" forName="desTx" op="equ"/>
+        </dgm:constrLst>
+      </dgm:if>
+      <dgm:if name="Name5" axis="ch" ptType="node" func="cnt" op="lte" val="4">
+        <dgm:constrLst>
+          <dgm:constr type="h" for="ch" forName="compNode" refType="h" fact="0.3"/>
+          <dgm:constr type="w" for="ch" forName="compNode" refType="w"/>
+          <dgm:constr type="h" for="ch" forName="sibTrans" refType="h" refFor="ch" refForName="compNode" fact="0.25"/>
+          <dgm:constr type="primFontSz" for="des" forName="parTx" val="22"/>
+          <dgm:constr type="primFontSz" for="des" forName="desTx" refType="primFontSz" refFor="des" refForName="parTx" op="lte" fact="0.75"/>
+          <dgm:constr type="h" for="des" forName="compNode" op="equ"/>
+          <dgm:constr type="h" for="des" forName="bgRect" op="equ"/>
+          <dgm:constr type="h" for="des" forName="iconRect" op="equ"/>
+          <dgm:constr type="w" for="des" forName="iconRect" op="equ"/>
+          <dgm:constr type="h" for="des" forName="spaceRect" op="equ"/>
+          <dgm:constr type="h" for="des" forName="parTx" op="equ"/>
+          <dgm:constr type="h" for="des" forName="desTx" op="equ"/>
+        </dgm:constrLst>
+      </dgm:if>
+      <dgm:if name="Name6" axis="ch" ptType="node" func="cnt" op="lte" val="6">
+        <dgm:constrLst>
+          <dgm:constr type="h" for="ch" forName="compNode" refType="h" fact="0.3"/>
+          <dgm:constr type="w" for="ch" forName="compNode" refType="w"/>
+          <dgm:constr type="h" for="ch" forName="sibTrans" refType="h" refFor="ch" refForName="compNode" fact="0.25"/>
+          <dgm:constr type="primFontSz" for="des" forName="parTx" val="19"/>
+          <dgm:constr type="primFontSz" for="des" forName="desTx" refType="primFontSz" refFor="des" refForName="parTx" op="lte" fact="0.75"/>
+          <dgm:constr type="h" for="des" forName="compNode" op="equ"/>
+          <dgm:constr type="h" for="des" forName="bgRect" op="equ"/>
+          <dgm:constr type="h" for="des" forName="iconRect" op="equ"/>
+          <dgm:constr type="w" for="des" forName="iconRect" op="equ"/>
+          <dgm:constr type="h" for="des" forName="spaceRect" op="equ"/>
+          <dgm:constr type="h" for="des" forName="parTx" op="equ"/>
+          <dgm:constr type="h" for="des" forName="desTx" op="equ"/>
+        </dgm:constrLst>
+      </dgm:if>
+      <dgm:else name="Name7">
+        <dgm:constrLst>
+          <dgm:constr type="h" for="ch" forName="compNode" refType="h" fact="0.3"/>
+          <dgm:constr type="w" for="ch" forName="compNode" refType="w"/>
+          <dgm:constr type="h" for="ch" forName="sibTrans" refType="h" refFor="ch" refForName="compNode" fact="0.25"/>
+          <dgm:constr type="primFontSz" for="des" forName="parTx" val="16"/>
+          <dgm:constr type="primFontSz" for="des" forName="desTx" refType="primFontSz" refFor="des" refForName="parTx" op="lte" fact="0.75"/>
+          <dgm:constr type="h" for="des" forName="compNode" op="equ"/>
+          <dgm:constr type="h" for="des" forName="bgRect" op="equ"/>
+          <dgm:constr type="h" for="des" forName="iconRect" op="equ"/>
+          <dgm:constr type="w" for="des" forName="iconRect" op="equ"/>
+          <dgm:constr type="h" for="des" forName="spaceRect" op="equ"/>
+          <dgm:constr type="h" for="des" forName="parTx" op="equ"/>
+          <dgm:constr type="h" for="des" forName="desTx" op="equ"/>
+        </dgm:constrLst>
+      </dgm:else>
+    </dgm:choose>
+    <dgm:ruleLst>
+      <dgm:rule type="h" for="ch" forName="compNode" val="0" fact="NaN" max="NaN"/>
+    </dgm:ruleLst>
+    <dgm:forEach name="Name8" axis="ch" ptType="node">
+      <dgm:layoutNode name="compNode">
+        <dgm:alg type="composite"/>
+        <dgm:shape xmlns:r="http://schemas.openxmlformats.org/officeDocument/2006/relationships" r:blip="">
+          <dgm:adjLst/>
+        </dgm:shape>
+        <dgm:presOf axis="self"/>
+        <dgm:choose name="Name9">
+          <dgm:if name="Name10" axis="ch" ptType="node" func="cnt" op="gte" val="1">
+            <dgm:constrLst>
+              <dgm:constr type="w" for="ch" forName="bgRect" refType="w"/>
+              <dgm:constr type="h" for="ch" forName="bgRect" refType="h"/>
+              <dgm:constr type="l" for="ch" forName="bgRect"/>
+              <dgm:constr type="t" for="ch" forName="bgRect"/>
+              <dgm:constr type="h" for="ch" forName="iconRect" refType="h" fact="0.55"/>
+              <dgm:constr type="w" for="ch" forName="iconRect" refType="h" refFor="ch" refForName="iconRect"/>
+              <dgm:constr type="l" for="ch" forName="iconRect" refType="h" refFor="ch" refForName="iconRect" fact="0.55"/>
+              <dgm:constr type="ctrY" for="ch" forName="iconRect" refType="ctrY" refFor="ch" refForName="bgRect"/>
+              <dgm:constr type="w" for="ch" forName="spaceRect" refType="l" refFor="ch" refForName="iconRect"/>
+              <dgm:constr type="h" for="ch" forName="spaceRect" refType="h"/>
+              <dgm:constr type="l" for="ch" forName="spaceRect" refType="r" refFor="ch" refForName="iconRect"/>
+              <dgm:constr type="t" for="ch" forName="spaceRect"/>
+              <dgm:constr type="w" for="ch" forName="parTx" refType="w" fact="0.45"/>
+              <dgm:constr type="h" for="ch" forName="parTx" refType="h"/>
+              <dgm:constr type="l" for="ch" forName="parTx" refType="r" refFor="ch" refForName="spaceRect"/>
+              <dgm:constr type="t" for="ch" forName="parTx"/>
+              <dgm:constr type="h" for="ch" forName="desTx" refType="h"/>
+              <dgm:constr type="l" for="ch" forName="desTx" refType="r" refFor="ch" refForName="parTx"/>
+              <dgm:constr type="t" for="ch" forName="desTx"/>
+            </dgm:constrLst>
+          </dgm:if>
+          <dgm:else name="Name11">
+            <dgm:constrLst>
+              <dgm:constr type="w" for="ch" forName="bgRect" refType="w"/>
+              <dgm:constr type="h" for="ch" forName="bgRect" refType="h"/>
+              <dgm:constr type="l" for="ch" forName="bgRect"/>
+              <dgm:constr type="t" for="ch" forName="bgRect"/>
+              <dgm:constr type="h" for="ch" forName="iconRect" refType="h" fact="0.55"/>
+              <dgm:constr type="w" for="ch" forName="iconRect" refType="h" refFor="ch" refForName="iconRect"/>
+              <dgm:constr type="l" for="ch" forName="iconRect" refType="h" refFor="ch" refForName="iconRect" fact="0.55"/>
+              <dgm:constr type="ctrY" for="ch" forName="iconRect" refType="ctrY" refFor="ch" refForName="bgRect"/>
+              <dgm:constr type="w" for="ch" forName="spaceRect" refType="l" refFor="ch" refForName="iconRect"/>
+              <dgm:constr type="h" for="ch" forName="spaceRect" refType="h"/>
+              <dgm:constr type="l" for="ch" forName="spaceRect" refType="r" refFor="ch" refForName="iconRect"/>
+              <dgm:constr type="t" for="ch" forName="spaceRect"/>
+              <dgm:constr type="h" for="ch" forName="parTx" refType="h"/>
+              <dgm:constr type="l" for="ch" forName="parTx" refType="r" refFor="ch" refForName="spaceRect"/>
+              <dgm:constr type="t" for="ch" forName="parTx"/>
+            </dgm:constrLst>
+          </dgm:else>
+        </dgm:choose>
+        <dgm:ruleLst>
+          <dgm:rule type="h" val="INF" fact="NaN" max="NaN"/>
+        </dgm:ruleLst>
+        <dgm:layoutNode name="bgRect" styleLbl="bgShp">
+          <dgm:alg type="sp"/>
+          <dgm:shape xmlns:r="http://schemas.openxmlformats.org/officeDocument/2006/relationships" type="roundRect" r:blip="">
+            <dgm:adjLst>
+              <dgm:adj idx="1" val="0.1"/>
+            </dgm:adjLst>
+          </dgm:shape>
+          <dgm:presOf/>
+          <dgm:constrLst/>
+          <dgm:ruleLst/>
+        </dgm:layoutNode>
+        <dgm:layoutNode name="iconRect" styleLbl="node1">
+          <dgm:alg type="sp"/>
+          <dgm:shape xmlns:r="http://schemas.openxmlformats.org/officeDocument/2006/relationships" type="rect" r:blip="" blipPhldr="1">
+            <dgm:adjLst/>
+          </dgm:shape>
+          <dgm:presOf/>
+          <dgm:constrLst/>
+          <dgm:ruleLst/>
+        </dgm:layoutNode>
+        <dgm:layoutNode name="spaceRect">
+          <dgm:alg type="sp"/>
+          <dgm:shape xmlns:r="http://schemas.openxmlformats.org/officeDocument/2006/relationships" r:blip="">
+            <dgm:adjLst/>
+          </dgm:shape>
+          <dgm:presOf/>
+          <dgm:constrLst/>
+          <dgm:ruleLst/>
+        </dgm:layoutNode>
+        <dgm:layoutNode name="parTx" styleLbl="revTx">
+          <dgm:varLst>
+            <dgm:chMax val="0"/>
+            <dgm:chPref val="0"/>
+          </dgm:varLst>
+          <dgm:alg type="tx">
+            <dgm:param type="txAnchorVert" val="mid"/>
+            <dgm:param type="parTxLTRAlign" val="l"/>
+            <dgm:param type="shpTxLTRAlignCh" val="l"/>
+            <dgm:param type="parTxRTLAlign" val="r"/>
+            <dgm:param type="shpTxRTLAlignCh" val="r"/>
+          </dgm:alg>
+          <dgm:shape xmlns:r="http://schemas.openxmlformats.org/officeDocument/2006/relationships" type="rect" r:blip="">
+            <dgm:adjLst/>
+          </dgm:shape>
+          <dgm:presOf axis="self" ptType="node"/>
+          <dgm:constrLst>
+            <dgm:constr type="lMarg" refType="h" fact="0.3"/>
+            <dgm:constr type="rMarg" refType="h" fact="0.3"/>
+            <dgm:constr type="tMarg" refType="h" fact="0.3"/>
+            <dgm:constr type="bMarg" refType="h" fact="0.3"/>
+          </dgm:constrLst>
+          <dgm:ruleLst>
+            <dgm:rule type="primFontSz" val="14" fact="NaN" max="NaN"/>
+            <dgm:rule type="h" val="INF" fact="NaN" max="NaN"/>
+          </dgm:ruleLst>
+        </dgm:layoutNode>
+        <dgm:choose name="Name12">
+          <dgm:if name="Name13" axis="ch" ptType="node" func="cnt" op="gte" val="1">
+            <dgm:layoutNode name="desTx" styleLbl="revTx">
+              <dgm:varLst/>
+              <dgm:alg type="tx">
+                <dgm:param type="txAnchorVertCh" val="mid"/>
+                <dgm:param type="parTxLTRAlign" val="l"/>
+                <dgm:param type="shpTxLTRAlignCh" val="l"/>
+                <dgm:param type="parTxRTLAlign" val="r"/>
+                <dgm:param type="shpTxRTLAlignCh" val="r"/>
+                <dgm:param type="stBulletLvl" val="0"/>
+              </dgm:alg>
+              <dgm:shape xmlns:r="http://schemas.openxmlformats.org/officeDocument/2006/relationships" type="rect" r:blip="">
+                <dgm:adjLst/>
+              </dgm:shape>
+              <dgm:presOf axis="des" ptType="node"/>
+              <dgm:constrLst>
+                <dgm:constr type="primFontSz" val="18"/>
+                <dgm:constr type="secFontSz" refType="primFontSz"/>
+                <dgm:constr type="lMarg" refType="h" fact="0.3"/>
+                <dgm:constr type="rMarg" refType="h" fact="0.3"/>
+                <dgm:constr type="tMarg" refType="h" fact="0.3"/>
+                <dgm:constr type="bMarg" refType="h" fact="0.3"/>
+              </dgm:constrLst>
+              <dgm:ruleLst>
+                <dgm:rule type="primFontSz" val="11" fact="NaN" max="NaN"/>
+              </dgm:ruleLst>
+            </dgm:layoutNode>
+          </dgm:if>
+          <dgm:else name="Name14"/>
+        </dgm:choose>
+      </dgm:layoutNode>
+      <dgm:forEach name="Name15" axis="followSib" ptType="sibTrans" cnt="1">
+        <dgm:layoutNode name="sibTrans">
+          <dgm:alg type="sp"/>
+          <dgm:shape xmlns:r="http://schemas.openxmlformats.org/officeDocument/2006/relationships" r:blip="">
+            <dgm:adjLst/>
+          </dgm:shape>
+          <dgm:presOf axis="self"/>
+          <dgm:constrLst/>
+          <dgm:ruleLst/>
+        </dgm:layoutNode>
+      </dgm:forEach>
+    </dgm:forEach>
+  </dgm:layoutNode>
+  <dgm:extLst>
+    <a:ext uri="{68A01E43-0DF5-4B5B-8FA6-DAF915123BFB}">
+      <dgm1612:lstStyle xmlns:dgm1612="http://schemas.microsoft.com/office/drawing/2016/12/diagram">
+        <a:lvl1pPr>
+          <a:lnSpc>
+            <a:spcPct val="100000"/>
+          </a:lnSpc>
+        </a:lvl1pPr>
+        <a:lvl2pPr>
+          <a:lnSpc>
+            <a:spcPct val="100000"/>
+          </a:lnSpc>
+        </a:lvl2pPr>
+      </dgm1612:lstStyle>
+    </a:ext>
+  </dgm:extLst>
+</dgm:layoutDef>
+</file>
+
+<file path=ppt/diagrams/layout7.xml><?xml version="1.0" encoding="utf-8"?>
 <dgm:layoutDef xmlns:dgm="http://schemas.openxmlformats.org/drawingml/2006/diagram" xmlns:a="http://schemas.openxmlformats.org/drawingml/2006/main" uniqueId="urn:microsoft.com/office/officeart/2018/5/layout/IconLeafLabelList">
   <dgm:title val="Icon Leaf Label List"/>
   <dgm:desc val="Use to show non-sequential or grouped chunks of information accompanied by a related visuals. Works best with icons or small pictures with short text captions."/>
@@ -18466,6 +20736,1658 @@
 </dgm:styleDef>
 </file>
 
+<file path=ppt/diagrams/quickStyle7.xml><?xml version="1.0" encoding="utf-8"?>
+<dgm:styleDef xmlns:dgm="http://schemas.openxmlformats.org/drawingml/2006/diagram" xmlns:a="http://schemas.openxmlformats.org/drawingml/2006/main" uniqueId="urn:microsoft.com/office/officeart/2005/8/quickstyle/simple1">
+  <dgm:title val=""/>
+  <dgm:desc val=""/>
+  <dgm:catLst>
+    <dgm:cat type="simple" pri="10100"/>
+  </dgm:catLst>
+  <dgm:scene3d>
+    <a:camera prst="orthographicFront"/>
+    <a:lightRig rig="threePt" dir="t"/>
+  </dgm:scene3d>
+  <dgm:styleLbl name="node0">
+    <dgm:scene3d>
+      <a:camera prst="orthographicFront"/>
+      <a:lightRig rig="threePt" dir="t"/>
+    </dgm:scene3d>
+    <dgm:sp3d/>
+    <dgm:txPr/>
+    <dgm:style>
+      <a:lnRef idx="2">
+        <a:scrgbClr r="0" g="0" b="0"/>
+      </a:lnRef>
+      <a:fillRef idx="1">
+        <a:scrgbClr r="0" g="0" b="0"/>
+      </a:fillRef>
+      <a:effectRef idx="0">
+        <a:scrgbClr r="0" g="0" b="0"/>
+      </a:effectRef>
+      <a:fontRef idx="minor">
+        <a:schemeClr val="lt1"/>
+      </a:fontRef>
+    </dgm:style>
+  </dgm:styleLbl>
+  <dgm:styleLbl name="lnNode1">
+    <dgm:scene3d>
+      <a:camera prst="orthographicFront"/>
+      <a:lightRig rig="threePt" dir="t"/>
+    </dgm:scene3d>
+    <dgm:sp3d/>
+    <dgm:txPr/>
+    <dgm:style>
+      <a:lnRef idx="2">
+        <a:scrgbClr r="0" g="0" b="0"/>
+      </a:lnRef>
+      <a:fillRef idx="1">
+        <a:scrgbClr r="0" g="0" b="0"/>
+      </a:fillRef>
+      <a:effectRef idx="0">
+        <a:scrgbClr r="0" g="0" b="0"/>
+      </a:effectRef>
+      <a:fontRef idx="minor">
+        <a:schemeClr val="lt1"/>
+      </a:fontRef>
+    </dgm:style>
+  </dgm:styleLbl>
+  <dgm:styleLbl name="vennNode1">
+    <dgm:scene3d>
+      <a:camera prst="orthographicFront"/>
+      <a:lightRig rig="threePt" dir="t"/>
+    </dgm:scene3d>
+    <dgm:sp3d/>
+    <dgm:txPr/>
+    <dgm:style>
+      <a:lnRef idx="2">
+        <a:scrgbClr r="0" g="0" b="0"/>
+      </a:lnRef>
+      <a:fillRef idx="1">
+        <a:scrgbClr r="0" g="0" b="0"/>
+      </a:fillRef>
+      <a:effectRef idx="0">
+        <a:scrgbClr r="0" g="0" b="0"/>
+      </a:effectRef>
+      <a:fontRef idx="minor">
+        <a:schemeClr val="tx1"/>
+      </a:fontRef>
+    </dgm:style>
+  </dgm:styleLbl>
+  <dgm:styleLbl name="alignNode1">
+    <dgm:scene3d>
+      <a:camera prst="orthographicFront"/>
+      <a:lightRig rig="threePt" dir="t"/>
+    </dgm:scene3d>
+    <dgm:sp3d/>
+    <dgm:txPr/>
+    <dgm:style>
+      <a:lnRef idx="2">
+        <a:scrgbClr r="0" g="0" b="0"/>
+      </a:lnRef>
+      <a:fillRef idx="1">
+        <a:scrgbClr r="0" g="0" b="0"/>
+      </a:fillRef>
+      <a:effectRef idx="0">
+        <a:scrgbClr r="0" g="0" b="0"/>
+      </a:effectRef>
+      <a:fontRef idx="minor">
+        <a:schemeClr val="lt1"/>
+      </a:fontRef>
+    </dgm:style>
+  </dgm:styleLbl>
+  <dgm:styleLbl name="node1">
+    <dgm:scene3d>
+      <a:camera prst="orthographicFront"/>
+      <a:lightRig rig="threePt" dir="t"/>
+    </dgm:scene3d>
+    <dgm:sp3d/>
+    <dgm:txPr/>
+    <dgm:style>
+      <a:lnRef idx="2">
+        <a:scrgbClr r="0" g="0" b="0"/>
+      </a:lnRef>
+      <a:fillRef idx="1">
+        <a:scrgbClr r="0" g="0" b="0"/>
+      </a:fillRef>
+      <a:effectRef idx="0">
+        <a:scrgbClr r="0" g="0" b="0"/>
+      </a:effectRef>
+      <a:fontRef idx="minor">
+        <a:schemeClr val="lt1"/>
+      </a:fontRef>
+    </dgm:style>
+  </dgm:styleLbl>
+  <dgm:styleLbl name="node2">
+    <dgm:scene3d>
+      <a:camera prst="orthographicFront"/>
+      <a:lightRig rig="threePt" dir="t"/>
+    </dgm:scene3d>
+    <dgm:sp3d/>
+    <dgm:txPr/>
+    <dgm:style>
+      <a:lnRef idx="2">
+        <a:scrgbClr r="0" g="0" b="0"/>
+      </a:lnRef>
+      <a:fillRef idx="1">
+        <a:scrgbClr r="0" g="0" b="0"/>
+      </a:fillRef>
+      <a:effectRef idx="0">
+        <a:scrgbClr r="0" g="0" b="0"/>
+      </a:effectRef>
+      <a:fontRef idx="minor">
+        <a:schemeClr val="lt1"/>
+      </a:fontRef>
+    </dgm:style>
+  </dgm:styleLbl>
+  <dgm:styleLbl name="node3">
+    <dgm:scene3d>
+      <a:camera prst="orthographicFront"/>
+      <a:lightRig rig="threePt" dir="t"/>
+    </dgm:scene3d>
+    <dgm:sp3d/>
+    <dgm:txPr/>
+    <dgm:style>
+      <a:lnRef idx="2">
+        <a:scrgbClr r="0" g="0" b="0"/>
+      </a:lnRef>
+      <a:fillRef idx="1">
+        <a:scrgbClr r="0" g="0" b="0"/>
+      </a:fillRef>
+      <a:effectRef idx="0">
+        <a:scrgbClr r="0" g="0" b="0"/>
+      </a:effectRef>
+      <a:fontRef idx="minor">
+        <a:schemeClr val="lt1"/>
+      </a:fontRef>
+    </dgm:style>
+  </dgm:styleLbl>
+  <dgm:styleLbl name="node4">
+    <dgm:scene3d>
+      <a:camera prst="orthographicFront"/>
+      <a:lightRig rig="threePt" dir="t"/>
+    </dgm:scene3d>
+    <dgm:sp3d/>
+    <dgm:txPr/>
+    <dgm:style>
+      <a:lnRef idx="2">
+        <a:scrgbClr r="0" g="0" b="0"/>
+      </a:lnRef>
+      <a:fillRef idx="1">
+        <a:scrgbClr r="0" g="0" b="0"/>
+      </a:fillRef>
+      <a:effectRef idx="0">
+        <a:scrgbClr r="0" g="0" b="0"/>
+      </a:effectRef>
+      <a:fontRef idx="minor">
+        <a:schemeClr val="lt1"/>
+      </a:fontRef>
+    </dgm:style>
+  </dgm:styleLbl>
+  <dgm:styleLbl name="fgImgPlace1">
+    <dgm:scene3d>
+      <a:camera prst="orthographicFront"/>
+      <a:lightRig rig="threePt" dir="t"/>
+    </dgm:scene3d>
+    <dgm:sp3d/>
+    <dgm:txPr/>
+    <dgm:style>
+      <a:lnRef idx="2">
+        <a:scrgbClr r="0" g="0" b="0"/>
+      </a:lnRef>
+      <a:fillRef idx="1">
+        <a:scrgbClr r="0" g="0" b="0"/>
+      </a:fillRef>
+      <a:effectRef idx="0">
+        <a:scrgbClr r="0" g="0" b="0"/>
+      </a:effectRef>
+      <a:fontRef idx="minor"/>
+    </dgm:style>
+  </dgm:styleLbl>
+  <dgm:styleLbl name="alignImgPlace1">
+    <dgm:scene3d>
+      <a:camera prst="orthographicFront"/>
+      <a:lightRig rig="threePt" dir="t"/>
+    </dgm:scene3d>
+    <dgm:sp3d/>
+    <dgm:txPr/>
+    <dgm:style>
+      <a:lnRef idx="2">
+        <a:scrgbClr r="0" g="0" b="0"/>
+      </a:lnRef>
+      <a:fillRef idx="1">
+        <a:scrgbClr r="0" g="0" b="0"/>
+      </a:fillRef>
+      <a:effectRef idx="0">
+        <a:scrgbClr r="0" g="0" b="0"/>
+      </a:effectRef>
+      <a:fontRef idx="minor"/>
+    </dgm:style>
+  </dgm:styleLbl>
+  <dgm:styleLbl name="bgImgPlace1">
+    <dgm:scene3d>
+      <a:camera prst="orthographicFront"/>
+      <a:lightRig rig="threePt" dir="t"/>
+    </dgm:scene3d>
+    <dgm:sp3d/>
+    <dgm:txPr/>
+    <dgm:style>
+      <a:lnRef idx="2">
+        <a:scrgbClr r="0" g="0" b="0"/>
+      </a:lnRef>
+      <a:fillRef idx="1">
+        <a:scrgbClr r="0" g="0" b="0"/>
+      </a:fillRef>
+      <a:effectRef idx="0">
+        <a:scrgbClr r="0" g="0" b="0"/>
+      </a:effectRef>
+      <a:fontRef idx="minor"/>
+    </dgm:style>
+  </dgm:styleLbl>
+  <dgm:styleLbl name="sibTrans2D1">
+    <dgm:scene3d>
+      <a:camera prst="orthographicFront"/>
+      <a:lightRig rig="threePt" dir="t"/>
+    </dgm:scene3d>
+    <dgm:sp3d/>
+    <dgm:txPr/>
+    <dgm:style>
+      <a:lnRef idx="0">
+        <a:scrgbClr r="0" g="0" b="0"/>
+      </a:lnRef>
+      <a:fillRef idx="1">
+        <a:scrgbClr r="0" g="0" b="0"/>
+      </a:fillRef>
+      <a:effectRef idx="0">
+        <a:scrgbClr r="0" g="0" b="0"/>
+      </a:effectRef>
+      <a:fontRef idx="minor">
+        <a:schemeClr val="lt1"/>
+      </a:fontRef>
+    </dgm:style>
+  </dgm:styleLbl>
+  <dgm:styleLbl name="fgSibTrans2D1">
+    <dgm:scene3d>
+      <a:camera prst="orthographicFront"/>
+      <a:lightRig rig="threePt" dir="t"/>
+    </dgm:scene3d>
+    <dgm:sp3d/>
+    <dgm:txPr/>
+    <dgm:style>
+      <a:lnRef idx="0">
+        <a:scrgbClr r="0" g="0" b="0"/>
+      </a:lnRef>
+      <a:fillRef idx="1">
+        <a:scrgbClr r="0" g="0" b="0"/>
+      </a:fillRef>
+      <a:effectRef idx="0">
+        <a:scrgbClr r="0" g="0" b="0"/>
+      </a:effectRef>
+      <a:fontRef idx="minor">
+        <a:schemeClr val="lt1"/>
+      </a:fontRef>
+    </dgm:style>
+  </dgm:styleLbl>
+  <dgm:styleLbl name="bgSibTrans2D1">
+    <dgm:scene3d>
+      <a:camera prst="orthographicFront"/>
+      <a:lightRig rig="threePt" dir="t"/>
+    </dgm:scene3d>
+    <dgm:sp3d/>
+    <dgm:txPr/>
+    <dgm:style>
+      <a:lnRef idx="0">
+        <a:scrgbClr r="0" g="0" b="0"/>
+      </a:lnRef>
+      <a:fillRef idx="1">
+        <a:scrgbClr r="0" g="0" b="0"/>
+      </a:fillRef>
+      <a:effectRef idx="0">
+        <a:scrgbClr r="0" g="0" b="0"/>
+      </a:effectRef>
+      <a:fontRef idx="minor">
+        <a:schemeClr val="lt1"/>
+      </a:fontRef>
+    </dgm:style>
+  </dgm:styleLbl>
+  <dgm:styleLbl name="sibTrans1D1">
+    <dgm:scene3d>
+      <a:camera prst="orthographicFront"/>
+      <a:lightRig rig="threePt" dir="t"/>
+    </dgm:scene3d>
+    <dgm:sp3d/>
+    <dgm:txPr/>
+    <dgm:style>
+      <a:lnRef idx="1">
+        <a:scrgbClr r="0" g="0" b="0"/>
+      </a:lnRef>
+      <a:fillRef idx="0">
+        <a:scrgbClr r="0" g="0" b="0"/>
+      </a:fillRef>
+      <a:effectRef idx="0">
+        <a:scrgbClr r="0" g="0" b="0"/>
+      </a:effectRef>
+      <a:fontRef idx="minor"/>
+    </dgm:style>
+  </dgm:styleLbl>
+  <dgm:styleLbl name="callout">
+    <dgm:scene3d>
+      <a:camera prst="orthographicFront"/>
+      <a:lightRig rig="threePt" dir="t"/>
+    </dgm:scene3d>
+    <dgm:sp3d/>
+    <dgm:txPr/>
+    <dgm:style>
+      <a:lnRef idx="2">
+        <a:scrgbClr r="0" g="0" b="0"/>
+      </a:lnRef>
+      <a:fillRef idx="1">
+        <a:scrgbClr r="0" g="0" b="0"/>
+      </a:fillRef>
+      <a:effectRef idx="0">
+        <a:scrgbClr r="0" g="0" b="0"/>
+      </a:effectRef>
+      <a:fontRef idx="minor"/>
+    </dgm:style>
+  </dgm:styleLbl>
+  <dgm:styleLbl name="asst0">
+    <dgm:scene3d>
+      <a:camera prst="orthographicFront"/>
+      <a:lightRig rig="threePt" dir="t"/>
+    </dgm:scene3d>
+    <dgm:sp3d/>
+    <dgm:txPr/>
+    <dgm:style>
+      <a:lnRef idx="2">
+        <a:scrgbClr r="0" g="0" b="0"/>
+      </a:lnRef>
+      <a:fillRef idx="1">
+        <a:scrgbClr r="0" g="0" b="0"/>
+      </a:fillRef>
+      <a:effectRef idx="0">
+        <a:scrgbClr r="0" g="0" b="0"/>
+      </a:effectRef>
+      <a:fontRef idx="minor">
+        <a:schemeClr val="lt1"/>
+      </a:fontRef>
+    </dgm:style>
+  </dgm:styleLbl>
+  <dgm:styleLbl name="asst1">
+    <dgm:scene3d>
+      <a:camera prst="orthographicFront"/>
+      <a:lightRig rig="threePt" dir="t"/>
+    </dgm:scene3d>
+    <dgm:sp3d/>
+    <dgm:txPr/>
+    <dgm:style>
+      <a:lnRef idx="2">
+        <a:scrgbClr r="0" g="0" b="0"/>
+      </a:lnRef>
+      <a:fillRef idx="1">
+        <a:scrgbClr r="0" g="0" b="0"/>
+      </a:fillRef>
+      <a:effectRef idx="0">
+        <a:scrgbClr r="0" g="0" b="0"/>
+      </a:effectRef>
+      <a:fontRef idx="minor">
+        <a:schemeClr val="lt1"/>
+      </a:fontRef>
+    </dgm:style>
+  </dgm:styleLbl>
+  <dgm:styleLbl name="asst2">
+    <dgm:scene3d>
+      <a:camera prst="orthographicFront"/>
+      <a:lightRig rig="threePt" dir="t"/>
+    </dgm:scene3d>
+    <dgm:sp3d/>
+    <dgm:txPr/>
+    <dgm:style>
+      <a:lnRef idx="2">
+        <a:scrgbClr r="0" g="0" b="0"/>
+      </a:lnRef>
+      <a:fillRef idx="1">
+        <a:scrgbClr r="0" g="0" b="0"/>
+      </a:fillRef>
+      <a:effectRef idx="0">
+        <a:scrgbClr r="0" g="0" b="0"/>
+      </a:effectRef>
+      <a:fontRef idx="minor">
+        <a:schemeClr val="lt1"/>
+      </a:fontRef>
+    </dgm:style>
+  </dgm:styleLbl>
+  <dgm:styleLbl name="asst3">
+    <dgm:scene3d>
+      <a:camera prst="orthographicFront"/>
+      <a:lightRig rig="threePt" dir="t"/>
+    </dgm:scene3d>
+    <dgm:sp3d/>
+    <dgm:txPr/>
+    <dgm:style>
+      <a:lnRef idx="2">
+        <a:scrgbClr r="0" g="0" b="0"/>
+      </a:lnRef>
+      <a:fillRef idx="1">
+        <a:scrgbClr r="0" g="0" b="0"/>
+      </a:fillRef>
+      <a:effectRef idx="0">
+        <a:scrgbClr r="0" g="0" b="0"/>
+      </a:effectRef>
+      <a:fontRef idx="minor">
+        <a:schemeClr val="lt1"/>
+      </a:fontRef>
+    </dgm:style>
+  </dgm:styleLbl>
+  <dgm:styleLbl name="asst4">
+    <dgm:scene3d>
+      <a:camera prst="orthographicFront"/>
+      <a:lightRig rig="threePt" dir="t"/>
+    </dgm:scene3d>
+    <dgm:sp3d/>
+    <dgm:txPr/>
+    <dgm:style>
+      <a:lnRef idx="2">
+        <a:scrgbClr r="0" g="0" b="0"/>
+      </a:lnRef>
+      <a:fillRef idx="1">
+        <a:scrgbClr r="0" g="0" b="0"/>
+      </a:fillRef>
+      <a:effectRef idx="0">
+        <a:scrgbClr r="0" g="0" b="0"/>
+      </a:effectRef>
+      <a:fontRef idx="minor">
+        <a:schemeClr val="lt1"/>
+      </a:fontRef>
+    </dgm:style>
+  </dgm:styleLbl>
+  <dgm:styleLbl name="parChTrans2D1">
+    <dgm:scene3d>
+      <a:camera prst="orthographicFront"/>
+      <a:lightRig rig="threePt" dir="t"/>
+    </dgm:scene3d>
+    <dgm:sp3d/>
+    <dgm:txPr/>
+    <dgm:style>
+      <a:lnRef idx="2">
+        <a:scrgbClr r="0" g="0" b="0"/>
+      </a:lnRef>
+      <a:fillRef idx="1">
+        <a:scrgbClr r="0" g="0" b="0"/>
+      </a:fillRef>
+      <a:effectRef idx="0">
+        <a:scrgbClr r="0" g="0" b="0"/>
+      </a:effectRef>
+      <a:fontRef idx="minor">
+        <a:schemeClr val="lt1"/>
+      </a:fontRef>
+    </dgm:style>
+  </dgm:styleLbl>
+  <dgm:styleLbl name="parChTrans2D2">
+    <dgm:scene3d>
+      <a:camera prst="orthographicFront"/>
+      <a:lightRig rig="threePt" dir="t"/>
+    </dgm:scene3d>
+    <dgm:sp3d/>
+    <dgm:txPr/>
+    <dgm:style>
+      <a:lnRef idx="2">
+        <a:scrgbClr r="0" g="0" b="0"/>
+      </a:lnRef>
+      <a:fillRef idx="1">
+        <a:scrgbClr r="0" g="0" b="0"/>
+      </a:fillRef>
+      <a:effectRef idx="0">
+        <a:scrgbClr r="0" g="0" b="0"/>
+      </a:effectRef>
+      <a:fontRef idx="minor">
+        <a:schemeClr val="lt1"/>
+      </a:fontRef>
+    </dgm:style>
+  </dgm:styleLbl>
+  <dgm:styleLbl name="parChTrans2D3">
+    <dgm:scene3d>
+      <a:camera prst="orthographicFront"/>
+      <a:lightRig rig="threePt" dir="t"/>
+    </dgm:scene3d>
+    <dgm:sp3d/>
+    <dgm:txPr/>
+    <dgm:style>
+      <a:lnRef idx="2">
+        <a:scrgbClr r="0" g="0" b="0"/>
+      </a:lnRef>
+      <a:fillRef idx="1">
+        <a:scrgbClr r="0" g="0" b="0"/>
+      </a:fillRef>
+      <a:effectRef idx="0">
+        <a:scrgbClr r="0" g="0" b="0"/>
+      </a:effectRef>
+      <a:fontRef idx="minor">
+        <a:schemeClr val="lt1"/>
+      </a:fontRef>
+    </dgm:style>
+  </dgm:styleLbl>
+  <dgm:styleLbl name="parChTrans2D4">
+    <dgm:scene3d>
+      <a:camera prst="orthographicFront"/>
+      <a:lightRig rig="threePt" dir="t"/>
+    </dgm:scene3d>
+    <dgm:sp3d/>
+    <dgm:txPr/>
+    <dgm:style>
+      <a:lnRef idx="2">
+        <a:scrgbClr r="0" g="0" b="0"/>
+      </a:lnRef>
+      <a:fillRef idx="1">
+        <a:scrgbClr r="0" g="0" b="0"/>
+      </a:fillRef>
+      <a:effectRef idx="0">
+        <a:scrgbClr r="0" g="0" b="0"/>
+      </a:effectRef>
+      <a:fontRef idx="minor">
+        <a:schemeClr val="lt1"/>
+      </a:fontRef>
+    </dgm:style>
+  </dgm:styleLbl>
+  <dgm:styleLbl name="parChTrans1D1">
+    <dgm:scene3d>
+      <a:camera prst="orthographicFront"/>
+      <a:lightRig rig="threePt" dir="t"/>
+    </dgm:scene3d>
+    <dgm:sp3d/>
+    <dgm:txPr/>
+    <dgm:style>
+      <a:lnRef idx="2">
+        <a:scrgbClr r="0" g="0" b="0"/>
+      </a:lnRef>
+      <a:fillRef idx="0">
+        <a:scrgbClr r="0" g="0" b="0"/>
+      </a:fillRef>
+      <a:effectRef idx="0">
+        <a:scrgbClr r="0" g="0" b="0"/>
+      </a:effectRef>
+      <a:fontRef idx="minor"/>
+    </dgm:style>
+  </dgm:styleLbl>
+  <dgm:styleLbl name="parChTrans1D2">
+    <dgm:scene3d>
+      <a:camera prst="orthographicFront"/>
+      <a:lightRig rig="threePt" dir="t"/>
+    </dgm:scene3d>
+    <dgm:sp3d/>
+    <dgm:txPr/>
+    <dgm:style>
+      <a:lnRef idx="2">
+        <a:scrgbClr r="0" g="0" b="0"/>
+      </a:lnRef>
+      <a:fillRef idx="0">
+        <a:scrgbClr r="0" g="0" b="0"/>
+      </a:fillRef>
+      <a:effectRef idx="0">
+        <a:scrgbClr r="0" g="0" b="0"/>
+      </a:effectRef>
+      <a:fontRef idx="minor"/>
+    </dgm:style>
+  </dgm:styleLbl>
+  <dgm:styleLbl name="parChTrans1D3">
+    <dgm:scene3d>
+      <a:camera prst="orthographicFront"/>
+      <a:lightRig rig="threePt" dir="t"/>
+    </dgm:scene3d>
+    <dgm:sp3d/>
+    <dgm:txPr/>
+    <dgm:style>
+      <a:lnRef idx="2">
+        <a:scrgbClr r="0" g="0" b="0"/>
+      </a:lnRef>
+      <a:fillRef idx="0">
+        <a:scrgbClr r="0" g="0" b="0"/>
+      </a:fillRef>
+      <a:effectRef idx="0">
+        <a:scrgbClr r="0" g="0" b="0"/>
+      </a:effectRef>
+      <a:fontRef idx="minor"/>
+    </dgm:style>
+  </dgm:styleLbl>
+  <dgm:styleLbl name="parChTrans1D4">
+    <dgm:scene3d>
+      <a:camera prst="orthographicFront"/>
+      <a:lightRig rig="threePt" dir="t"/>
+    </dgm:scene3d>
+    <dgm:sp3d/>
+    <dgm:txPr/>
+    <dgm:style>
+      <a:lnRef idx="2">
+        <a:scrgbClr r="0" g="0" b="0"/>
+      </a:lnRef>
+      <a:fillRef idx="0">
+        <a:scrgbClr r="0" g="0" b="0"/>
+      </a:fillRef>
+      <a:effectRef idx="0">
+        <a:scrgbClr r="0" g="0" b="0"/>
+      </a:effectRef>
+      <a:fontRef idx="minor"/>
+    </dgm:style>
+  </dgm:styleLbl>
+  <dgm:styleLbl name="fgAcc1">
+    <dgm:scene3d>
+      <a:camera prst="orthographicFront"/>
+      <a:lightRig rig="threePt" dir="t"/>
+    </dgm:scene3d>
+    <dgm:sp3d/>
+    <dgm:txPr/>
+    <dgm:style>
+      <a:lnRef idx="2">
+        <a:scrgbClr r="0" g="0" b="0"/>
+      </a:lnRef>
+      <a:fillRef idx="1">
+        <a:scrgbClr r="0" g="0" b="0"/>
+      </a:fillRef>
+      <a:effectRef idx="0">
+        <a:scrgbClr r="0" g="0" b="0"/>
+      </a:effectRef>
+      <a:fontRef idx="minor"/>
+    </dgm:style>
+  </dgm:styleLbl>
+  <dgm:styleLbl name="conFgAcc1">
+    <dgm:scene3d>
+      <a:camera prst="orthographicFront"/>
+      <a:lightRig rig="threePt" dir="t"/>
+    </dgm:scene3d>
+    <dgm:sp3d/>
+    <dgm:txPr/>
+    <dgm:style>
+      <a:lnRef idx="2">
+        <a:scrgbClr r="0" g="0" b="0"/>
+      </a:lnRef>
+      <a:fillRef idx="1">
+        <a:scrgbClr r="0" g="0" b="0"/>
+      </a:fillRef>
+      <a:effectRef idx="0">
+        <a:scrgbClr r="0" g="0" b="0"/>
+      </a:effectRef>
+      <a:fontRef idx="minor"/>
+    </dgm:style>
+  </dgm:styleLbl>
+  <dgm:styleLbl name="alignAcc1">
+    <dgm:scene3d>
+      <a:camera prst="orthographicFront"/>
+      <a:lightRig rig="threePt" dir="t"/>
+    </dgm:scene3d>
+    <dgm:sp3d/>
+    <dgm:txPr/>
+    <dgm:style>
+      <a:lnRef idx="2">
+        <a:scrgbClr r="0" g="0" b="0"/>
+      </a:lnRef>
+      <a:fillRef idx="1">
+        <a:scrgbClr r="0" g="0" b="0"/>
+      </a:fillRef>
+      <a:effectRef idx="0">
+        <a:scrgbClr r="0" g="0" b="0"/>
+      </a:effectRef>
+      <a:fontRef idx="minor"/>
+    </dgm:style>
+  </dgm:styleLbl>
+  <dgm:styleLbl name="trAlignAcc1">
+    <dgm:scene3d>
+      <a:camera prst="orthographicFront"/>
+      <a:lightRig rig="threePt" dir="t"/>
+    </dgm:scene3d>
+    <dgm:sp3d/>
+    <dgm:txPr/>
+    <dgm:style>
+      <a:lnRef idx="1">
+        <a:scrgbClr r="0" g="0" b="0"/>
+      </a:lnRef>
+      <a:fillRef idx="1">
+        <a:scrgbClr r="0" g="0" b="0"/>
+      </a:fillRef>
+      <a:effectRef idx="0">
+        <a:scrgbClr r="0" g="0" b="0"/>
+      </a:effectRef>
+      <a:fontRef idx="minor"/>
+    </dgm:style>
+  </dgm:styleLbl>
+  <dgm:styleLbl name="bgAcc1">
+    <dgm:scene3d>
+      <a:camera prst="orthographicFront"/>
+      <a:lightRig rig="threePt" dir="t"/>
+    </dgm:scene3d>
+    <dgm:sp3d/>
+    <dgm:txPr/>
+    <dgm:style>
+      <a:lnRef idx="2">
+        <a:scrgbClr r="0" g="0" b="0"/>
+      </a:lnRef>
+      <a:fillRef idx="1">
+        <a:scrgbClr r="0" g="0" b="0"/>
+      </a:fillRef>
+      <a:effectRef idx="0">
+        <a:scrgbClr r="0" g="0" b="0"/>
+      </a:effectRef>
+      <a:fontRef idx="minor"/>
+    </dgm:style>
+  </dgm:styleLbl>
+  <dgm:styleLbl name="solidFgAcc1">
+    <dgm:scene3d>
+      <a:camera prst="orthographicFront"/>
+      <a:lightRig rig="threePt" dir="t"/>
+    </dgm:scene3d>
+    <dgm:sp3d/>
+    <dgm:txPr/>
+    <dgm:style>
+      <a:lnRef idx="2">
+        <a:scrgbClr r="0" g="0" b="0"/>
+      </a:lnRef>
+      <a:fillRef idx="1">
+        <a:scrgbClr r="0" g="0" b="0"/>
+      </a:fillRef>
+      <a:effectRef idx="0">
+        <a:scrgbClr r="0" g="0" b="0"/>
+      </a:effectRef>
+      <a:fontRef idx="minor"/>
+    </dgm:style>
+  </dgm:styleLbl>
+  <dgm:styleLbl name="solidAlignAcc1">
+    <dgm:scene3d>
+      <a:camera prst="orthographicFront"/>
+      <a:lightRig rig="threePt" dir="t"/>
+    </dgm:scene3d>
+    <dgm:sp3d/>
+    <dgm:txPr/>
+    <dgm:style>
+      <a:lnRef idx="2">
+        <a:scrgbClr r="0" g="0" b="0"/>
+      </a:lnRef>
+      <a:fillRef idx="1">
+        <a:scrgbClr r="0" g="0" b="0"/>
+      </a:fillRef>
+      <a:effectRef idx="0">
+        <a:scrgbClr r="0" g="0" b="0"/>
+      </a:effectRef>
+      <a:fontRef idx="minor"/>
+    </dgm:style>
+  </dgm:styleLbl>
+  <dgm:styleLbl name="solidBgAcc1">
+    <dgm:scene3d>
+      <a:camera prst="orthographicFront"/>
+      <a:lightRig rig="threePt" dir="t"/>
+    </dgm:scene3d>
+    <dgm:sp3d/>
+    <dgm:txPr/>
+    <dgm:style>
+      <a:lnRef idx="2">
+        <a:scrgbClr r="0" g="0" b="0"/>
+      </a:lnRef>
+      <a:fillRef idx="1">
+        <a:scrgbClr r="0" g="0" b="0"/>
+      </a:fillRef>
+      <a:effectRef idx="0">
+        <a:scrgbClr r="0" g="0" b="0"/>
+      </a:effectRef>
+      <a:fontRef idx="minor"/>
+    </dgm:style>
+  </dgm:styleLbl>
+  <dgm:styleLbl name="fgAccFollowNode1">
+    <dgm:scene3d>
+      <a:camera prst="orthographicFront"/>
+      <a:lightRig rig="threePt" dir="t"/>
+    </dgm:scene3d>
+    <dgm:sp3d/>
+    <dgm:txPr/>
+    <dgm:style>
+      <a:lnRef idx="2">
+        <a:scrgbClr r="0" g="0" b="0"/>
+      </a:lnRef>
+      <a:fillRef idx="1">
+        <a:scrgbClr r="0" g="0" b="0"/>
+      </a:fillRef>
+      <a:effectRef idx="0">
+        <a:scrgbClr r="0" g="0" b="0"/>
+      </a:effectRef>
+      <a:fontRef idx="minor"/>
+    </dgm:style>
+  </dgm:styleLbl>
+  <dgm:styleLbl name="alignAccFollowNode1">
+    <dgm:scene3d>
+      <a:camera prst="orthographicFront"/>
+      <a:lightRig rig="threePt" dir="t"/>
+    </dgm:scene3d>
+    <dgm:sp3d/>
+    <dgm:txPr/>
+    <dgm:style>
+      <a:lnRef idx="2">
+        <a:scrgbClr r="0" g="0" b="0"/>
+      </a:lnRef>
+      <a:fillRef idx="1">
+        <a:scrgbClr r="0" g="0" b="0"/>
+      </a:fillRef>
+      <a:effectRef idx="0">
+        <a:scrgbClr r="0" g="0" b="0"/>
+      </a:effectRef>
+      <a:fontRef idx="minor"/>
+    </dgm:style>
+  </dgm:styleLbl>
+  <dgm:styleLbl name="bgAccFollowNode1">
+    <dgm:scene3d>
+      <a:camera prst="orthographicFront"/>
+      <a:lightRig rig="threePt" dir="t"/>
+    </dgm:scene3d>
+    <dgm:sp3d/>
+    <dgm:txPr/>
+    <dgm:style>
+      <a:lnRef idx="2">
+        <a:scrgbClr r="0" g="0" b="0"/>
+      </a:lnRef>
+      <a:fillRef idx="1">
+        <a:scrgbClr r="0" g="0" b="0"/>
+      </a:fillRef>
+      <a:effectRef idx="0">
+        <a:scrgbClr r="0" g="0" b="0"/>
+      </a:effectRef>
+      <a:fontRef idx="minor"/>
+    </dgm:style>
+  </dgm:styleLbl>
+  <dgm:styleLbl name="fgAcc0">
+    <dgm:scene3d>
+      <a:camera prst="orthographicFront"/>
+      <a:lightRig rig="threePt" dir="t"/>
+    </dgm:scene3d>
+    <dgm:sp3d/>
+    <dgm:txPr/>
+    <dgm:style>
+      <a:lnRef idx="2">
+        <a:scrgbClr r="0" g="0" b="0"/>
+      </a:lnRef>
+      <a:fillRef idx="1">
+        <a:scrgbClr r="0" g="0" b="0"/>
+      </a:fillRef>
+      <a:effectRef idx="0">
+        <a:scrgbClr r="0" g="0" b="0"/>
+      </a:effectRef>
+      <a:fontRef idx="minor"/>
+    </dgm:style>
+  </dgm:styleLbl>
+  <dgm:styleLbl name="fgAcc2">
+    <dgm:scene3d>
+      <a:camera prst="orthographicFront"/>
+      <a:lightRig rig="threePt" dir="t"/>
+    </dgm:scene3d>
+    <dgm:sp3d/>
+    <dgm:txPr/>
+    <dgm:style>
+      <a:lnRef idx="2">
+        <a:scrgbClr r="0" g="0" b="0"/>
+      </a:lnRef>
+      <a:fillRef idx="1">
+        <a:scrgbClr r="0" g="0" b="0"/>
+      </a:fillRef>
+      <a:effectRef idx="0">
+        <a:scrgbClr r="0" g="0" b="0"/>
+      </a:effectRef>
+      <a:fontRef idx="minor"/>
+    </dgm:style>
+  </dgm:styleLbl>
+  <dgm:styleLbl name="fgAcc3">
+    <dgm:scene3d>
+      <a:camera prst="orthographicFront"/>
+      <a:lightRig rig="threePt" dir="t"/>
+    </dgm:scene3d>
+    <dgm:sp3d/>
+    <dgm:txPr/>
+    <dgm:style>
+      <a:lnRef idx="2">
+        <a:scrgbClr r="0" g="0" b="0"/>
+      </a:lnRef>
+      <a:fillRef idx="1">
+        <a:scrgbClr r="0" g="0" b="0"/>
+      </a:fillRef>
+      <a:effectRef idx="0">
+        <a:scrgbClr r="0" g="0" b="0"/>
+      </a:effectRef>
+      <a:fontRef idx="minor"/>
+    </dgm:style>
+  </dgm:styleLbl>
+  <dgm:styleLbl name="fgAcc4">
+    <dgm:scene3d>
+      <a:camera prst="orthographicFront"/>
+      <a:lightRig rig="threePt" dir="t"/>
+    </dgm:scene3d>
+    <dgm:sp3d/>
+    <dgm:txPr/>
+    <dgm:style>
+      <a:lnRef idx="2">
+        <a:scrgbClr r="0" g="0" b="0"/>
+      </a:lnRef>
+      <a:fillRef idx="1">
+        <a:scrgbClr r="0" g="0" b="0"/>
+      </a:fillRef>
+      <a:effectRef idx="0">
+        <a:scrgbClr r="0" g="0" b="0"/>
+      </a:effectRef>
+      <a:fontRef idx="minor"/>
+    </dgm:style>
+  </dgm:styleLbl>
+  <dgm:styleLbl name="bgShp">
+    <dgm:scene3d>
+      <a:camera prst="orthographicFront"/>
+      <a:lightRig rig="threePt" dir="t"/>
+    </dgm:scene3d>
+    <dgm:sp3d/>
+    <dgm:txPr/>
+    <dgm:style>
+      <a:lnRef idx="0">
+        <a:scrgbClr r="0" g="0" b="0"/>
+      </a:lnRef>
+      <a:fillRef idx="1">
+        <a:scrgbClr r="0" g="0" b="0"/>
+      </a:fillRef>
+      <a:effectRef idx="0">
+        <a:scrgbClr r="0" g="0" b="0"/>
+      </a:effectRef>
+      <a:fontRef idx="minor"/>
+    </dgm:style>
+  </dgm:styleLbl>
+  <dgm:styleLbl name="dkBgShp">
+    <dgm:scene3d>
+      <a:camera prst="orthographicFront"/>
+      <a:lightRig rig="threePt" dir="t"/>
+    </dgm:scene3d>
+    <dgm:sp3d/>
+    <dgm:txPr/>
+    <dgm:style>
+      <a:lnRef idx="0">
+        <a:scrgbClr r="0" g="0" b="0"/>
+      </a:lnRef>
+      <a:fillRef idx="1">
+        <a:scrgbClr r="0" g="0" b="0"/>
+      </a:fillRef>
+      <a:effectRef idx="0">
+        <a:scrgbClr r="0" g="0" b="0"/>
+      </a:effectRef>
+      <a:fontRef idx="minor"/>
+    </dgm:style>
+  </dgm:styleLbl>
+  <dgm:styleLbl name="trBgShp">
+    <dgm:scene3d>
+      <a:camera prst="orthographicFront"/>
+      <a:lightRig rig="threePt" dir="t"/>
+    </dgm:scene3d>
+    <dgm:sp3d/>
+    <dgm:txPr/>
+    <dgm:style>
+      <a:lnRef idx="0">
+        <a:scrgbClr r="0" g="0" b="0"/>
+      </a:lnRef>
+      <a:fillRef idx="1">
+        <a:scrgbClr r="0" g="0" b="0"/>
+      </a:fillRef>
+      <a:effectRef idx="0">
+        <a:scrgbClr r="0" g="0" b="0"/>
+      </a:effectRef>
+      <a:fontRef idx="minor"/>
+    </dgm:style>
+  </dgm:styleLbl>
+  <dgm:styleLbl name="fgShp">
+    <dgm:scene3d>
+      <a:camera prst="orthographicFront"/>
+      <a:lightRig rig="threePt" dir="t"/>
+    </dgm:scene3d>
+    <dgm:sp3d/>
+    <dgm:txPr/>
+    <dgm:style>
+      <a:lnRef idx="2">
+        <a:scrgbClr r="0" g="0" b="0"/>
+      </a:lnRef>
+      <a:fillRef idx="1">
+        <a:scrgbClr r="0" g="0" b="0"/>
+      </a:fillRef>
+      <a:effectRef idx="0">
+        <a:scrgbClr r="0" g="0" b="0"/>
+      </a:effectRef>
+      <a:fontRef idx="minor"/>
+    </dgm:style>
+  </dgm:styleLbl>
+  <dgm:styleLbl name="revTx">
+    <dgm:scene3d>
+      <a:camera prst="orthographicFront"/>
+      <a:lightRig rig="threePt" dir="t"/>
+    </dgm:scene3d>
+    <dgm:sp3d/>
+    <dgm:txPr/>
+    <dgm:style>
+      <a:lnRef idx="0">
+        <a:scrgbClr r="0" g="0" b="0"/>
+      </a:lnRef>
+      <a:fillRef idx="0">
+        <a:scrgbClr r="0" g="0" b="0"/>
+      </a:fillRef>
+      <a:effectRef idx="0">
+        <a:scrgbClr r="0" g="0" b="0"/>
+      </a:effectRef>
+      <a:fontRef idx="minor"/>
+    </dgm:style>
+  </dgm:styleLbl>
+</dgm:styleDef>
+</file>
+
+<file path=ppt/notesMasters/notesMaster1.xml><?xml version="1.0" encoding="utf-8"?>
+<p:notesMaster xmlns:a="http://schemas.openxmlformats.org/drawingml/2006/main" xmlns:r="http://schemas.openxmlformats.org/officeDocument/2006/relationships" xmlns:p="http://schemas.openxmlformats.org/presentationml/2006/main">
+  <p:cSld>
+    <p:bg>
+      <p:bgRef idx="1001">
+        <a:schemeClr val="bg1"/>
+      </p:bgRef>
+    </p:bg>
+    <p:spTree>
+      <p:nvGrpSpPr>
+        <p:cNvPr id="1" name=""/>
+        <p:cNvGrpSpPr/>
+        <p:nvPr/>
+      </p:nvGrpSpPr>
+      <p:grpSpPr>
+        <a:xfrm>
+          <a:off x="0" y="0"/>
+          <a:ext cx="0" cy="0"/>
+          <a:chOff x="0" y="0"/>
+          <a:chExt cx="0" cy="0"/>
+        </a:xfrm>
+      </p:grpSpPr>
+      <p:sp>
+        <p:nvSpPr>
+          <p:cNvPr id="2" name="Header Placeholder 1"/>
+          <p:cNvSpPr>
+            <a:spLocks noGrp="1"/>
+          </p:cNvSpPr>
+          <p:nvPr>
+            <p:ph type="hdr" sz="quarter"/>
+          </p:nvPr>
+        </p:nvSpPr>
+        <p:spPr>
+          <a:xfrm>
+            <a:off x="0" y="0"/>
+            <a:ext cx="2971800" cy="458788"/>
+          </a:xfrm>
+          <a:prstGeom prst="rect">
+            <a:avLst/>
+          </a:prstGeom>
+        </p:spPr>
+        <p:txBody>
+          <a:bodyPr vert="horz" lIns="91440" tIns="45720" rIns="91440" bIns="45720" rtlCol="0"/>
+          <a:lstStyle>
+            <a:lvl1pPr algn="l">
+              <a:defRPr sz="1200"/>
+            </a:lvl1pPr>
+          </a:lstStyle>
+          <a:p>
+            <a:endParaRPr lang="en-US"/>
+          </a:p>
+        </p:txBody>
+      </p:sp>
+      <p:sp>
+        <p:nvSpPr>
+          <p:cNvPr id="3" name="Date Placeholder 2"/>
+          <p:cNvSpPr>
+            <a:spLocks noGrp="1"/>
+          </p:cNvSpPr>
+          <p:nvPr>
+            <p:ph type="dt" idx="1"/>
+          </p:nvPr>
+        </p:nvSpPr>
+        <p:spPr>
+          <a:xfrm>
+            <a:off x="3884613" y="0"/>
+            <a:ext cx="2971800" cy="458788"/>
+          </a:xfrm>
+          <a:prstGeom prst="rect">
+            <a:avLst/>
+          </a:prstGeom>
+        </p:spPr>
+        <p:txBody>
+          <a:bodyPr vert="horz" lIns="91440" tIns="45720" rIns="91440" bIns="45720" rtlCol="0"/>
+          <a:lstStyle>
+            <a:lvl1pPr algn="r">
+              <a:defRPr sz="1200"/>
+            </a:lvl1pPr>
+          </a:lstStyle>
+          <a:p>
+            <a:fld id="{468BA5F2-8DB4-4EF5-BC8B-D1C4A9D8A00B}" type="datetimeFigureOut">
+              <a:rPr lang="en-US" smtClean="0"/>
+              <a:t>02/21/2020</a:t>
+            </a:fld>
+            <a:endParaRPr lang="en-US"/>
+          </a:p>
+        </p:txBody>
+      </p:sp>
+      <p:sp>
+        <p:nvSpPr>
+          <p:cNvPr id="4" name="Slide Image Placeholder 3"/>
+          <p:cNvSpPr>
+            <a:spLocks noGrp="1" noRot="1" noChangeAspect="1"/>
+          </p:cNvSpPr>
+          <p:nvPr>
+            <p:ph type="sldImg" idx="2"/>
+          </p:nvPr>
+        </p:nvSpPr>
+        <p:spPr>
+          <a:xfrm>
+            <a:off x="685800" y="1143000"/>
+            <a:ext cx="5486400" cy="3086100"/>
+          </a:xfrm>
+          <a:prstGeom prst="rect">
+            <a:avLst/>
+          </a:prstGeom>
+          <a:noFill/>
+          <a:ln w="12700">
+            <a:solidFill>
+              <a:prstClr val="black"/>
+            </a:solidFill>
+          </a:ln>
+        </p:spPr>
+        <p:txBody>
+          <a:bodyPr vert="horz" lIns="91440" tIns="45720" rIns="91440" bIns="45720" rtlCol="0" anchor="ctr"/>
+          <a:lstStyle/>
+          <a:p>
+            <a:endParaRPr lang="en-US"/>
+          </a:p>
+        </p:txBody>
+      </p:sp>
+      <p:sp>
+        <p:nvSpPr>
+          <p:cNvPr id="5" name="Notes Placeholder 4"/>
+          <p:cNvSpPr>
+            <a:spLocks noGrp="1"/>
+          </p:cNvSpPr>
+          <p:nvPr>
+            <p:ph type="body" sz="quarter" idx="3"/>
+          </p:nvPr>
+        </p:nvSpPr>
+        <p:spPr>
+          <a:xfrm>
+            <a:off x="685800" y="4400550"/>
+            <a:ext cx="5486400" cy="3600450"/>
+          </a:xfrm>
+          <a:prstGeom prst="rect">
+            <a:avLst/>
+          </a:prstGeom>
+        </p:spPr>
+        <p:txBody>
+          <a:bodyPr vert="horz" lIns="91440" tIns="45720" rIns="91440" bIns="45720" rtlCol="0"/>
+          <a:lstStyle/>
+          <a:p>
+            <a:pPr lvl="0"/>
+            <a:r>
+              <a:rPr lang="en-US"/>
+              <a:t>Click to edit Master text styles</a:t>
+            </a:r>
+          </a:p>
+          <a:p>
+            <a:pPr lvl="1"/>
+            <a:r>
+              <a:rPr lang="en-US"/>
+              <a:t>Second level</a:t>
+            </a:r>
+          </a:p>
+          <a:p>
+            <a:pPr lvl="2"/>
+            <a:r>
+              <a:rPr lang="en-US"/>
+              <a:t>Third level</a:t>
+            </a:r>
+          </a:p>
+          <a:p>
+            <a:pPr lvl="3"/>
+            <a:r>
+              <a:rPr lang="en-US"/>
+              <a:t>Fourth level</a:t>
+            </a:r>
+          </a:p>
+          <a:p>
+            <a:pPr lvl="4"/>
+            <a:r>
+              <a:rPr lang="en-US"/>
+              <a:t>Fifth level</a:t>
+            </a:r>
+          </a:p>
+        </p:txBody>
+      </p:sp>
+      <p:sp>
+        <p:nvSpPr>
+          <p:cNvPr id="6" name="Footer Placeholder 5"/>
+          <p:cNvSpPr>
+            <a:spLocks noGrp="1"/>
+          </p:cNvSpPr>
+          <p:nvPr>
+            <p:ph type="ftr" sz="quarter" idx="4"/>
+          </p:nvPr>
+        </p:nvSpPr>
+        <p:spPr>
+          <a:xfrm>
+            <a:off x="0" y="8685213"/>
+            <a:ext cx="2971800" cy="458787"/>
+          </a:xfrm>
+          <a:prstGeom prst="rect">
+            <a:avLst/>
+          </a:prstGeom>
+        </p:spPr>
+        <p:txBody>
+          <a:bodyPr vert="horz" lIns="91440" tIns="45720" rIns="91440" bIns="45720" rtlCol="0" anchor="b"/>
+          <a:lstStyle>
+            <a:lvl1pPr algn="l">
+              <a:defRPr sz="1200"/>
+            </a:lvl1pPr>
+          </a:lstStyle>
+          <a:p>
+            <a:endParaRPr lang="en-US"/>
+          </a:p>
+        </p:txBody>
+      </p:sp>
+      <p:sp>
+        <p:nvSpPr>
+          <p:cNvPr id="7" name="Slide Number Placeholder 6"/>
+          <p:cNvSpPr>
+            <a:spLocks noGrp="1"/>
+          </p:cNvSpPr>
+          <p:nvPr>
+            <p:ph type="sldNum" sz="quarter" idx="5"/>
+          </p:nvPr>
+        </p:nvSpPr>
+        <p:spPr>
+          <a:xfrm>
+            <a:off x="3884613" y="8685213"/>
+            <a:ext cx="2971800" cy="458787"/>
+          </a:xfrm>
+          <a:prstGeom prst="rect">
+            <a:avLst/>
+          </a:prstGeom>
+        </p:spPr>
+        <p:txBody>
+          <a:bodyPr vert="horz" lIns="91440" tIns="45720" rIns="91440" bIns="45720" rtlCol="0" anchor="b"/>
+          <a:lstStyle>
+            <a:lvl1pPr algn="r">
+              <a:defRPr sz="1200"/>
+            </a:lvl1pPr>
+          </a:lstStyle>
+          <a:p>
+            <a:fld id="{5969EF2D-C873-4A45-86B2-62B580B12F96}" type="slidenum">
+              <a:rPr lang="en-US" smtClean="0"/>
+              <a:t>‹#›</a:t>
+            </a:fld>
+            <a:endParaRPr lang="en-US"/>
+          </a:p>
+        </p:txBody>
+      </p:sp>
+    </p:spTree>
+    <p:extLst>
+      <p:ext uri="{BB962C8B-B14F-4D97-AF65-F5344CB8AC3E}">
+        <p14:creationId xmlns:p14="http://schemas.microsoft.com/office/powerpoint/2010/main" val="1821818371"/>
+      </p:ext>
+    </p:extLst>
+  </p:cSld>
+  <p:clrMap bg1="lt1" tx1="dk1" bg2="lt2" tx2="dk2" accent1="accent1" accent2="accent2" accent3="accent3" accent4="accent4" accent5="accent5" accent6="accent6" hlink="hlink" folHlink="folHlink"/>
+  <p:notesStyle>
+    <a:lvl1pPr marL="0" algn="l" defTabSz="914400" rtl="0" eaLnBrk="1" latinLnBrk="0" hangingPunct="1">
+      <a:defRPr sz="1200" kern="1200">
+        <a:solidFill>
+          <a:schemeClr val="tx1"/>
+        </a:solidFill>
+        <a:latin typeface="+mn-lt"/>
+        <a:ea typeface="+mn-ea"/>
+        <a:cs typeface="+mn-cs"/>
+      </a:defRPr>
+    </a:lvl1pPr>
+    <a:lvl2pPr marL="457200" algn="l" defTabSz="914400" rtl="0" eaLnBrk="1" latinLnBrk="0" hangingPunct="1">
+      <a:defRPr sz="1200" kern="1200">
+        <a:solidFill>
+          <a:schemeClr val="tx1"/>
+        </a:solidFill>
+        <a:latin typeface="+mn-lt"/>
+        <a:ea typeface="+mn-ea"/>
+        <a:cs typeface="+mn-cs"/>
+      </a:defRPr>
+    </a:lvl2pPr>
+    <a:lvl3pPr marL="914400" algn="l" defTabSz="914400" rtl="0" eaLnBrk="1" latinLnBrk="0" hangingPunct="1">
+      <a:defRPr sz="1200" kern="1200">
+        <a:solidFill>
+          <a:schemeClr val="tx1"/>
+        </a:solidFill>
+        <a:latin typeface="+mn-lt"/>
+        <a:ea typeface="+mn-ea"/>
+        <a:cs typeface="+mn-cs"/>
+      </a:defRPr>
+    </a:lvl3pPr>
+    <a:lvl4pPr marL="1371600" algn="l" defTabSz="914400" rtl="0" eaLnBrk="1" latinLnBrk="0" hangingPunct="1">
+      <a:defRPr sz="1200" kern="1200">
+        <a:solidFill>
+          <a:schemeClr val="tx1"/>
+        </a:solidFill>
+        <a:latin typeface="+mn-lt"/>
+        <a:ea typeface="+mn-ea"/>
+        <a:cs typeface="+mn-cs"/>
+      </a:defRPr>
+    </a:lvl4pPr>
+    <a:lvl5pPr marL="1828800" algn="l" defTabSz="914400" rtl="0" eaLnBrk="1" latinLnBrk="0" hangingPunct="1">
+      <a:defRPr sz="1200" kern="1200">
+        <a:solidFill>
+          <a:schemeClr val="tx1"/>
+        </a:solidFill>
+        <a:latin typeface="+mn-lt"/>
+        <a:ea typeface="+mn-ea"/>
+        <a:cs typeface="+mn-cs"/>
+      </a:defRPr>
+    </a:lvl5pPr>
+    <a:lvl6pPr marL="2286000" algn="l" defTabSz="914400" rtl="0" eaLnBrk="1" latinLnBrk="0" hangingPunct="1">
+      <a:defRPr sz="1200" kern="1200">
+        <a:solidFill>
+          <a:schemeClr val="tx1"/>
+        </a:solidFill>
+        <a:latin typeface="+mn-lt"/>
+        <a:ea typeface="+mn-ea"/>
+        <a:cs typeface="+mn-cs"/>
+      </a:defRPr>
+    </a:lvl6pPr>
+    <a:lvl7pPr marL="2743200" algn="l" defTabSz="914400" rtl="0" eaLnBrk="1" latinLnBrk="0" hangingPunct="1">
+      <a:defRPr sz="1200" kern="1200">
+        <a:solidFill>
+          <a:schemeClr val="tx1"/>
+        </a:solidFill>
+        <a:latin typeface="+mn-lt"/>
+        <a:ea typeface="+mn-ea"/>
+        <a:cs typeface="+mn-cs"/>
+      </a:defRPr>
+    </a:lvl7pPr>
+    <a:lvl8pPr marL="3200400" algn="l" defTabSz="914400" rtl="0" eaLnBrk="1" latinLnBrk="0" hangingPunct="1">
+      <a:defRPr sz="1200" kern="1200">
+        <a:solidFill>
+          <a:schemeClr val="tx1"/>
+        </a:solidFill>
+        <a:latin typeface="+mn-lt"/>
+        <a:ea typeface="+mn-ea"/>
+        <a:cs typeface="+mn-cs"/>
+      </a:defRPr>
+    </a:lvl8pPr>
+    <a:lvl9pPr marL="3657600" algn="l" defTabSz="914400" rtl="0" eaLnBrk="1" latinLnBrk="0" hangingPunct="1">
+      <a:defRPr sz="1200" kern="1200">
+        <a:solidFill>
+          <a:schemeClr val="tx1"/>
+        </a:solidFill>
+        <a:latin typeface="+mn-lt"/>
+        <a:ea typeface="+mn-ea"/>
+        <a:cs typeface="+mn-cs"/>
+      </a:defRPr>
+    </a:lvl9pPr>
+  </p:notesStyle>
+</p:notesMaster>
+</file>
+
+<file path=ppt/notesSlides/notesSlide1.xml><?xml version="1.0" encoding="utf-8"?>
+<p:notes xmlns:a="http://schemas.openxmlformats.org/drawingml/2006/main" xmlns:r="http://schemas.openxmlformats.org/officeDocument/2006/relationships" xmlns:p="http://schemas.openxmlformats.org/presentationml/2006/main">
+  <p:cSld>
+    <p:spTree>
+      <p:nvGrpSpPr>
+        <p:cNvPr id="1" name=""/>
+        <p:cNvGrpSpPr/>
+        <p:nvPr/>
+      </p:nvGrpSpPr>
+      <p:grpSpPr>
+        <a:xfrm>
+          <a:off x="0" y="0"/>
+          <a:ext cx="0" cy="0"/>
+          <a:chOff x="0" y="0"/>
+          <a:chExt cx="0" cy="0"/>
+        </a:xfrm>
+      </p:grpSpPr>
+      <p:sp>
+        <p:nvSpPr>
+          <p:cNvPr id="2" name="Slide Image Placeholder 1"/>
+          <p:cNvSpPr>
+            <a:spLocks noGrp="1" noRot="1" noChangeAspect="1"/>
+          </p:cNvSpPr>
+          <p:nvPr>
+            <p:ph type="sldImg"/>
+          </p:nvPr>
+        </p:nvSpPr>
+        <p:spPr/>
+      </p:sp>
+      <p:sp>
+        <p:nvSpPr>
+          <p:cNvPr id="3" name="Notes Placeholder 2"/>
+          <p:cNvSpPr>
+            <a:spLocks noGrp="1"/>
+          </p:cNvSpPr>
+          <p:nvPr>
+            <p:ph type="body" idx="1"/>
+          </p:nvPr>
+        </p:nvSpPr>
+        <p:spPr/>
+        <p:txBody>
+          <a:bodyPr/>
+          <a:lstStyle/>
+          <a:p>
+            <a:r>
+              <a:rPr lang="en-US" dirty="0"/>
+              <a:t>Lack of treatment of variables and </a:t>
+            </a:r>
+            <a:r>
+              <a:rPr lang="en-US" dirty="0" err="1"/>
+              <a:t>asusmptions</a:t>
+            </a:r>
+            <a:r>
+              <a:rPr lang="en-US" dirty="0"/>
+              <a:t> not met in certain categories</a:t>
+            </a:r>
+          </a:p>
+        </p:txBody>
+      </p:sp>
+      <p:sp>
+        <p:nvSpPr>
+          <p:cNvPr id="4" name="Slide Number Placeholder 3"/>
+          <p:cNvSpPr>
+            <a:spLocks noGrp="1"/>
+          </p:cNvSpPr>
+          <p:nvPr>
+            <p:ph type="sldNum" sz="quarter" idx="5"/>
+          </p:nvPr>
+        </p:nvSpPr>
+        <p:spPr/>
+        <p:txBody>
+          <a:bodyPr/>
+          <a:lstStyle/>
+          <a:p>
+            <a:fld id="{5969EF2D-C873-4A45-86B2-62B580B12F96}" type="slidenum">
+              <a:rPr lang="en-US" smtClean="0"/>
+              <a:t>3</a:t>
+            </a:fld>
+            <a:endParaRPr lang="en-US"/>
+          </a:p>
+        </p:txBody>
+      </p:sp>
+    </p:spTree>
+    <p:extLst>
+      <p:ext uri="{BB962C8B-B14F-4D97-AF65-F5344CB8AC3E}">
+        <p14:creationId xmlns:p14="http://schemas.microsoft.com/office/powerpoint/2010/main" val="458720466"/>
+      </p:ext>
+    </p:extLst>
+  </p:cSld>
+  <p:clrMapOvr>
+    <a:masterClrMapping/>
+  </p:clrMapOvr>
+</p:notes>
+</file>
+
+<file path=ppt/notesSlides/notesSlide2.xml><?xml version="1.0" encoding="utf-8"?>
+<p:notes xmlns:a="http://schemas.openxmlformats.org/drawingml/2006/main" xmlns:r="http://schemas.openxmlformats.org/officeDocument/2006/relationships" xmlns:p="http://schemas.openxmlformats.org/presentationml/2006/main">
+  <p:cSld>
+    <p:spTree>
+      <p:nvGrpSpPr>
+        <p:cNvPr id="1" name=""/>
+        <p:cNvGrpSpPr/>
+        <p:nvPr/>
+      </p:nvGrpSpPr>
+      <p:grpSpPr>
+        <a:xfrm>
+          <a:off x="0" y="0"/>
+          <a:ext cx="0" cy="0"/>
+          <a:chOff x="0" y="0"/>
+          <a:chExt cx="0" cy="0"/>
+        </a:xfrm>
+      </p:grpSpPr>
+      <p:sp>
+        <p:nvSpPr>
+          <p:cNvPr id="2" name="Slide Image Placeholder 1"/>
+          <p:cNvSpPr>
+            <a:spLocks noGrp="1" noRot="1" noChangeAspect="1"/>
+          </p:cNvSpPr>
+          <p:nvPr>
+            <p:ph type="sldImg"/>
+          </p:nvPr>
+        </p:nvSpPr>
+        <p:spPr/>
+      </p:sp>
+      <p:sp>
+        <p:nvSpPr>
+          <p:cNvPr id="3" name="Notes Placeholder 2"/>
+          <p:cNvSpPr>
+            <a:spLocks noGrp="1"/>
+          </p:cNvSpPr>
+          <p:nvPr>
+            <p:ph type="body" idx="1"/>
+          </p:nvPr>
+        </p:nvSpPr>
+        <p:spPr/>
+        <p:txBody>
+          <a:bodyPr/>
+          <a:lstStyle/>
+          <a:p>
+            <a:r>
+              <a:rPr lang="en-US" dirty="0"/>
+              <a:t>Proceeded to experiment with different data transformations </a:t>
+            </a:r>
+          </a:p>
+        </p:txBody>
+      </p:sp>
+      <p:sp>
+        <p:nvSpPr>
+          <p:cNvPr id="4" name="Slide Number Placeholder 3"/>
+          <p:cNvSpPr>
+            <a:spLocks noGrp="1"/>
+          </p:cNvSpPr>
+          <p:nvPr>
+            <p:ph type="sldNum" sz="quarter" idx="5"/>
+          </p:nvPr>
+        </p:nvSpPr>
+        <p:spPr/>
+        <p:txBody>
+          <a:bodyPr/>
+          <a:lstStyle/>
+          <a:p>
+            <a:fld id="{5969EF2D-C873-4A45-86B2-62B580B12F96}" type="slidenum">
+              <a:rPr lang="en-US" smtClean="0"/>
+              <a:t>4</a:t>
+            </a:fld>
+            <a:endParaRPr lang="en-US"/>
+          </a:p>
+        </p:txBody>
+      </p:sp>
+    </p:spTree>
+    <p:extLst>
+      <p:ext uri="{BB962C8B-B14F-4D97-AF65-F5344CB8AC3E}">
+        <p14:creationId xmlns:p14="http://schemas.microsoft.com/office/powerpoint/2010/main" val="634646595"/>
+      </p:ext>
+    </p:extLst>
+  </p:cSld>
+  <p:clrMapOvr>
+    <a:masterClrMapping/>
+  </p:clrMapOvr>
+</p:notes>
+</file>
+
+<file path=ppt/notesSlides/notesSlide3.xml><?xml version="1.0" encoding="utf-8"?>
+<p:notes xmlns:a="http://schemas.openxmlformats.org/drawingml/2006/main" xmlns:r="http://schemas.openxmlformats.org/officeDocument/2006/relationships" xmlns:p="http://schemas.openxmlformats.org/presentationml/2006/main">
+  <p:cSld>
+    <p:spTree>
+      <p:nvGrpSpPr>
+        <p:cNvPr id="1" name=""/>
+        <p:cNvGrpSpPr/>
+        <p:nvPr/>
+      </p:nvGrpSpPr>
+      <p:grpSpPr>
+        <a:xfrm>
+          <a:off x="0" y="0"/>
+          <a:ext cx="0" cy="0"/>
+          <a:chOff x="0" y="0"/>
+          <a:chExt cx="0" cy="0"/>
+        </a:xfrm>
+      </p:grpSpPr>
+      <p:sp>
+        <p:nvSpPr>
+          <p:cNvPr id="2" name="Slide Image Placeholder 1"/>
+          <p:cNvSpPr>
+            <a:spLocks noGrp="1" noRot="1" noChangeAspect="1"/>
+          </p:cNvSpPr>
+          <p:nvPr>
+            <p:ph type="sldImg"/>
+          </p:nvPr>
+        </p:nvSpPr>
+        <p:spPr/>
+      </p:sp>
+      <p:sp>
+        <p:nvSpPr>
+          <p:cNvPr id="3" name="Notes Placeholder 2"/>
+          <p:cNvSpPr>
+            <a:spLocks noGrp="1"/>
+          </p:cNvSpPr>
+          <p:nvPr>
+            <p:ph type="body" idx="1"/>
+          </p:nvPr>
+        </p:nvSpPr>
+        <p:spPr/>
+        <p:txBody>
+          <a:bodyPr/>
+          <a:lstStyle/>
+          <a:p>
+            <a:r>
+              <a:rPr lang="en-US" dirty="0"/>
+              <a:t>Selected more targeted variables and aimed at that </a:t>
+            </a:r>
+          </a:p>
+        </p:txBody>
+      </p:sp>
+      <p:sp>
+        <p:nvSpPr>
+          <p:cNvPr id="4" name="Slide Number Placeholder 3"/>
+          <p:cNvSpPr>
+            <a:spLocks noGrp="1"/>
+          </p:cNvSpPr>
+          <p:nvPr>
+            <p:ph type="sldNum" sz="quarter" idx="5"/>
+          </p:nvPr>
+        </p:nvSpPr>
+        <p:spPr/>
+        <p:txBody>
+          <a:bodyPr/>
+          <a:lstStyle/>
+          <a:p>
+            <a:fld id="{5969EF2D-C873-4A45-86B2-62B580B12F96}" type="slidenum">
+              <a:rPr lang="en-US" smtClean="0"/>
+              <a:t>5</a:t>
+            </a:fld>
+            <a:endParaRPr lang="en-US"/>
+          </a:p>
+        </p:txBody>
+      </p:sp>
+    </p:spTree>
+    <p:extLst>
+      <p:ext uri="{BB962C8B-B14F-4D97-AF65-F5344CB8AC3E}">
+        <p14:creationId xmlns:p14="http://schemas.microsoft.com/office/powerpoint/2010/main" val="2593671361"/>
+      </p:ext>
+    </p:extLst>
+  </p:cSld>
+  <p:clrMapOvr>
+    <a:masterClrMapping/>
+  </p:clrMapOvr>
+</p:notes>
+</file>
+
 <file path=ppt/slideLayouts/slideLayout1.xml><?xml version="1.0" encoding="utf-8"?>
 <p:sldLayout xmlns:a="http://schemas.openxmlformats.org/drawingml/2006/main" xmlns:r="http://schemas.openxmlformats.org/officeDocument/2006/relationships" xmlns:p="http://schemas.openxmlformats.org/presentationml/2006/main" type="title" preserve="1">
   <p:cSld name="Title Slide">
@@ -18613,7 +22535,7 @@
           <a:p>
             <a:fld id="{9C888849-103D-4669-8470-AEBF0CD569C2}" type="datetimeFigureOut">
               <a:rPr lang="en-US" smtClean="0"/>
-              <a:t>02/15/2020</a:t>
+              <a:t>02/21/2020</a:t>
             </a:fld>
             <a:endParaRPr lang="en-US"/>
           </a:p>
@@ -18811,7 +22733,7 @@
           <a:p>
             <a:fld id="{9C888849-103D-4669-8470-AEBF0CD569C2}" type="datetimeFigureOut">
               <a:rPr lang="en-US" smtClean="0"/>
-              <a:t>02/15/2020</a:t>
+              <a:t>02/21/2020</a:t>
             </a:fld>
             <a:endParaRPr lang="en-US"/>
           </a:p>
@@ -19019,7 +22941,7 @@
           <a:p>
             <a:fld id="{9C888849-103D-4669-8470-AEBF0CD569C2}" type="datetimeFigureOut">
               <a:rPr lang="en-US" smtClean="0"/>
-              <a:t>02/15/2020</a:t>
+              <a:t>02/21/2020</a:t>
             </a:fld>
             <a:endParaRPr lang="en-US"/>
           </a:p>
@@ -19217,7 +23139,7 @@
           <a:p>
             <a:fld id="{9C888849-103D-4669-8470-AEBF0CD569C2}" type="datetimeFigureOut">
               <a:rPr lang="en-US" smtClean="0"/>
-              <a:t>02/15/2020</a:t>
+              <a:t>02/21/2020</a:t>
             </a:fld>
             <a:endParaRPr lang="en-US"/>
           </a:p>
@@ -19492,7 +23414,7 @@
           <a:p>
             <a:fld id="{9C888849-103D-4669-8470-AEBF0CD569C2}" type="datetimeFigureOut">
               <a:rPr lang="en-US" smtClean="0"/>
-              <a:t>02/15/2020</a:t>
+              <a:t>02/21/2020</a:t>
             </a:fld>
             <a:endParaRPr lang="en-US"/>
           </a:p>
@@ -19757,7 +23679,7 @@
           <a:p>
             <a:fld id="{9C888849-103D-4669-8470-AEBF0CD569C2}" type="datetimeFigureOut">
               <a:rPr lang="en-US" smtClean="0"/>
-              <a:t>02/15/2020</a:t>
+              <a:t>02/21/2020</a:t>
             </a:fld>
             <a:endParaRPr lang="en-US"/>
           </a:p>
@@ -20169,7 +24091,7 @@
           <a:p>
             <a:fld id="{9C888849-103D-4669-8470-AEBF0CD569C2}" type="datetimeFigureOut">
               <a:rPr lang="en-US" smtClean="0"/>
-              <a:t>02/15/2020</a:t>
+              <a:t>02/21/2020</a:t>
             </a:fld>
             <a:endParaRPr lang="en-US"/>
           </a:p>
@@ -20310,7 +24232,7 @@
           <a:p>
             <a:fld id="{9C888849-103D-4669-8470-AEBF0CD569C2}" type="datetimeFigureOut">
               <a:rPr lang="en-US" smtClean="0"/>
-              <a:t>02/15/2020</a:t>
+              <a:t>02/21/2020</a:t>
             </a:fld>
             <a:endParaRPr lang="en-US"/>
           </a:p>
@@ -20423,7 +24345,7 @@
           <a:p>
             <a:fld id="{9C888849-103D-4669-8470-AEBF0CD569C2}" type="datetimeFigureOut">
               <a:rPr lang="en-US" smtClean="0"/>
-              <a:t>02/15/2020</a:t>
+              <a:t>02/21/2020</a:t>
             </a:fld>
             <a:endParaRPr lang="en-US"/>
           </a:p>
@@ -20734,7 +24656,7 @@
           <a:p>
             <a:fld id="{9C888849-103D-4669-8470-AEBF0CD569C2}" type="datetimeFigureOut">
               <a:rPr lang="en-US" smtClean="0"/>
-              <a:t>02/15/2020</a:t>
+              <a:t>02/21/2020</a:t>
             </a:fld>
             <a:endParaRPr lang="en-US"/>
           </a:p>
@@ -21022,7 +24944,7 @@
           <a:p>
             <a:fld id="{9C888849-103D-4669-8470-AEBF0CD569C2}" type="datetimeFigureOut">
               <a:rPr lang="en-US" smtClean="0"/>
-              <a:t>02/15/2020</a:t>
+              <a:t>02/21/2020</a:t>
             </a:fld>
             <a:endParaRPr lang="en-US"/>
           </a:p>
@@ -21263,7 +25185,7 @@
           <a:p>
             <a:fld id="{9C888849-103D-4669-8470-AEBF0CD569C2}" type="datetimeFigureOut">
               <a:rPr lang="en-US" smtClean="0"/>
-              <a:t>02/15/2020</a:t>
+              <a:t>02/21/2020</a:t>
             </a:fld>
             <a:endParaRPr lang="en-US"/>
           </a:p>
@@ -23159,7 +27081,7 @@
             <p:ph idx="1"/>
             <p:extLst>
               <p:ext uri="{D42A27DB-BD31-4B8C-83A1-F6EECF244321}">
-                <p14:modId xmlns:p14="http://schemas.microsoft.com/office/powerpoint/2010/main" val="2138359385"/>
+                <p14:modId xmlns:p14="http://schemas.microsoft.com/office/powerpoint/2010/main" val="2389844971"/>
               </p:ext>
             </p:extLst>
           </p:nvPr>
@@ -23170,7 +27092,7 @@
         </p:xfrm>
         <a:graphic>
           <a:graphicData uri="http://schemas.openxmlformats.org/drawingml/2006/diagram">
-            <dgm:relIds xmlns:dgm="http://schemas.openxmlformats.org/drawingml/2006/diagram" xmlns:r="http://schemas.openxmlformats.org/officeDocument/2006/relationships" r:dm="rId2" r:lo="rId3" r:qs="rId4" r:cs="rId5"/>
+            <dgm:relIds xmlns:dgm="http://schemas.openxmlformats.org/drawingml/2006/diagram" xmlns:r="http://schemas.openxmlformats.org/officeDocument/2006/relationships" r:dm="rId3" r:lo="rId4" r:qs="rId5" r:cs="rId6"/>
           </a:graphicData>
         </a:graphic>
       </p:graphicFrame>
@@ -23748,7 +27670,7 @@
             <p:ph idx="1"/>
             <p:extLst>
               <p:ext uri="{D42A27DB-BD31-4B8C-83A1-F6EECF244321}">
-                <p14:modId xmlns:p14="http://schemas.microsoft.com/office/powerpoint/2010/main" val="876896182"/>
+                <p14:modId xmlns:p14="http://schemas.microsoft.com/office/powerpoint/2010/main" val="1290470929"/>
               </p:ext>
             </p:extLst>
           </p:nvPr>
@@ -23759,7 +27681,7 @@
         </p:xfrm>
         <a:graphic>
           <a:graphicData uri="http://schemas.openxmlformats.org/drawingml/2006/diagram">
-            <dgm:relIds xmlns:dgm="http://schemas.openxmlformats.org/drawingml/2006/diagram" xmlns:r="http://schemas.openxmlformats.org/officeDocument/2006/relationships" r:dm="rId2" r:lo="rId3" r:qs="rId4" r:cs="rId5"/>
+            <dgm:relIds xmlns:dgm="http://schemas.openxmlformats.org/drawingml/2006/diagram" xmlns:r="http://schemas.openxmlformats.org/officeDocument/2006/relationships" r:dm="rId3" r:lo="rId4" r:qs="rId5" r:cs="rId6"/>
           </a:graphicData>
         </a:graphic>
       </p:graphicFrame>
@@ -24348,7 +28270,7 @@
         </p:xfrm>
         <a:graphic>
           <a:graphicData uri="http://schemas.openxmlformats.org/drawingml/2006/diagram">
-            <dgm:relIds xmlns:dgm="http://schemas.openxmlformats.org/drawingml/2006/diagram" xmlns:r="http://schemas.openxmlformats.org/officeDocument/2006/relationships" r:dm="rId2" r:lo="rId3" r:qs="rId4" r:cs="rId5"/>
+            <dgm:relIds xmlns:dgm="http://schemas.openxmlformats.org/drawingml/2006/diagram" xmlns:r="http://schemas.openxmlformats.org/officeDocument/2006/relationships" r:dm="rId3" r:lo="rId4" r:qs="rId5" r:cs="rId6"/>
           </a:graphicData>
         </a:graphic>
       </p:graphicFrame>
@@ -24981,6 +28903,595 @@
       </p:grpSpPr>
       <p:sp>
         <p:nvSpPr>
+          <p:cNvPr id="10" name="Freeform: Shape 9">
+            <a:extLst>
+              <a:ext uri="{FF2B5EF4-FFF2-40B4-BE49-F238E27FC236}">
+                <a16:creationId xmlns:a16="http://schemas.microsoft.com/office/drawing/2014/main" id="{46C2E80F-49A6-4372-B103-219D417A55ED}"/>
+              </a:ext>
+              <a:ext uri="{C183D7F6-B498-43B3-948B-1728B52AA6E4}">
+                <adec:decorative xmlns:adec="http://schemas.microsoft.com/office/drawing/2017/decorative" val="1"/>
+              </a:ext>
+            </a:extLst>
+          </p:cNvPr>
+          <p:cNvSpPr>
+            <a:spLocks noGrp="1" noRot="1" noChangeAspect="1" noMove="1" noResize="1" noEditPoints="1" noAdjustHandles="1" noChangeArrowheads="1" noChangeShapeType="1" noTextEdit="1"/>
+          </p:cNvSpPr>
+          <p:nvPr>
+            <p:extLst>
+              <p:ext uri="{386F3935-93C4-4BCD-93E2-E3B085C9AB24}">
+                <p16:designElem xmlns:p16="http://schemas.microsoft.com/office/powerpoint/2015/main" val="1"/>
+              </p:ext>
+            </p:extLst>
+          </p:nvPr>
+        </p:nvSpPr>
+        <p:spPr>
+          <a:xfrm>
+            <a:off x="484096" y="470925"/>
+            <a:ext cx="4381009" cy="5892104"/>
+          </a:xfrm>
+          <a:custGeom>
+            <a:avLst/>
+            <a:gdLst>
+              <a:gd name="connsiteX0" fmla="*/ 0 w 4381009"/>
+              <a:gd name="connsiteY0" fmla="*/ 0 h 5892104"/>
+              <a:gd name="connsiteX1" fmla="*/ 4157628 w 4381009"/>
+              <a:gd name="connsiteY1" fmla="*/ 0 h 5892104"/>
+              <a:gd name="connsiteX2" fmla="*/ 4169302 w 4381009"/>
+              <a:gd name="connsiteY2" fmla="*/ 68659 h 5892104"/>
+              <a:gd name="connsiteX3" fmla="*/ 4191571 w 4381009"/>
+              <a:gd name="connsiteY3" fmla="*/ 205472 h 5892104"/>
+              <a:gd name="connsiteX4" fmla="*/ 4213368 w 4381009"/>
+              <a:gd name="connsiteY4" fmla="*/ 342890 h 5892104"/>
+              <a:gd name="connsiteX5" fmla="*/ 4232030 w 4381009"/>
+              <a:gd name="connsiteY5" fmla="*/ 480913 h 5892104"/>
+              <a:gd name="connsiteX6" fmla="*/ 4250848 w 4381009"/>
+              <a:gd name="connsiteY6" fmla="*/ 618332 h 5892104"/>
+              <a:gd name="connsiteX7" fmla="*/ 4268412 w 4381009"/>
+              <a:gd name="connsiteY7" fmla="*/ 756355 h 5892104"/>
+              <a:gd name="connsiteX8" fmla="*/ 4283467 w 4381009"/>
+              <a:gd name="connsiteY8" fmla="*/ 892563 h 5892104"/>
+              <a:gd name="connsiteX9" fmla="*/ 4297737 w 4381009"/>
+              <a:gd name="connsiteY9" fmla="*/ 1030587 h 5892104"/>
+              <a:gd name="connsiteX10" fmla="*/ 4310754 w 4381009"/>
+              <a:gd name="connsiteY10" fmla="*/ 1168005 h 5892104"/>
+              <a:gd name="connsiteX11" fmla="*/ 4322045 w 4381009"/>
+              <a:gd name="connsiteY11" fmla="*/ 1303002 h 5892104"/>
+              <a:gd name="connsiteX12" fmla="*/ 4333336 w 4381009"/>
+              <a:gd name="connsiteY12" fmla="*/ 1439815 h 5892104"/>
+              <a:gd name="connsiteX13" fmla="*/ 4342745 w 4381009"/>
+              <a:gd name="connsiteY13" fmla="*/ 1574812 h 5892104"/>
+              <a:gd name="connsiteX14" fmla="*/ 4350115 w 4381009"/>
+              <a:gd name="connsiteY14" fmla="*/ 1709808 h 5892104"/>
+              <a:gd name="connsiteX15" fmla="*/ 4357799 w 4381009"/>
+              <a:gd name="connsiteY15" fmla="*/ 1844200 h 5892104"/>
+              <a:gd name="connsiteX16" fmla="*/ 4364229 w 4381009"/>
+              <a:gd name="connsiteY16" fmla="*/ 1977381 h 5892104"/>
+              <a:gd name="connsiteX17" fmla="*/ 4368777 w 4381009"/>
+              <a:gd name="connsiteY17" fmla="*/ 2109351 h 5892104"/>
+              <a:gd name="connsiteX18" fmla="*/ 4372697 w 4381009"/>
+              <a:gd name="connsiteY18" fmla="*/ 2241321 h 5892104"/>
+              <a:gd name="connsiteX19" fmla="*/ 4376461 w 4381009"/>
+              <a:gd name="connsiteY19" fmla="*/ 2372080 h 5892104"/>
+              <a:gd name="connsiteX20" fmla="*/ 4378186 w 4381009"/>
+              <a:gd name="connsiteY20" fmla="*/ 2501023 h 5892104"/>
+              <a:gd name="connsiteX21" fmla="*/ 4380068 w 4381009"/>
+              <a:gd name="connsiteY21" fmla="*/ 2629966 h 5892104"/>
+              <a:gd name="connsiteX22" fmla="*/ 4381009 w 4381009"/>
+              <a:gd name="connsiteY22" fmla="*/ 2757093 h 5892104"/>
+              <a:gd name="connsiteX23" fmla="*/ 4380068 w 4381009"/>
+              <a:gd name="connsiteY23" fmla="*/ 2883010 h 5892104"/>
+              <a:gd name="connsiteX24" fmla="*/ 4380068 w 4381009"/>
+              <a:gd name="connsiteY24" fmla="*/ 3007715 h 5892104"/>
+              <a:gd name="connsiteX25" fmla="*/ 4378186 w 4381009"/>
+              <a:gd name="connsiteY25" fmla="*/ 3131210 h 5892104"/>
+              <a:gd name="connsiteX26" fmla="*/ 4375363 w 4381009"/>
+              <a:gd name="connsiteY26" fmla="*/ 3252283 h 5892104"/>
+              <a:gd name="connsiteX27" fmla="*/ 4372697 w 4381009"/>
+              <a:gd name="connsiteY27" fmla="*/ 3372146 h 5892104"/>
+              <a:gd name="connsiteX28" fmla="*/ 4369718 w 4381009"/>
+              <a:gd name="connsiteY28" fmla="*/ 3489587 h 5892104"/>
+              <a:gd name="connsiteX29" fmla="*/ 4365170 w 4381009"/>
+              <a:gd name="connsiteY29" fmla="*/ 3606423 h 5892104"/>
+              <a:gd name="connsiteX30" fmla="*/ 4360309 w 4381009"/>
+              <a:gd name="connsiteY30" fmla="*/ 3721443 h 5892104"/>
+              <a:gd name="connsiteX31" fmla="*/ 4355918 w 4381009"/>
+              <a:gd name="connsiteY31" fmla="*/ 3834041 h 5892104"/>
+              <a:gd name="connsiteX32" fmla="*/ 4343529 w 4381009"/>
+              <a:gd name="connsiteY32" fmla="*/ 4053789 h 5892104"/>
+              <a:gd name="connsiteX33" fmla="*/ 4330356 w 4381009"/>
+              <a:gd name="connsiteY33" fmla="*/ 4264457 h 5892104"/>
+              <a:gd name="connsiteX34" fmla="*/ 4316556 w 4381009"/>
+              <a:gd name="connsiteY34" fmla="*/ 4466650 h 5892104"/>
+              <a:gd name="connsiteX35" fmla="*/ 4301344 w 4381009"/>
+              <a:gd name="connsiteY35" fmla="*/ 4657946 h 5892104"/>
+              <a:gd name="connsiteX36" fmla="*/ 4285506 w 4381009"/>
+              <a:gd name="connsiteY36" fmla="*/ 4840767 h 5892104"/>
+              <a:gd name="connsiteX37" fmla="*/ 4268412 w 4381009"/>
+              <a:gd name="connsiteY37" fmla="*/ 5010269 h 5892104"/>
+              <a:gd name="connsiteX38" fmla="*/ 4251633 w 4381009"/>
+              <a:gd name="connsiteY38" fmla="*/ 5169481 h 5892104"/>
+              <a:gd name="connsiteX39" fmla="*/ 4234853 w 4381009"/>
+              <a:gd name="connsiteY39" fmla="*/ 5315980 h 5892104"/>
+              <a:gd name="connsiteX40" fmla="*/ 4219014 w 4381009"/>
+              <a:gd name="connsiteY40" fmla="*/ 5450371 h 5892104"/>
+              <a:gd name="connsiteX41" fmla="*/ 4203959 w 4381009"/>
+              <a:gd name="connsiteY41" fmla="*/ 5569628 h 5892104"/>
+              <a:gd name="connsiteX42" fmla="*/ 4189689 w 4381009"/>
+              <a:gd name="connsiteY42" fmla="*/ 5677384 h 5892104"/>
+              <a:gd name="connsiteX43" fmla="*/ 4177770 w 4381009"/>
+              <a:gd name="connsiteY43" fmla="*/ 5768189 h 5892104"/>
+              <a:gd name="connsiteX44" fmla="*/ 4166479 w 4381009"/>
+              <a:gd name="connsiteY44" fmla="*/ 5844465 h 5892104"/>
+              <a:gd name="connsiteX45" fmla="*/ 4159132 w 4381009"/>
+              <a:gd name="connsiteY45" fmla="*/ 5892104 h 5892104"/>
+              <a:gd name="connsiteX46" fmla="*/ 0 w 4381009"/>
+              <a:gd name="connsiteY46" fmla="*/ 5892104 h 5892104"/>
+            </a:gdLst>
+            <a:ahLst/>
+            <a:cxnLst>
+              <a:cxn ang="0">
+                <a:pos x="connsiteX0" y="connsiteY0"/>
+              </a:cxn>
+              <a:cxn ang="0">
+                <a:pos x="connsiteX1" y="connsiteY1"/>
+              </a:cxn>
+              <a:cxn ang="0">
+                <a:pos x="connsiteX2" y="connsiteY2"/>
+              </a:cxn>
+              <a:cxn ang="0">
+                <a:pos x="connsiteX3" y="connsiteY3"/>
+              </a:cxn>
+              <a:cxn ang="0">
+                <a:pos x="connsiteX4" y="connsiteY4"/>
+              </a:cxn>
+              <a:cxn ang="0">
+                <a:pos x="connsiteX5" y="connsiteY5"/>
+              </a:cxn>
+              <a:cxn ang="0">
+                <a:pos x="connsiteX6" y="connsiteY6"/>
+              </a:cxn>
+              <a:cxn ang="0">
+                <a:pos x="connsiteX7" y="connsiteY7"/>
+              </a:cxn>
+              <a:cxn ang="0">
+                <a:pos x="connsiteX8" y="connsiteY8"/>
+              </a:cxn>
+              <a:cxn ang="0">
+                <a:pos x="connsiteX9" y="connsiteY9"/>
+              </a:cxn>
+              <a:cxn ang="0">
+                <a:pos x="connsiteX10" y="connsiteY10"/>
+              </a:cxn>
+              <a:cxn ang="0">
+                <a:pos x="connsiteX11" y="connsiteY11"/>
+              </a:cxn>
+              <a:cxn ang="0">
+                <a:pos x="connsiteX12" y="connsiteY12"/>
+              </a:cxn>
+              <a:cxn ang="0">
+                <a:pos x="connsiteX13" y="connsiteY13"/>
+              </a:cxn>
+              <a:cxn ang="0">
+                <a:pos x="connsiteX14" y="connsiteY14"/>
+              </a:cxn>
+              <a:cxn ang="0">
+                <a:pos x="connsiteX15" y="connsiteY15"/>
+              </a:cxn>
+              <a:cxn ang="0">
+                <a:pos x="connsiteX16" y="connsiteY16"/>
+              </a:cxn>
+              <a:cxn ang="0">
+                <a:pos x="connsiteX17" y="connsiteY17"/>
+              </a:cxn>
+              <a:cxn ang="0">
+                <a:pos x="connsiteX18" y="connsiteY18"/>
+              </a:cxn>
+              <a:cxn ang="0">
+                <a:pos x="connsiteX19" y="connsiteY19"/>
+              </a:cxn>
+              <a:cxn ang="0">
+                <a:pos x="connsiteX20" y="connsiteY20"/>
+              </a:cxn>
+              <a:cxn ang="0">
+                <a:pos x="connsiteX21" y="connsiteY21"/>
+              </a:cxn>
+              <a:cxn ang="0">
+                <a:pos x="connsiteX22" y="connsiteY22"/>
+              </a:cxn>
+              <a:cxn ang="0">
+                <a:pos x="connsiteX23" y="connsiteY23"/>
+              </a:cxn>
+              <a:cxn ang="0">
+                <a:pos x="connsiteX24" y="connsiteY24"/>
+              </a:cxn>
+              <a:cxn ang="0">
+                <a:pos x="connsiteX25" y="connsiteY25"/>
+              </a:cxn>
+              <a:cxn ang="0">
+                <a:pos x="connsiteX26" y="connsiteY26"/>
+              </a:cxn>
+              <a:cxn ang="0">
+                <a:pos x="connsiteX27" y="connsiteY27"/>
+              </a:cxn>
+              <a:cxn ang="0">
+                <a:pos x="connsiteX28" y="connsiteY28"/>
+              </a:cxn>
+              <a:cxn ang="0">
+                <a:pos x="connsiteX29" y="connsiteY29"/>
+              </a:cxn>
+              <a:cxn ang="0">
+                <a:pos x="connsiteX30" y="connsiteY30"/>
+              </a:cxn>
+              <a:cxn ang="0">
+                <a:pos x="connsiteX31" y="connsiteY31"/>
+              </a:cxn>
+              <a:cxn ang="0">
+                <a:pos x="connsiteX32" y="connsiteY32"/>
+              </a:cxn>
+              <a:cxn ang="0">
+                <a:pos x="connsiteX33" y="connsiteY33"/>
+              </a:cxn>
+              <a:cxn ang="0">
+                <a:pos x="connsiteX34" y="connsiteY34"/>
+              </a:cxn>
+              <a:cxn ang="0">
+                <a:pos x="connsiteX35" y="connsiteY35"/>
+              </a:cxn>
+              <a:cxn ang="0">
+                <a:pos x="connsiteX36" y="connsiteY36"/>
+              </a:cxn>
+              <a:cxn ang="0">
+                <a:pos x="connsiteX37" y="connsiteY37"/>
+              </a:cxn>
+              <a:cxn ang="0">
+                <a:pos x="connsiteX38" y="connsiteY38"/>
+              </a:cxn>
+              <a:cxn ang="0">
+                <a:pos x="connsiteX39" y="connsiteY39"/>
+              </a:cxn>
+              <a:cxn ang="0">
+                <a:pos x="connsiteX40" y="connsiteY40"/>
+              </a:cxn>
+              <a:cxn ang="0">
+                <a:pos x="connsiteX41" y="connsiteY41"/>
+              </a:cxn>
+              <a:cxn ang="0">
+                <a:pos x="connsiteX42" y="connsiteY42"/>
+              </a:cxn>
+              <a:cxn ang="0">
+                <a:pos x="connsiteX43" y="connsiteY43"/>
+              </a:cxn>
+              <a:cxn ang="0">
+                <a:pos x="connsiteX44" y="connsiteY44"/>
+              </a:cxn>
+              <a:cxn ang="0">
+                <a:pos x="connsiteX45" y="connsiteY45"/>
+              </a:cxn>
+              <a:cxn ang="0">
+                <a:pos x="connsiteX46" y="connsiteY46"/>
+              </a:cxn>
+            </a:cxnLst>
+            <a:rect l="l" t="t" r="r" b="b"/>
+            <a:pathLst>
+              <a:path w="4381009" h="5892104">
+                <a:moveTo>
+                  <a:pt x="0" y="0"/>
+                </a:moveTo>
+                <a:lnTo>
+                  <a:pt x="4157628" y="0"/>
+                </a:lnTo>
+                <a:lnTo>
+                  <a:pt x="4169302" y="68659"/>
+                </a:lnTo>
+                <a:lnTo>
+                  <a:pt x="4191571" y="205472"/>
+                </a:lnTo>
+                <a:lnTo>
+                  <a:pt x="4213368" y="342890"/>
+                </a:lnTo>
+                <a:lnTo>
+                  <a:pt x="4232030" y="480913"/>
+                </a:lnTo>
+                <a:lnTo>
+                  <a:pt x="4250848" y="618332"/>
+                </a:lnTo>
+                <a:lnTo>
+                  <a:pt x="4268412" y="756355"/>
+                </a:lnTo>
+                <a:lnTo>
+                  <a:pt x="4283467" y="892563"/>
+                </a:lnTo>
+                <a:lnTo>
+                  <a:pt x="4297737" y="1030587"/>
+                </a:lnTo>
+                <a:lnTo>
+                  <a:pt x="4310754" y="1168005"/>
+                </a:lnTo>
+                <a:lnTo>
+                  <a:pt x="4322045" y="1303002"/>
+                </a:lnTo>
+                <a:lnTo>
+                  <a:pt x="4333336" y="1439815"/>
+                </a:lnTo>
+                <a:lnTo>
+                  <a:pt x="4342745" y="1574812"/>
+                </a:lnTo>
+                <a:lnTo>
+                  <a:pt x="4350115" y="1709808"/>
+                </a:lnTo>
+                <a:lnTo>
+                  <a:pt x="4357799" y="1844200"/>
+                </a:lnTo>
+                <a:lnTo>
+                  <a:pt x="4364229" y="1977381"/>
+                </a:lnTo>
+                <a:lnTo>
+                  <a:pt x="4368777" y="2109351"/>
+                </a:lnTo>
+                <a:lnTo>
+                  <a:pt x="4372697" y="2241321"/>
+                </a:lnTo>
+                <a:lnTo>
+                  <a:pt x="4376461" y="2372080"/>
+                </a:lnTo>
+                <a:lnTo>
+                  <a:pt x="4378186" y="2501023"/>
+                </a:lnTo>
+                <a:lnTo>
+                  <a:pt x="4380068" y="2629966"/>
+                </a:lnTo>
+                <a:lnTo>
+                  <a:pt x="4381009" y="2757093"/>
+                </a:lnTo>
+                <a:lnTo>
+                  <a:pt x="4380068" y="2883010"/>
+                </a:lnTo>
+                <a:lnTo>
+                  <a:pt x="4380068" y="3007715"/>
+                </a:lnTo>
+                <a:lnTo>
+                  <a:pt x="4378186" y="3131210"/>
+                </a:lnTo>
+                <a:lnTo>
+                  <a:pt x="4375363" y="3252283"/>
+                </a:lnTo>
+                <a:lnTo>
+                  <a:pt x="4372697" y="3372146"/>
+                </a:lnTo>
+                <a:lnTo>
+                  <a:pt x="4369718" y="3489587"/>
+                </a:lnTo>
+                <a:lnTo>
+                  <a:pt x="4365170" y="3606423"/>
+                </a:lnTo>
+                <a:lnTo>
+                  <a:pt x="4360309" y="3721443"/>
+                </a:lnTo>
+                <a:lnTo>
+                  <a:pt x="4355918" y="3834041"/>
+                </a:lnTo>
+                <a:lnTo>
+                  <a:pt x="4343529" y="4053789"/>
+                </a:lnTo>
+                <a:lnTo>
+                  <a:pt x="4330356" y="4264457"/>
+                </a:lnTo>
+                <a:lnTo>
+                  <a:pt x="4316556" y="4466650"/>
+                </a:lnTo>
+                <a:lnTo>
+                  <a:pt x="4301344" y="4657946"/>
+                </a:lnTo>
+                <a:lnTo>
+                  <a:pt x="4285506" y="4840767"/>
+                </a:lnTo>
+                <a:lnTo>
+                  <a:pt x="4268412" y="5010269"/>
+                </a:lnTo>
+                <a:lnTo>
+                  <a:pt x="4251633" y="5169481"/>
+                </a:lnTo>
+                <a:lnTo>
+                  <a:pt x="4234853" y="5315980"/>
+                </a:lnTo>
+                <a:lnTo>
+                  <a:pt x="4219014" y="5450371"/>
+                </a:lnTo>
+                <a:lnTo>
+                  <a:pt x="4203959" y="5569628"/>
+                </a:lnTo>
+                <a:lnTo>
+                  <a:pt x="4189689" y="5677384"/>
+                </a:lnTo>
+                <a:lnTo>
+                  <a:pt x="4177770" y="5768189"/>
+                </a:lnTo>
+                <a:lnTo>
+                  <a:pt x="4166479" y="5844465"/>
+                </a:lnTo>
+                <a:lnTo>
+                  <a:pt x="4159132" y="5892104"/>
+                </a:lnTo>
+                <a:lnTo>
+                  <a:pt x="0" y="5892104"/>
+                </a:lnTo>
+                <a:close/>
+              </a:path>
+            </a:pathLst>
+          </a:custGeom>
+          <a:solidFill>
+            <a:srgbClr val="404040"/>
+          </a:solidFill>
+          <a:ln>
+            <a:noFill/>
+          </a:ln>
+        </p:spPr>
+        <p:style>
+          <a:lnRef idx="2">
+            <a:schemeClr val="accent1">
+              <a:shade val="50000"/>
+            </a:schemeClr>
+          </a:lnRef>
+          <a:fillRef idx="1">
+            <a:schemeClr val="accent1"/>
+          </a:fillRef>
+          <a:effectRef idx="0">
+            <a:schemeClr val="accent1"/>
+          </a:effectRef>
+          <a:fontRef idx="minor">
+            <a:schemeClr val="lt1"/>
+          </a:fontRef>
+        </p:style>
+        <p:txBody>
+          <a:bodyPr wrap="square" rtlCol="0" anchor="ctr">
+            <a:noAutofit/>
+          </a:bodyPr>
+          <a:lstStyle/>
+          <a:p>
+            <a:pPr marL="0" marR="0" lvl="0" indent="0" algn="ctr" defTabSz="457200" rtl="0" eaLnBrk="1" fontAlgn="auto" latinLnBrk="0" hangingPunct="1">
+              <a:lnSpc>
+                <a:spcPct val="100000"/>
+              </a:lnSpc>
+              <a:spcBef>
+                <a:spcPts val="0"/>
+              </a:spcBef>
+              <a:spcAft>
+                <a:spcPts val="0"/>
+              </a:spcAft>
+              <a:buClrTx/>
+              <a:buSzTx/>
+              <a:buFontTx/>
+              <a:buNone/>
+              <a:tabLst/>
+              <a:defRPr/>
+            </a:pPr>
+            <a:endParaRPr kumimoji="0" lang="en-US" sz="1800" b="0" i="0" u="none" strike="noStrike" kern="1200" cap="none" spc="0" normalizeH="0" baseline="0" noProof="0">
+              <a:ln>
+                <a:noFill/>
+              </a:ln>
+              <a:solidFill>
+                <a:prstClr val="white"/>
+              </a:solidFill>
+              <a:effectLst/>
+              <a:uLnTx/>
+              <a:uFillTx/>
+              <a:latin typeface="Calibri" panose="020F0502020204030204"/>
+              <a:ea typeface="+mn-ea"/>
+              <a:cs typeface="+mn-cs"/>
+            </a:endParaRPr>
+          </a:p>
+        </p:txBody>
+      </p:sp>
+      <p:sp>
+        <p:nvSpPr>
+          <p:cNvPr id="2" name="Title 1">
+            <a:extLst>
+              <a:ext uri="{FF2B5EF4-FFF2-40B4-BE49-F238E27FC236}">
+                <a16:creationId xmlns:a16="http://schemas.microsoft.com/office/drawing/2014/main" id="{01698DCF-D42A-4800-957E-8F5403CA167D}"/>
+              </a:ext>
+            </a:extLst>
+          </p:cNvPr>
+          <p:cNvSpPr>
+            <a:spLocks noGrp="1"/>
+          </p:cNvSpPr>
+          <p:nvPr>
+            <p:ph type="title"/>
+          </p:nvPr>
+        </p:nvSpPr>
+        <p:spPr>
+          <a:xfrm>
+            <a:off x="863029" y="1012004"/>
+            <a:ext cx="3416158" cy="4795408"/>
+          </a:xfrm>
+        </p:spPr>
+        <p:txBody>
+          <a:bodyPr>
+            <a:normAutofit/>
+          </a:bodyPr>
+          <a:lstStyle/>
+          <a:p>
+            <a:r>
+              <a:rPr lang="en-US" dirty="0">
+                <a:solidFill>
+                  <a:srgbClr val="FFFFFF"/>
+                </a:solidFill>
+              </a:rPr>
+              <a:t>Model 5</a:t>
+            </a:r>
+          </a:p>
+        </p:txBody>
+      </p:sp>
+      <p:graphicFrame>
+        <p:nvGraphicFramePr>
+          <p:cNvPr id="5" name="Content Placeholder 2">
+            <a:extLst>
+              <a:ext uri="{FF2B5EF4-FFF2-40B4-BE49-F238E27FC236}">
+                <a16:creationId xmlns:a16="http://schemas.microsoft.com/office/drawing/2014/main" id="{4BF919CD-6C18-47F9-9A17-3FD13167A2C6}"/>
+              </a:ext>
+            </a:extLst>
+          </p:cNvPr>
+          <p:cNvGraphicFramePr>
+            <a:graphicFrameLocks noGrp="1"/>
+          </p:cNvGraphicFramePr>
+          <p:nvPr>
+            <p:ph idx="1"/>
+            <p:extLst>
+              <p:ext uri="{D42A27DB-BD31-4B8C-83A1-F6EECF244321}">
+                <p14:modId xmlns:p14="http://schemas.microsoft.com/office/powerpoint/2010/main" val="2974862506"/>
+              </p:ext>
+            </p:extLst>
+          </p:nvPr>
+        </p:nvGraphicFramePr>
+        <p:xfrm>
+          <a:off x="5194300" y="470924"/>
+          <a:ext cx="6513604" cy="5885426"/>
+        </p:xfrm>
+        <a:graphic>
+          <a:graphicData uri="http://schemas.openxmlformats.org/drawingml/2006/diagram">
+            <dgm:relIds xmlns:dgm="http://schemas.openxmlformats.org/drawingml/2006/diagram" xmlns:r="http://schemas.openxmlformats.org/officeDocument/2006/relationships" r:dm="rId2" r:lo="rId3" r:qs="rId4" r:cs="rId5"/>
+          </a:graphicData>
+        </a:graphic>
+      </p:graphicFrame>
+    </p:spTree>
+    <p:extLst>
+      <p:ext uri="{BB962C8B-B14F-4D97-AF65-F5344CB8AC3E}">
+        <p14:creationId xmlns:p14="http://schemas.microsoft.com/office/powerpoint/2010/main" val="3886402162"/>
+      </p:ext>
+    </p:extLst>
+  </p:cSld>
+  <p:clrMapOvr>
+    <a:masterClrMapping/>
+  </p:clrMapOvr>
+</p:sld>
+</file>
+
+<file path=ppt/slides/slide8.xml><?xml version="1.0" encoding="utf-8"?>
+<p:sld xmlns:a="http://schemas.openxmlformats.org/drawingml/2006/main" xmlns:r="http://schemas.openxmlformats.org/officeDocument/2006/relationships" xmlns:p="http://schemas.openxmlformats.org/presentationml/2006/main">
+  <p:cSld>
+    <p:bg>
+      <p:bgPr>
+        <a:solidFill>
+          <a:schemeClr val="bg1"/>
+        </a:solidFill>
+        <a:effectLst/>
+      </p:bgPr>
+    </p:bg>
+    <p:spTree>
+      <p:nvGrpSpPr>
+        <p:cNvPr id="1" name=""/>
+        <p:cNvGrpSpPr/>
+        <p:nvPr/>
+      </p:nvGrpSpPr>
+      <p:grpSpPr>
+        <a:xfrm>
+          <a:off x="0" y="0"/>
+          <a:ext cx="0" cy="0"/>
+          <a:chOff x="0" y="0"/>
+          <a:chExt cx="0" cy="0"/>
+        </a:xfrm>
+      </p:grpSpPr>
+      <p:sp>
+        <p:nvSpPr>
           <p:cNvPr id="2" name="Title 1">
             <a:extLst>
               <a:ext uri="{FF2B5EF4-FFF2-40B4-BE49-F238E27FC236}">
@@ -25030,7 +29541,7 @@
             <p:ph idx="1"/>
             <p:extLst>
               <p:ext uri="{D42A27DB-BD31-4B8C-83A1-F6EECF244321}">
-                <p14:modId xmlns:p14="http://schemas.microsoft.com/office/powerpoint/2010/main" val="3938698714"/>
+                <p14:modId xmlns:p14="http://schemas.microsoft.com/office/powerpoint/2010/main" val="1517911959"/>
               </p:ext>
             </p:extLst>
           </p:nvPr>
@@ -25351,4 +29862,299 @@
     </a:ext>
   </a:extLst>
 </a:theme>
+</file>
+
+<file path=ppt/theme/theme2.xml><?xml version="1.0" encoding="utf-8"?>
+<a:theme xmlns:a="http://schemas.openxmlformats.org/drawingml/2006/main" name="Office Theme">
+  <a:themeElements>
+    <a:clrScheme name="Office">
+      <a:dk1>
+        <a:sysClr val="windowText" lastClr="000000"/>
+      </a:dk1>
+      <a:lt1>
+        <a:sysClr val="window" lastClr="FFFFFF"/>
+      </a:lt1>
+      <a:dk2>
+        <a:srgbClr val="44546A"/>
+      </a:dk2>
+      <a:lt2>
+        <a:srgbClr val="E7E6E6"/>
+      </a:lt2>
+      <a:accent1>
+        <a:srgbClr val="4472C4"/>
+      </a:accent1>
+      <a:accent2>
+        <a:srgbClr val="ED7D31"/>
+      </a:accent2>
+      <a:accent3>
+        <a:srgbClr val="A5A5A5"/>
+      </a:accent3>
+      <a:accent4>
+        <a:srgbClr val="FFC000"/>
+      </a:accent4>
+      <a:accent5>
+        <a:srgbClr val="5B9BD5"/>
+      </a:accent5>
+      <a:accent6>
+        <a:srgbClr val="70AD47"/>
+      </a:accent6>
+      <a:hlink>
+        <a:srgbClr val="0563C1"/>
+      </a:hlink>
+      <a:folHlink>
+        <a:srgbClr val="954F72"/>
+      </a:folHlink>
+    </a:clrScheme>
+    <a:fontScheme name="Office">
+      <a:majorFont>
+        <a:latin typeface="Calibri Light" panose="020F0302020204030204"/>
+        <a:ea typeface=""/>
+        <a:cs typeface=""/>
+        <a:font script="Jpan" typeface="游ゴシック Light"/>
+        <a:font script="Hang" typeface="맑은 고딕"/>
+        <a:font script="Hans" typeface="等线 Light"/>
+        <a:font script="Hant" typeface="新細明體"/>
+        <a:font script="Arab" typeface="Times New Roman"/>
+        <a:font script="Hebr" typeface="Times New Roman"/>
+        <a:font script="Thai" typeface="Angsana New"/>
+        <a:font script="Ethi" typeface="Nyala"/>
+        <a:font script="Beng" typeface="Vrinda"/>
+        <a:font script="Gujr" typeface="Shruti"/>
+        <a:font script="Khmr" typeface="MoolBoran"/>
+        <a:font script="Knda" typeface="Tunga"/>
+        <a:font script="Guru" typeface="Raavi"/>
+        <a:font script="Cans" typeface="Euphemia"/>
+        <a:font script="Cher" typeface="Plantagenet Cherokee"/>
+        <a:font script="Yiii" typeface="Microsoft Yi Baiti"/>
+        <a:font script="Tibt" typeface="Microsoft Himalaya"/>
+        <a:font script="Thaa" typeface="MV Boli"/>
+        <a:font script="Deva" typeface="Mangal"/>
+        <a:font script="Telu" typeface="Gautami"/>
+        <a:font script="Taml" typeface="Latha"/>
+        <a:font script="Syrc" typeface="Estrangelo Edessa"/>
+        <a:font script="Orya" typeface="Kalinga"/>
+        <a:font script="Mlym" typeface="Kartika"/>
+        <a:font script="Laoo" typeface="DokChampa"/>
+        <a:font script="Sinh" typeface="Iskoola Pota"/>
+        <a:font script="Mong" typeface="Mongolian Baiti"/>
+        <a:font script="Viet" typeface="Times New Roman"/>
+        <a:font script="Uigh" typeface="Microsoft Uighur"/>
+        <a:font script="Geor" typeface="Sylfaen"/>
+        <a:font script="Armn" typeface="Arial"/>
+        <a:font script="Bugi" typeface="Leelawadee UI"/>
+        <a:font script="Bopo" typeface="Microsoft JhengHei"/>
+        <a:font script="Java" typeface="Javanese Text"/>
+        <a:font script="Lisu" typeface="Segoe UI"/>
+        <a:font script="Mymr" typeface="Myanmar Text"/>
+        <a:font script="Nkoo" typeface="Ebrima"/>
+        <a:font script="Olck" typeface="Nirmala UI"/>
+        <a:font script="Osma" typeface="Ebrima"/>
+        <a:font script="Phag" typeface="Phagspa"/>
+        <a:font script="Syrn" typeface="Estrangelo Edessa"/>
+        <a:font script="Syrj" typeface="Estrangelo Edessa"/>
+        <a:font script="Syre" typeface="Estrangelo Edessa"/>
+        <a:font script="Sora" typeface="Nirmala UI"/>
+        <a:font script="Tale" typeface="Microsoft Tai Le"/>
+        <a:font script="Talu" typeface="Microsoft New Tai Lue"/>
+        <a:font script="Tfng" typeface="Ebrima"/>
+      </a:majorFont>
+      <a:minorFont>
+        <a:latin typeface="Calibri" panose="020F0502020204030204"/>
+        <a:ea typeface=""/>
+        <a:cs typeface=""/>
+        <a:font script="Jpan" typeface="游ゴシック"/>
+        <a:font script="Hang" typeface="맑은 고딕"/>
+        <a:font script="Hans" typeface="等线"/>
+        <a:font script="Hant" typeface="新細明體"/>
+        <a:font script="Arab" typeface="Arial"/>
+        <a:font script="Hebr" typeface="Arial"/>
+        <a:font script="Thai" typeface="Cordia New"/>
+        <a:font script="Ethi" typeface="Nyala"/>
+        <a:font script="Beng" typeface="Vrinda"/>
+        <a:font script="Gujr" typeface="Shruti"/>
+        <a:font script="Khmr" typeface="DaunPenh"/>
+        <a:font script="Knda" typeface="Tunga"/>
+        <a:font script="Guru" typeface="Raavi"/>
+        <a:font script="Cans" typeface="Euphemia"/>
+        <a:font script="Cher" typeface="Plantagenet Cherokee"/>
+        <a:font script="Yiii" typeface="Microsoft Yi Baiti"/>
+        <a:font script="Tibt" typeface="Microsoft Himalaya"/>
+        <a:font script="Thaa" typeface="MV Boli"/>
+        <a:font script="Deva" typeface="Mangal"/>
+        <a:font script="Telu" typeface="Gautami"/>
+        <a:font script="Taml" typeface="Latha"/>
+        <a:font script="Syrc" typeface="Estrangelo Edessa"/>
+        <a:font script="Orya" typeface="Kalinga"/>
+        <a:font script="Mlym" typeface="Kartika"/>
+        <a:font script="Laoo" typeface="DokChampa"/>
+        <a:font script="Sinh" typeface="Iskoola Pota"/>
+        <a:font script="Mong" typeface="Mongolian Baiti"/>
+        <a:font script="Viet" typeface="Arial"/>
+        <a:font script="Uigh" typeface="Microsoft Uighur"/>
+        <a:font script="Geor" typeface="Sylfaen"/>
+        <a:font script="Armn" typeface="Arial"/>
+        <a:font script="Bugi" typeface="Leelawadee UI"/>
+        <a:font script="Bopo" typeface="Microsoft JhengHei"/>
+        <a:font script="Java" typeface="Javanese Text"/>
+        <a:font script="Lisu" typeface="Segoe UI"/>
+        <a:font script="Mymr" typeface="Myanmar Text"/>
+        <a:font script="Nkoo" typeface="Ebrima"/>
+        <a:font script="Olck" typeface="Nirmala UI"/>
+        <a:font script="Osma" typeface="Ebrima"/>
+        <a:font script="Phag" typeface="Phagspa"/>
+        <a:font script="Syrn" typeface="Estrangelo Edessa"/>
+        <a:font script="Syrj" typeface="Estrangelo Edessa"/>
+        <a:font script="Syre" typeface="Estrangelo Edessa"/>
+        <a:font script="Sora" typeface="Nirmala UI"/>
+        <a:font script="Tale" typeface="Microsoft Tai Le"/>
+        <a:font script="Talu" typeface="Microsoft New Tai Lue"/>
+        <a:font script="Tfng" typeface="Ebrima"/>
+      </a:minorFont>
+    </a:fontScheme>
+    <a:fmtScheme name="Office">
+      <a:fillStyleLst>
+        <a:solidFill>
+          <a:schemeClr val="phClr"/>
+        </a:solidFill>
+        <a:gradFill rotWithShape="1">
+          <a:gsLst>
+            <a:gs pos="0">
+              <a:schemeClr val="phClr">
+                <a:lumMod val="110000"/>
+                <a:satMod val="105000"/>
+                <a:tint val="67000"/>
+              </a:schemeClr>
+            </a:gs>
+            <a:gs pos="50000">
+              <a:schemeClr val="phClr">
+                <a:lumMod val="105000"/>
+                <a:satMod val="103000"/>
+                <a:tint val="73000"/>
+              </a:schemeClr>
+            </a:gs>
+            <a:gs pos="100000">
+              <a:schemeClr val="phClr">
+                <a:lumMod val="105000"/>
+                <a:satMod val="109000"/>
+                <a:tint val="81000"/>
+              </a:schemeClr>
+            </a:gs>
+          </a:gsLst>
+          <a:lin ang="5400000" scaled="0"/>
+        </a:gradFill>
+        <a:gradFill rotWithShape="1">
+          <a:gsLst>
+            <a:gs pos="0">
+              <a:schemeClr val="phClr">
+                <a:satMod val="103000"/>
+                <a:lumMod val="102000"/>
+                <a:tint val="94000"/>
+              </a:schemeClr>
+            </a:gs>
+            <a:gs pos="50000">
+              <a:schemeClr val="phClr">
+                <a:satMod val="110000"/>
+                <a:lumMod val="100000"/>
+                <a:shade val="100000"/>
+              </a:schemeClr>
+            </a:gs>
+            <a:gs pos="100000">
+              <a:schemeClr val="phClr">
+                <a:lumMod val="99000"/>
+                <a:satMod val="120000"/>
+                <a:shade val="78000"/>
+              </a:schemeClr>
+            </a:gs>
+          </a:gsLst>
+          <a:lin ang="5400000" scaled="0"/>
+        </a:gradFill>
+      </a:fillStyleLst>
+      <a:lnStyleLst>
+        <a:ln w="6350" cap="flat" cmpd="sng" algn="ctr">
+          <a:solidFill>
+            <a:schemeClr val="phClr"/>
+          </a:solidFill>
+          <a:prstDash val="solid"/>
+          <a:miter lim="800000"/>
+        </a:ln>
+        <a:ln w="12700" cap="flat" cmpd="sng" algn="ctr">
+          <a:solidFill>
+            <a:schemeClr val="phClr"/>
+          </a:solidFill>
+          <a:prstDash val="solid"/>
+          <a:miter lim="800000"/>
+        </a:ln>
+        <a:ln w="19050" cap="flat" cmpd="sng" algn="ctr">
+          <a:solidFill>
+            <a:schemeClr val="phClr"/>
+          </a:solidFill>
+          <a:prstDash val="solid"/>
+          <a:miter lim="800000"/>
+        </a:ln>
+      </a:lnStyleLst>
+      <a:effectStyleLst>
+        <a:effectStyle>
+          <a:effectLst/>
+        </a:effectStyle>
+        <a:effectStyle>
+          <a:effectLst/>
+        </a:effectStyle>
+        <a:effectStyle>
+          <a:effectLst>
+            <a:outerShdw blurRad="57150" dist="19050" dir="5400000" algn="ctr" rotWithShape="0">
+              <a:srgbClr val="000000">
+                <a:alpha val="63000"/>
+              </a:srgbClr>
+            </a:outerShdw>
+          </a:effectLst>
+        </a:effectStyle>
+      </a:effectStyleLst>
+      <a:bgFillStyleLst>
+        <a:solidFill>
+          <a:schemeClr val="phClr"/>
+        </a:solidFill>
+        <a:solidFill>
+          <a:schemeClr val="phClr">
+            <a:tint val="95000"/>
+            <a:satMod val="170000"/>
+          </a:schemeClr>
+        </a:solidFill>
+        <a:gradFill rotWithShape="1">
+          <a:gsLst>
+            <a:gs pos="0">
+              <a:schemeClr val="phClr">
+                <a:tint val="93000"/>
+                <a:satMod val="150000"/>
+                <a:shade val="98000"/>
+                <a:lumMod val="102000"/>
+              </a:schemeClr>
+            </a:gs>
+            <a:gs pos="50000">
+              <a:schemeClr val="phClr">
+                <a:tint val="98000"/>
+                <a:satMod val="130000"/>
+                <a:shade val="90000"/>
+                <a:lumMod val="103000"/>
+              </a:schemeClr>
+            </a:gs>
+            <a:gs pos="100000">
+              <a:schemeClr val="phClr">
+                <a:shade val="63000"/>
+                <a:satMod val="120000"/>
+              </a:schemeClr>
+            </a:gs>
+          </a:gsLst>
+          <a:lin ang="5400000" scaled="0"/>
+        </a:gradFill>
+      </a:bgFillStyleLst>
+    </a:fmtScheme>
+  </a:themeElements>
+  <a:objectDefaults/>
+  <a:extraClrSchemeLst/>
+  <a:extLst>
+    <a:ext uri="{05A4C25C-085E-4340-85A3-A5531E510DB2}">
+      <thm15:themeFamily xmlns:thm15="http://schemas.microsoft.com/office/thememl/2012/main" name="Office Theme" id="{62F939B6-93AF-4DB8-9C6B-D6C7DFDC589F}" vid="{4A3C46E8-61CC-4603-A589-7422A47A8E4A}"/>
+    </a:ext>
+  </a:extLst>
+</a:theme>
 </file>